--- a/Documentação/pptx/Banner1.pptx
+++ b/Documentação/pptx/Banner1.pptx
@@ -6,6 +6,9 @@
   </p:sldMasterIdLst>
   <p:sldIdLst>
     <p:sldId id="256" r:id="rId2"/>
+    <p:sldId id="257" r:id="rId3"/>
+    <p:sldId id="258" r:id="rId4"/>
+    <p:sldId id="259" r:id="rId5"/>
   </p:sldIdLst>
   <p:sldSz cx="7143750" cy="2381250"/>
   <p:notesSz cx="6858000" cy="9144000"/>
@@ -243,7 +246,7 @@
           <a:p>
             <a:fld id="{B37B9FE5-737C-46BE-B8FD-3C35E6D1D0B7}" type="datetimeFigureOut">
               <a:rPr lang="pt-BR" smtClean="0"/>
-              <a:t>06/11/2018</a:t>
+              <a:t>07/11/2018</a:t>
             </a:fld>
             <a:endParaRPr lang="pt-BR"/>
           </a:p>
@@ -413,7 +416,7 @@
           <a:p>
             <a:fld id="{B37B9FE5-737C-46BE-B8FD-3C35E6D1D0B7}" type="datetimeFigureOut">
               <a:rPr lang="pt-BR" smtClean="0"/>
-              <a:t>06/11/2018</a:t>
+              <a:t>07/11/2018</a:t>
             </a:fld>
             <a:endParaRPr lang="pt-BR"/>
           </a:p>
@@ -593,7 +596,7 @@
           <a:p>
             <a:fld id="{B37B9FE5-737C-46BE-B8FD-3C35E6D1D0B7}" type="datetimeFigureOut">
               <a:rPr lang="pt-BR" smtClean="0"/>
-              <a:t>06/11/2018</a:t>
+              <a:t>07/11/2018</a:t>
             </a:fld>
             <a:endParaRPr lang="pt-BR"/>
           </a:p>
@@ -763,7 +766,7 @@
           <a:p>
             <a:fld id="{B37B9FE5-737C-46BE-B8FD-3C35E6D1D0B7}" type="datetimeFigureOut">
               <a:rPr lang="pt-BR" smtClean="0"/>
-              <a:t>06/11/2018</a:t>
+              <a:t>07/11/2018</a:t>
             </a:fld>
             <a:endParaRPr lang="pt-BR"/>
           </a:p>
@@ -1009,7 +1012,7 @@
           <a:p>
             <a:fld id="{B37B9FE5-737C-46BE-B8FD-3C35E6D1D0B7}" type="datetimeFigureOut">
               <a:rPr lang="pt-BR" smtClean="0"/>
-              <a:t>06/11/2018</a:t>
+              <a:t>07/11/2018</a:t>
             </a:fld>
             <a:endParaRPr lang="pt-BR"/>
           </a:p>
@@ -1241,7 +1244,7 @@
           <a:p>
             <a:fld id="{B37B9FE5-737C-46BE-B8FD-3C35E6D1D0B7}" type="datetimeFigureOut">
               <a:rPr lang="pt-BR" smtClean="0"/>
-              <a:t>06/11/2018</a:t>
+              <a:t>07/11/2018</a:t>
             </a:fld>
             <a:endParaRPr lang="pt-BR"/>
           </a:p>
@@ -1608,7 +1611,7 @@
           <a:p>
             <a:fld id="{B37B9FE5-737C-46BE-B8FD-3C35E6D1D0B7}" type="datetimeFigureOut">
               <a:rPr lang="pt-BR" smtClean="0"/>
-              <a:t>06/11/2018</a:t>
+              <a:t>07/11/2018</a:t>
             </a:fld>
             <a:endParaRPr lang="pt-BR"/>
           </a:p>
@@ -1726,7 +1729,7 @@
           <a:p>
             <a:fld id="{B37B9FE5-737C-46BE-B8FD-3C35E6D1D0B7}" type="datetimeFigureOut">
               <a:rPr lang="pt-BR" smtClean="0"/>
-              <a:t>06/11/2018</a:t>
+              <a:t>07/11/2018</a:t>
             </a:fld>
             <a:endParaRPr lang="pt-BR"/>
           </a:p>
@@ -1821,7 +1824,7 @@
           <a:p>
             <a:fld id="{B37B9FE5-737C-46BE-B8FD-3C35E6D1D0B7}" type="datetimeFigureOut">
               <a:rPr lang="pt-BR" smtClean="0"/>
-              <a:t>06/11/2018</a:t>
+              <a:t>07/11/2018</a:t>
             </a:fld>
             <a:endParaRPr lang="pt-BR"/>
           </a:p>
@@ -2098,7 +2101,7 @@
           <a:p>
             <a:fld id="{B37B9FE5-737C-46BE-B8FD-3C35E6D1D0B7}" type="datetimeFigureOut">
               <a:rPr lang="pt-BR" smtClean="0"/>
-              <a:t>06/11/2018</a:t>
+              <a:t>07/11/2018</a:t>
             </a:fld>
             <a:endParaRPr lang="pt-BR"/>
           </a:p>
@@ -2355,7 +2358,7 @@
           <a:p>
             <a:fld id="{B37B9FE5-737C-46BE-B8FD-3C35E6D1D0B7}" type="datetimeFigureOut">
               <a:rPr lang="pt-BR" smtClean="0"/>
-              <a:t>06/11/2018</a:t>
+              <a:t>07/11/2018</a:t>
             </a:fld>
             <a:endParaRPr lang="pt-BR"/>
           </a:p>
@@ -2568,7 +2571,7 @@
           <a:p>
             <a:fld id="{B37B9FE5-737C-46BE-B8FD-3C35E6D1D0B7}" type="datetimeFigureOut">
               <a:rPr lang="pt-BR" smtClean="0"/>
-              <a:t>06/11/2018</a:t>
+              <a:t>07/11/2018</a:t>
             </a:fld>
             <a:endParaRPr lang="pt-BR"/>
           </a:p>
@@ -2978,7 +2981,7 @@
           <p:cNvPr id="1026" name="Picture 2" descr="Cthulhu LARP Cult of YIG Lovecraft Monsters Necronomicon Occult Dark Art Demons | eBay">
             <a:extLst>
               <a:ext uri="{FF2B5EF4-FFF2-40B4-BE49-F238E27FC236}">
-                <a16:creationId xmlns:a16="http://schemas.microsoft.com/office/drawing/2014/main" id="{30B8E49A-3E4B-4F41-A129-C86640182180}"/>
+                <a16:creationId xmlns:a16="http://schemas.microsoft.com/office/drawing/2014/main" xmlns="" id="{30B8E49A-3E4B-4F41-A129-C86640182180}"/>
               </a:ext>
             </a:extLst>
           </p:cNvPr>
@@ -3025,7 +3028,7 @@
           <p:cNvPr id="15" name="Retângulo 14">
             <a:extLst>
               <a:ext uri="{FF2B5EF4-FFF2-40B4-BE49-F238E27FC236}">
-                <a16:creationId xmlns:a16="http://schemas.microsoft.com/office/drawing/2014/main" id="{DE031CF8-94D5-4139-96ED-40AA4502A25D}"/>
+                <a16:creationId xmlns:a16="http://schemas.microsoft.com/office/drawing/2014/main" xmlns="" id="{DE031CF8-94D5-4139-96ED-40AA4502A25D}"/>
               </a:ext>
             </a:extLst>
           </p:cNvPr>
@@ -3077,7 +3080,7 @@
           <p:cNvPr id="16" name="Forma Livre: Forma 15">
             <a:extLst>
               <a:ext uri="{FF2B5EF4-FFF2-40B4-BE49-F238E27FC236}">
-                <a16:creationId xmlns:a16="http://schemas.microsoft.com/office/drawing/2014/main" id="{C7AFBEFF-B2BE-4430-B4B4-5105D777C4C9}"/>
+                <a16:creationId xmlns:a16="http://schemas.microsoft.com/office/drawing/2014/main" xmlns="" id="{C7AFBEFF-B2BE-4430-B4B4-5105D777C4C9}"/>
               </a:ext>
             </a:extLst>
           </p:cNvPr>
@@ -3183,7 +3186,7 @@
           <p:cNvPr id="5" name="Conector reto 4">
             <a:extLst>
               <a:ext uri="{FF2B5EF4-FFF2-40B4-BE49-F238E27FC236}">
-                <a16:creationId xmlns:a16="http://schemas.microsoft.com/office/drawing/2014/main" id="{5961DC48-B4AF-4BEC-B963-651447A8317F}"/>
+                <a16:creationId xmlns:a16="http://schemas.microsoft.com/office/drawing/2014/main" xmlns="" id="{5961DC48-B4AF-4BEC-B963-651447A8317F}"/>
               </a:ext>
             </a:extLst>
           </p:cNvPr>
@@ -3234,7 +3237,7 @@
           <p:cNvPr id="4" name="Imagem 3" descr="Uma imagem contendo objeto&#10;&#10;Descrição gerada com alta confiança">
             <a:extLst>
               <a:ext uri="{FF2B5EF4-FFF2-40B4-BE49-F238E27FC236}">
-                <a16:creationId xmlns:a16="http://schemas.microsoft.com/office/drawing/2014/main" id="{0BD60010-28DE-4499-AFC6-619128DF2513}"/>
+                <a16:creationId xmlns:a16="http://schemas.microsoft.com/office/drawing/2014/main" xmlns="" id="{0BD60010-28DE-4499-AFC6-619128DF2513}"/>
               </a:ext>
             </a:extLst>
           </p:cNvPr>
@@ -3244,7 +3247,7 @@
           <p:nvPr/>
         </p:nvPicPr>
         <p:blipFill>
-          <a:blip r:embed="rId3">
+          <a:blip r:embed="rId3" cstate="print">
             <a:duotone>
               <a:prstClr val="black"/>
               <a:schemeClr val="accent6">
@@ -3299,7 +3302,7 @@
           <p:cNvPr id="18" name="CaixaDeTexto 17">
             <a:extLst>
               <a:ext uri="{FF2B5EF4-FFF2-40B4-BE49-F238E27FC236}">
-                <a16:creationId xmlns:a16="http://schemas.microsoft.com/office/drawing/2014/main" id="{42835BA0-3094-4A70-9BF3-522D7BBF2D35}"/>
+                <a16:creationId xmlns:a16="http://schemas.microsoft.com/office/drawing/2014/main" xmlns="" id="{42835BA0-3094-4A70-9BF3-522D7BBF2D35}"/>
               </a:ext>
             </a:extLst>
           </p:cNvPr>
@@ -3356,8 +3359,37 @@
                 </a:effectLst>
                 <a:latin typeface="MB Gothic Spell" panose="02000500000000000000" pitchFamily="2" charset="0"/>
               </a:rPr>
-              <a:t>H. P. Lovecraft</a:t>
+              <a:t>H. P. </a:t>
             </a:r>
+            <a:r>
+              <a:rPr lang="pt-BR" sz="3600" dirty="0" smtClean="0">
+                <a:solidFill>
+                  <a:srgbClr val="00B050"/>
+                </a:solidFill>
+                <a:effectLst>
+                  <a:outerShdw blurRad="50800" dist="38100" dir="2700000" algn="tl" rotWithShape="0">
+                    <a:prstClr val="black">
+                      <a:alpha val="40000"/>
+                    </a:prstClr>
+                  </a:outerShdw>
+                </a:effectLst>
+                <a:latin typeface="MB Gothic Spell" panose="02000500000000000000" pitchFamily="2" charset="0"/>
+              </a:rPr>
+              <a:t>Lovecraft</a:t>
+            </a:r>
+            <a:endParaRPr lang="pt-BR" sz="3600" dirty="0">
+              <a:solidFill>
+                <a:srgbClr val="00B050"/>
+              </a:solidFill>
+              <a:effectLst>
+                <a:outerShdw blurRad="50800" dist="38100" dir="2700000" algn="tl" rotWithShape="0">
+                  <a:prstClr val="black">
+                    <a:alpha val="40000"/>
+                  </a:prstClr>
+                </a:outerShdw>
+              </a:effectLst>
+              <a:latin typeface="MB Gothic Spell" panose="02000500000000000000" pitchFamily="2" charset="0"/>
+            </a:endParaRPr>
           </a:p>
         </p:txBody>
       </p:sp>
@@ -3366,7 +3398,7 @@
           <p:cNvPr id="12" name="CaixaDeTexto 11">
             <a:extLst>
               <a:ext uri="{FF2B5EF4-FFF2-40B4-BE49-F238E27FC236}">
-                <a16:creationId xmlns:a16="http://schemas.microsoft.com/office/drawing/2014/main" id="{ED5AAA1A-E8F5-4A19-8D59-AEE37B185257}"/>
+                <a16:creationId xmlns:a16="http://schemas.microsoft.com/office/drawing/2014/main" xmlns="" id="{ED5AAA1A-E8F5-4A19-8D59-AEE37B185257}"/>
               </a:ext>
             </a:extLst>
           </p:cNvPr>
@@ -6953,6 +6985,1422 @@
   <p:clrMapOvr>
     <a:masterClrMapping/>
   </p:clrMapOvr>
+  <p:timing>
+    <p:tnLst>
+      <p:par>
+        <p:cTn id="1" dur="indefinite" restart="never" nodeType="tmRoot"/>
+      </p:par>
+    </p:tnLst>
+  </p:timing>
+</p:sld>
+</file>
+
+<file path=ppt/slides/slide2.xml><?xml version="1.0" encoding="utf-8"?>
+<p:sld xmlns:a="http://schemas.openxmlformats.org/drawingml/2006/main" xmlns:r="http://schemas.openxmlformats.org/officeDocument/2006/relationships" xmlns:p="http://schemas.openxmlformats.org/presentationml/2006/main">
+  <p:cSld>
+    <p:spTree>
+      <p:nvGrpSpPr>
+        <p:cNvPr id="1" name=""/>
+        <p:cNvGrpSpPr/>
+        <p:nvPr/>
+      </p:nvGrpSpPr>
+      <p:grpSpPr>
+        <a:xfrm>
+          <a:off x="0" y="0"/>
+          <a:ext cx="0" cy="0"/>
+          <a:chOff x="0" y="0"/>
+          <a:chExt cx="0" cy="0"/>
+        </a:xfrm>
+      </p:grpSpPr>
+      <p:pic>
+        <p:nvPicPr>
+          <p:cNvPr id="1059" name="Picture 2" descr="Resultado de imagem para cyberpunk wallpaper"/>
+          <p:cNvPicPr>
+            <a:picLocks noChangeAspect="1" noChangeArrowheads="1"/>
+          </p:cNvPicPr>
+          <p:nvPr/>
+        </p:nvPicPr>
+        <p:blipFill>
+          <a:blip r:embed="rId2" cstate="print">
+            <a:extLst>
+              <a:ext uri="{28A0092B-C50C-407E-A947-70E740481C1C}">
+                <a14:useLocalDpi xmlns:a14="http://schemas.microsoft.com/office/drawing/2010/main" val="0"/>
+              </a:ext>
+            </a:extLst>
+          </a:blip>
+          <a:srcRect/>
+          <a:stretch>
+            <a:fillRect/>
+          </a:stretch>
+        </p:blipFill>
+        <p:spPr bwMode="auto">
+          <a:xfrm>
+            <a:off x="779054" y="-1099443"/>
+            <a:ext cx="6364696" cy="3480693"/>
+          </a:xfrm>
+          <a:prstGeom prst="rect">
+            <a:avLst/>
+          </a:prstGeom>
+          <a:noFill/>
+          <a:extLst>
+            <a:ext uri="{909E8E84-426E-40DD-AFC4-6F175D3DCCD1}">
+              <a14:hiddenFill xmlns:a14="http://schemas.microsoft.com/office/drawing/2010/main">
+                <a:solidFill>
+                  <a:srgbClr val="FFFFFF"/>
+                </a:solidFill>
+              </a14:hiddenFill>
+            </a:ext>
+          </a:extLst>
+        </p:spPr>
+      </p:pic>
+      <p:sp>
+        <p:nvSpPr>
+          <p:cNvPr id="7" name="Trapezoide 6"/>
+          <p:cNvSpPr/>
+          <p:nvPr/>
+        </p:nvSpPr>
+        <p:spPr>
+          <a:xfrm rot="10800000">
+            <a:off x="-2054913" y="2012"/>
+            <a:ext cx="4954907" cy="2381250"/>
+          </a:xfrm>
+          <a:prstGeom prst="trapezoid">
+            <a:avLst>
+              <a:gd name="adj" fmla="val 34730"/>
+            </a:avLst>
+          </a:prstGeom>
+          <a:gradFill>
+            <a:gsLst>
+              <a:gs pos="0">
+                <a:srgbClr val="314C45"/>
+              </a:gs>
+              <a:gs pos="100000">
+                <a:schemeClr val="bg2">
+                  <a:lumMod val="10000"/>
+                </a:schemeClr>
+              </a:gs>
+            </a:gsLst>
+            <a:lin ang="5400000" scaled="1"/>
+          </a:gradFill>
+          <a:ln>
+            <a:noFill/>
+          </a:ln>
+        </p:spPr>
+        <p:style>
+          <a:lnRef idx="2">
+            <a:schemeClr val="accent1">
+              <a:shade val="50000"/>
+            </a:schemeClr>
+          </a:lnRef>
+          <a:fillRef idx="1">
+            <a:schemeClr val="accent1"/>
+          </a:fillRef>
+          <a:effectRef idx="0">
+            <a:schemeClr val="accent1"/>
+          </a:effectRef>
+          <a:fontRef idx="minor">
+            <a:schemeClr val="lt1"/>
+          </a:fontRef>
+        </p:style>
+        <p:txBody>
+          <a:bodyPr rtlCol="0" anchor="ctr"/>
+          <a:lstStyle/>
+          <a:p>
+            <a:pPr algn="ctr"/>
+            <a:endParaRPr lang="pt-BR"/>
+          </a:p>
+        </p:txBody>
+      </p:sp>
+      <p:cxnSp>
+        <p:nvCxnSpPr>
+          <p:cNvPr id="8" name="Conector reto 7">
+            <a:extLst>
+              <a:ext uri="{FF2B5EF4-FFF2-40B4-BE49-F238E27FC236}">
+                <a16:creationId xmlns:a16="http://schemas.microsoft.com/office/drawing/2014/main" xmlns="" id="{5961DC48-B4AF-4BEC-B963-651447A8317F}"/>
+              </a:ext>
+            </a:extLst>
+          </p:cNvPr>
+          <p:cNvCxnSpPr>
+            <a:cxnSpLocks/>
+          </p:cNvCxnSpPr>
+          <p:nvPr/>
+        </p:nvCxnSpPr>
+        <p:spPr>
+          <a:xfrm flipV="1">
+            <a:off x="1832504" y="-206450"/>
+            <a:ext cx="1108805" cy="3135085"/>
+          </a:xfrm>
+          <a:prstGeom prst="line">
+            <a:avLst/>
+          </a:prstGeom>
+          <a:ln w="101600">
+            <a:gradFill>
+              <a:gsLst>
+                <a:gs pos="8000">
+                  <a:srgbClr val="152126"/>
+                </a:gs>
+                <a:gs pos="100000">
+                  <a:srgbClr val="81263D"/>
+                </a:gs>
+              </a:gsLst>
+              <a:lin ang="5400000" scaled="1"/>
+            </a:gradFill>
+          </a:ln>
+          <a:effectLst>
+            <a:outerShdw blurRad="50800" dist="38100" dir="2700000" algn="tl" rotWithShape="0">
+              <a:prstClr val="black">
+                <a:alpha val="40000"/>
+              </a:prstClr>
+            </a:outerShdw>
+          </a:effectLst>
+        </p:spPr>
+        <p:style>
+          <a:lnRef idx="3">
+            <a:schemeClr val="dk1"/>
+          </a:lnRef>
+          <a:fillRef idx="0">
+            <a:schemeClr val="dk1"/>
+          </a:fillRef>
+          <a:effectRef idx="2">
+            <a:schemeClr val="dk1"/>
+          </a:effectRef>
+          <a:fontRef idx="minor">
+            <a:schemeClr val="tx1"/>
+          </a:fontRef>
+        </p:style>
+      </p:cxnSp>
+      <p:sp>
+        <p:nvSpPr>
+          <p:cNvPr id="2" name="CaixaDeTexto 1"/>
+          <p:cNvSpPr txBox="1"/>
+          <p:nvPr/>
+        </p:nvSpPr>
+        <p:spPr>
+          <a:xfrm>
+            <a:off x="-833631" y="61668"/>
+            <a:ext cx="4008585" cy="830997"/>
+          </a:xfrm>
+          <a:prstGeom prst="rect">
+            <a:avLst/>
+          </a:prstGeom>
+          <a:noFill/>
+          <a:ln>
+            <a:noFill/>
+          </a:ln>
+          <a:effectLst>
+            <a:outerShdw blurRad="50800" dist="38100" dir="2700000" algn="tl" rotWithShape="0">
+              <a:prstClr val="black">
+                <a:alpha val="40000"/>
+              </a:prstClr>
+            </a:outerShdw>
+          </a:effectLst>
+        </p:spPr>
+        <p:style>
+          <a:lnRef idx="2">
+            <a:schemeClr val="accent5"/>
+          </a:lnRef>
+          <a:fillRef idx="1">
+            <a:schemeClr val="lt1"/>
+          </a:fillRef>
+          <a:effectRef idx="0">
+            <a:schemeClr val="accent5"/>
+          </a:effectRef>
+          <a:fontRef idx="minor">
+            <a:schemeClr val="dk1"/>
+          </a:fontRef>
+        </p:style>
+        <p:txBody>
+          <a:bodyPr wrap="square" rtlCol="0">
+            <a:spAutoFit/>
+          </a:bodyPr>
+          <a:lstStyle/>
+          <a:p>
+            <a:pPr algn="ctr"/>
+            <a:r>
+              <a:rPr lang="pt-BR" sz="2400" dirty="0" err="1" smtClean="0">
+                <a:ln w="0">
+                  <a:noFill/>
+                </a:ln>
+                <a:gradFill>
+                  <a:gsLst>
+                    <a:gs pos="25000">
+                      <a:srgbClr val="EC31F0"/>
+                    </a:gs>
+                    <a:gs pos="100000">
+                      <a:srgbClr val="00E952"/>
+                    </a:gs>
+                  </a:gsLst>
+                  <a:lin ang="16200000" scaled="0"/>
+                </a:gradFill>
+                <a:latin typeface="True Lies" panose="02000500000000000000" pitchFamily="2" charset="0"/>
+              </a:rPr>
+              <a:t>Invasao</a:t>
+            </a:r>
+            <a:r>
+              <a:rPr lang="pt-BR" sz="2400" dirty="0" smtClean="0">
+                <a:ln w="0">
+                  <a:noFill/>
+                </a:ln>
+                <a:gradFill>
+                  <a:gsLst>
+                    <a:gs pos="25000">
+                      <a:srgbClr val="EC31F0"/>
+                    </a:gs>
+                    <a:gs pos="100000">
+                      <a:srgbClr val="00E952"/>
+                    </a:gs>
+                  </a:gsLst>
+                  <a:lin ang="16200000" scaled="0"/>
+                </a:gradFill>
+                <a:latin typeface="True Lies" panose="02000500000000000000" pitchFamily="2" charset="0"/>
+              </a:rPr>
+              <a:t> </a:t>
+            </a:r>
+          </a:p>
+          <a:p>
+            <a:pPr algn="ctr"/>
+            <a:r>
+              <a:rPr lang="pt-BR" sz="2400" dirty="0" err="1" smtClean="0">
+                <a:ln w="0">
+                  <a:noFill/>
+                </a:ln>
+                <a:gradFill>
+                  <a:gsLst>
+                    <a:gs pos="25000">
+                      <a:srgbClr val="EC31F0"/>
+                    </a:gs>
+                    <a:gs pos="100000">
+                      <a:srgbClr val="00E952"/>
+                    </a:gs>
+                  </a:gsLst>
+                  <a:lin ang="16200000" scaled="0"/>
+                </a:gradFill>
+                <a:latin typeface="True Lies" panose="02000500000000000000" pitchFamily="2" charset="0"/>
+              </a:rPr>
+              <a:t>CyberPunk</a:t>
+            </a:r>
+            <a:endParaRPr lang="pt-BR" sz="2400" dirty="0" smtClean="0">
+              <a:ln w="0">
+                <a:noFill/>
+              </a:ln>
+              <a:gradFill>
+                <a:gsLst>
+                  <a:gs pos="25000">
+                    <a:srgbClr val="EC31F0"/>
+                  </a:gs>
+                  <a:gs pos="100000">
+                    <a:srgbClr val="00E952"/>
+                  </a:gs>
+                </a:gsLst>
+                <a:lin ang="16200000" scaled="0"/>
+              </a:gradFill>
+              <a:latin typeface="True Lies" panose="02000500000000000000" pitchFamily="2" charset="0"/>
+            </a:endParaRPr>
+          </a:p>
+        </p:txBody>
+      </p:sp>
+      <p:sp>
+        <p:nvSpPr>
+          <p:cNvPr id="3" name="CaixaDeTexto 2"/>
+          <p:cNvSpPr txBox="1"/>
+          <p:nvPr/>
+        </p:nvSpPr>
+        <p:spPr>
+          <a:xfrm rot="3595537">
+            <a:off x="1412801" y="-11254"/>
+            <a:ext cx="234360" cy="307777"/>
+          </a:xfrm>
+          <a:prstGeom prst="rect">
+            <a:avLst/>
+          </a:prstGeom>
+          <a:noFill/>
+        </p:spPr>
+        <p:txBody>
+          <a:bodyPr wrap="none" rtlCol="0">
+            <a:spAutoFit/>
+          </a:bodyPr>
+          <a:lstStyle/>
+          <a:p>
+            <a:r>
+              <a:rPr lang="pt-BR" sz="1400" dirty="0" smtClean="0">
+                <a:gradFill flip="none" rotWithShape="1">
+                  <a:gsLst>
+                    <a:gs pos="0">
+                      <a:srgbClr val="EC31F0"/>
+                    </a:gs>
+                    <a:gs pos="19502">
+                      <a:srgbClr val="BD56D1"/>
+                    </a:gs>
+                    <a:gs pos="98000">
+                      <a:srgbClr val="00E952"/>
+                    </a:gs>
+                  </a:gsLst>
+                  <a:lin ang="11400000" scaled="0"/>
+                  <a:tileRect/>
+                </a:gradFill>
+                <a:latin typeface="True Lies" panose="02000500000000000000" pitchFamily="2" charset="0"/>
+              </a:rPr>
+              <a:t>I</a:t>
+            </a:r>
+            <a:endParaRPr lang="pt-BR" sz="1400" dirty="0">
+              <a:gradFill flip="none" rotWithShape="1">
+                <a:gsLst>
+                  <a:gs pos="0">
+                    <a:srgbClr val="EC31F0"/>
+                  </a:gs>
+                  <a:gs pos="19502">
+                    <a:srgbClr val="BD56D1"/>
+                  </a:gs>
+                  <a:gs pos="98000">
+                    <a:srgbClr val="00E952"/>
+                  </a:gs>
+                </a:gsLst>
+                <a:lin ang="11400000" scaled="0"/>
+                <a:tileRect/>
+              </a:gradFill>
+              <a:latin typeface="True Lies" panose="02000500000000000000" pitchFamily="2" charset="0"/>
+            </a:endParaRPr>
+          </a:p>
+        </p:txBody>
+      </p:sp>
+      <p:sp>
+        <p:nvSpPr>
+          <p:cNvPr id="104" name="CaixaDeTexto 103"/>
+          <p:cNvSpPr txBox="1"/>
+          <p:nvPr/>
+        </p:nvSpPr>
+        <p:spPr>
+          <a:xfrm>
+            <a:off x="525873" y="1809294"/>
+            <a:ext cx="1288266" cy="324838"/>
+          </a:xfrm>
+          <a:custGeom>
+            <a:avLst/>
+            <a:gdLst/>
+            <a:ahLst/>
+            <a:cxnLst/>
+            <a:rect l="l" t="t" r="r" b="b"/>
+            <a:pathLst>
+              <a:path w="1451410" h="365975">
+                <a:moveTo>
+                  <a:pt x="1038982" y="134608"/>
+                </a:moveTo>
+                <a:cubicBezTo>
+                  <a:pt x="1036304" y="134608"/>
+                  <a:pt x="1033420" y="134924"/>
+                  <a:pt x="1030332" y="135556"/>
+                </a:cubicBezTo>
+                <a:cubicBezTo>
+                  <a:pt x="1027244" y="136189"/>
+                  <a:pt x="1024193" y="137175"/>
+                  <a:pt x="1021179" y="138514"/>
+                </a:cubicBezTo>
+                <a:cubicBezTo>
+                  <a:pt x="1018165" y="139854"/>
+                  <a:pt x="1015282" y="141584"/>
+                  <a:pt x="1012528" y="143705"/>
+                </a:cubicBezTo>
+                <a:cubicBezTo>
+                  <a:pt x="1009775" y="145826"/>
+                  <a:pt x="1007338" y="148393"/>
+                  <a:pt x="1005217" y="151407"/>
+                </a:cubicBezTo>
+                <a:cubicBezTo>
+                  <a:pt x="1003096" y="154420"/>
+                  <a:pt x="1001403" y="157899"/>
+                  <a:pt x="1000138" y="161843"/>
+                </a:cubicBezTo>
+                <a:cubicBezTo>
+                  <a:pt x="998873" y="165787"/>
+                  <a:pt x="998241" y="170252"/>
+                  <a:pt x="998241" y="175238"/>
+                </a:cubicBezTo>
+                <a:lnTo>
+                  <a:pt x="998241" y="255270"/>
+                </a:lnTo>
+                <a:lnTo>
+                  <a:pt x="1027262" y="255270"/>
+                </a:lnTo>
+                <a:lnTo>
+                  <a:pt x="1027262" y="175238"/>
+                </a:lnTo>
+                <a:cubicBezTo>
+                  <a:pt x="1027262" y="171443"/>
+                  <a:pt x="1028267" y="168559"/>
+                  <a:pt x="1030276" y="166587"/>
+                </a:cubicBezTo>
+                <a:cubicBezTo>
+                  <a:pt x="1032285" y="164615"/>
+                  <a:pt x="1035262" y="163629"/>
+                  <a:pt x="1039206" y="163629"/>
+                </a:cubicBezTo>
+                <a:lnTo>
+                  <a:pt x="1104504" y="163629"/>
+                </a:lnTo>
+                <a:lnTo>
+                  <a:pt x="1104504" y="134608"/>
+                </a:lnTo>
+                <a:close/>
+                <a:moveTo>
+                  <a:pt x="867384" y="134608"/>
+                </a:moveTo>
+                <a:lnTo>
+                  <a:pt x="867384" y="162178"/>
+                </a:lnTo>
+                <a:lnTo>
+                  <a:pt x="931119" y="162178"/>
+                </a:lnTo>
+                <a:cubicBezTo>
+                  <a:pt x="934691" y="162178"/>
+                  <a:pt x="937649" y="163294"/>
+                  <a:pt x="939993" y="165527"/>
+                </a:cubicBezTo>
+                <a:cubicBezTo>
+                  <a:pt x="942337" y="167759"/>
+                  <a:pt x="943509" y="170773"/>
+                  <a:pt x="943509" y="174568"/>
+                </a:cubicBezTo>
+                <a:lnTo>
+                  <a:pt x="943509" y="215086"/>
+                </a:lnTo>
+                <a:cubicBezTo>
+                  <a:pt x="943509" y="218658"/>
+                  <a:pt x="942430" y="221635"/>
+                  <a:pt x="940272" y="224016"/>
+                </a:cubicBezTo>
+                <a:cubicBezTo>
+                  <a:pt x="938114" y="226397"/>
+                  <a:pt x="935063" y="227588"/>
+                  <a:pt x="931119" y="227588"/>
+                </a:cubicBezTo>
+                <a:lnTo>
+                  <a:pt x="878992" y="227588"/>
+                </a:lnTo>
+                <a:cubicBezTo>
+                  <a:pt x="875569" y="227588"/>
+                  <a:pt x="872611" y="226528"/>
+                  <a:pt x="870118" y="224407"/>
+                </a:cubicBezTo>
+                <a:cubicBezTo>
+                  <a:pt x="867625" y="222286"/>
+                  <a:pt x="866379" y="219328"/>
+                  <a:pt x="866379" y="215533"/>
+                </a:cubicBezTo>
+                <a:cubicBezTo>
+                  <a:pt x="866379" y="211961"/>
+                  <a:pt x="867458" y="208966"/>
+                  <a:pt x="869616" y="206547"/>
+                </a:cubicBezTo>
+                <a:cubicBezTo>
+                  <a:pt x="871774" y="204129"/>
+                  <a:pt x="874825" y="202920"/>
+                  <a:pt x="878769" y="202920"/>
+                </a:cubicBezTo>
+                <a:lnTo>
+                  <a:pt x="931119" y="202920"/>
+                </a:lnTo>
+                <a:lnTo>
+                  <a:pt x="931119" y="175238"/>
+                </a:lnTo>
+                <a:lnTo>
+                  <a:pt x="878769" y="175238"/>
+                </a:lnTo>
+                <a:cubicBezTo>
+                  <a:pt x="871476" y="175238"/>
+                  <a:pt x="865281" y="176577"/>
+                  <a:pt x="860184" y="179256"/>
+                </a:cubicBezTo>
+                <a:cubicBezTo>
+                  <a:pt x="855087" y="181935"/>
+                  <a:pt x="850957" y="185265"/>
+                  <a:pt x="847794" y="189246"/>
+                </a:cubicBezTo>
+                <a:cubicBezTo>
+                  <a:pt x="844632" y="193227"/>
+                  <a:pt x="842343" y="197562"/>
+                  <a:pt x="840929" y="202250"/>
+                </a:cubicBezTo>
+                <a:cubicBezTo>
+                  <a:pt x="839516" y="206938"/>
+                  <a:pt x="838809" y="211291"/>
+                  <a:pt x="838809" y="215310"/>
+                </a:cubicBezTo>
+                <a:cubicBezTo>
+                  <a:pt x="838809" y="222602"/>
+                  <a:pt x="840148" y="228797"/>
+                  <a:pt x="842827" y="233895"/>
+                </a:cubicBezTo>
+                <a:cubicBezTo>
+                  <a:pt x="845506" y="238992"/>
+                  <a:pt x="848836" y="243122"/>
+                  <a:pt x="852817" y="246285"/>
+                </a:cubicBezTo>
+                <a:cubicBezTo>
+                  <a:pt x="856798" y="249447"/>
+                  <a:pt x="861114" y="251735"/>
+                  <a:pt x="865765" y="253149"/>
+                </a:cubicBezTo>
+                <a:cubicBezTo>
+                  <a:pt x="870416" y="254563"/>
+                  <a:pt x="874751" y="255270"/>
+                  <a:pt x="878769" y="255270"/>
+                </a:cubicBezTo>
+                <a:lnTo>
+                  <a:pt x="931119" y="255270"/>
+                </a:lnTo>
+                <a:cubicBezTo>
+                  <a:pt x="938412" y="255270"/>
+                  <a:pt x="944607" y="253931"/>
+                  <a:pt x="949704" y="251252"/>
+                </a:cubicBezTo>
+                <a:cubicBezTo>
+                  <a:pt x="954802" y="248573"/>
+                  <a:pt x="958932" y="245243"/>
+                  <a:pt x="962094" y="241262"/>
+                </a:cubicBezTo>
+                <a:cubicBezTo>
+                  <a:pt x="965257" y="237280"/>
+                  <a:pt x="967545" y="232964"/>
+                  <a:pt x="968959" y="228314"/>
+                </a:cubicBezTo>
+                <a:cubicBezTo>
+                  <a:pt x="970373" y="223663"/>
+                  <a:pt x="971080" y="219328"/>
+                  <a:pt x="971080" y="215310"/>
+                </a:cubicBezTo>
+                <a:lnTo>
+                  <a:pt x="971080" y="174568"/>
+                </a:lnTo>
+                <a:cubicBezTo>
+                  <a:pt x="971080" y="167275"/>
+                  <a:pt x="969740" y="161080"/>
+                  <a:pt x="967061" y="155983"/>
+                </a:cubicBezTo>
+                <a:cubicBezTo>
+                  <a:pt x="964382" y="150886"/>
+                  <a:pt x="961052" y="146756"/>
+                  <a:pt x="957071" y="143593"/>
+                </a:cubicBezTo>
+                <a:cubicBezTo>
+                  <a:pt x="953090" y="140431"/>
+                  <a:pt x="948774" y="138142"/>
+                  <a:pt x="944123" y="136728"/>
+                </a:cubicBezTo>
+                <a:cubicBezTo>
+                  <a:pt x="939472" y="135315"/>
+                  <a:pt x="935138" y="134608"/>
+                  <a:pt x="931119" y="134608"/>
+                </a:cubicBezTo>
+                <a:close/>
+                <a:moveTo>
+                  <a:pt x="789807" y="134608"/>
+                </a:moveTo>
+                <a:lnTo>
+                  <a:pt x="789807" y="255270"/>
+                </a:lnTo>
+                <a:lnTo>
+                  <a:pt x="818828" y="255270"/>
+                </a:lnTo>
+                <a:lnTo>
+                  <a:pt x="818828" y="134608"/>
+                </a:lnTo>
+                <a:close/>
+                <a:moveTo>
+                  <a:pt x="684660" y="134608"/>
+                </a:moveTo>
+                <a:cubicBezTo>
+                  <a:pt x="679674" y="134608"/>
+                  <a:pt x="675209" y="135240"/>
+                  <a:pt x="671265" y="136505"/>
+                </a:cubicBezTo>
+                <a:cubicBezTo>
+                  <a:pt x="667321" y="137770"/>
+                  <a:pt x="663843" y="139445"/>
+                  <a:pt x="660829" y="141528"/>
+                </a:cubicBezTo>
+                <a:cubicBezTo>
+                  <a:pt x="657815" y="143612"/>
+                  <a:pt x="655248" y="146030"/>
+                  <a:pt x="653127" y="148784"/>
+                </a:cubicBezTo>
+                <a:cubicBezTo>
+                  <a:pt x="651006" y="151537"/>
+                  <a:pt x="649276" y="154420"/>
+                  <a:pt x="647937" y="157434"/>
+                </a:cubicBezTo>
+                <a:cubicBezTo>
+                  <a:pt x="646597" y="160448"/>
+                  <a:pt x="645611" y="163480"/>
+                  <a:pt x="644979" y="166531"/>
+                </a:cubicBezTo>
+                <a:cubicBezTo>
+                  <a:pt x="644346" y="169582"/>
+                  <a:pt x="644030" y="172484"/>
+                  <a:pt x="644030" y="175238"/>
+                </a:cubicBezTo>
+                <a:lnTo>
+                  <a:pt x="644030" y="214528"/>
+                </a:lnTo>
+                <a:cubicBezTo>
+                  <a:pt x="644030" y="222044"/>
+                  <a:pt x="645388" y="228388"/>
+                  <a:pt x="648104" y="233560"/>
+                </a:cubicBezTo>
+                <a:cubicBezTo>
+                  <a:pt x="650820" y="238732"/>
+                  <a:pt x="654206" y="242936"/>
+                  <a:pt x="658262" y="246173"/>
+                </a:cubicBezTo>
+                <a:cubicBezTo>
+                  <a:pt x="662317" y="249410"/>
+                  <a:pt x="666726" y="251735"/>
+                  <a:pt x="671489" y="253149"/>
+                </a:cubicBezTo>
+                <a:cubicBezTo>
+                  <a:pt x="676251" y="254563"/>
+                  <a:pt x="680642" y="255270"/>
+                  <a:pt x="684660" y="255270"/>
+                </a:cubicBezTo>
+                <a:lnTo>
+                  <a:pt x="763353" y="255270"/>
+                </a:lnTo>
+                <a:lnTo>
+                  <a:pt x="763353" y="226249"/>
+                </a:lnTo>
+                <a:lnTo>
+                  <a:pt x="684883" y="226249"/>
+                </a:lnTo>
+                <a:cubicBezTo>
+                  <a:pt x="681014" y="226249"/>
+                  <a:pt x="678074" y="225244"/>
+                  <a:pt x="676065" y="223235"/>
+                </a:cubicBezTo>
+                <a:cubicBezTo>
+                  <a:pt x="674056" y="221226"/>
+                  <a:pt x="673051" y="218323"/>
+                  <a:pt x="673051" y="214528"/>
+                </a:cubicBezTo>
+                <a:lnTo>
+                  <a:pt x="673051" y="175461"/>
+                </a:lnTo>
+                <a:cubicBezTo>
+                  <a:pt x="673051" y="171443"/>
+                  <a:pt x="674037" y="168466"/>
+                  <a:pt x="676009" y="166531"/>
+                </a:cubicBezTo>
+                <a:cubicBezTo>
+                  <a:pt x="677981" y="164596"/>
+                  <a:pt x="680865" y="163629"/>
+                  <a:pt x="684660" y="163629"/>
+                </a:cubicBezTo>
+                <a:lnTo>
+                  <a:pt x="763353" y="163629"/>
+                </a:lnTo>
+                <a:lnTo>
+                  <a:pt x="763353" y="134608"/>
+                </a:lnTo>
+                <a:close/>
+                <a:moveTo>
+                  <a:pt x="589782" y="134608"/>
+                </a:moveTo>
+                <a:lnTo>
+                  <a:pt x="589782" y="255270"/>
+                </a:lnTo>
+                <a:lnTo>
+                  <a:pt x="618803" y="255270"/>
+                </a:lnTo>
+                <a:lnTo>
+                  <a:pt x="618803" y="134608"/>
+                </a:lnTo>
+                <a:close/>
+                <a:moveTo>
+                  <a:pt x="442033" y="134608"/>
+                </a:moveTo>
+                <a:cubicBezTo>
+                  <a:pt x="440024" y="134608"/>
+                  <a:pt x="438126" y="134980"/>
+                  <a:pt x="436340" y="135724"/>
+                </a:cubicBezTo>
+                <a:cubicBezTo>
+                  <a:pt x="434554" y="136468"/>
+                  <a:pt x="432992" y="137491"/>
+                  <a:pt x="431652" y="138793"/>
+                </a:cubicBezTo>
+                <a:cubicBezTo>
+                  <a:pt x="430313" y="140096"/>
+                  <a:pt x="429271" y="141621"/>
+                  <a:pt x="428527" y="143370"/>
+                </a:cubicBezTo>
+                <a:cubicBezTo>
+                  <a:pt x="427783" y="145119"/>
+                  <a:pt x="427411" y="146998"/>
+                  <a:pt x="427411" y="149007"/>
+                </a:cubicBezTo>
+                <a:lnTo>
+                  <a:pt x="427411" y="255270"/>
+                </a:lnTo>
+                <a:lnTo>
+                  <a:pt x="456432" y="255270"/>
+                </a:lnTo>
+                <a:lnTo>
+                  <a:pt x="456432" y="163629"/>
+                </a:lnTo>
+                <a:lnTo>
+                  <a:pt x="507220" y="163629"/>
+                </a:lnTo>
+                <a:cubicBezTo>
+                  <a:pt x="510717" y="163629"/>
+                  <a:pt x="513973" y="164206"/>
+                  <a:pt x="516986" y="165359"/>
+                </a:cubicBezTo>
+                <a:cubicBezTo>
+                  <a:pt x="520000" y="166513"/>
+                  <a:pt x="522623" y="168168"/>
+                  <a:pt x="524856" y="170326"/>
+                </a:cubicBezTo>
+                <a:cubicBezTo>
+                  <a:pt x="527088" y="172484"/>
+                  <a:pt x="528855" y="175070"/>
+                  <a:pt x="530158" y="178084"/>
+                </a:cubicBezTo>
+                <a:cubicBezTo>
+                  <a:pt x="531460" y="181098"/>
+                  <a:pt x="532111" y="184502"/>
+                  <a:pt x="532111" y="188297"/>
+                </a:cubicBezTo>
+                <a:lnTo>
+                  <a:pt x="532111" y="255270"/>
+                </a:lnTo>
+                <a:lnTo>
+                  <a:pt x="561133" y="255270"/>
+                </a:lnTo>
+                <a:lnTo>
+                  <a:pt x="561133" y="188297"/>
+                </a:lnTo>
+                <a:cubicBezTo>
+                  <a:pt x="561133" y="181749"/>
+                  <a:pt x="560314" y="175870"/>
+                  <a:pt x="558677" y="170661"/>
+                </a:cubicBezTo>
+                <a:cubicBezTo>
+                  <a:pt x="557040" y="165452"/>
+                  <a:pt x="554826" y="160857"/>
+                  <a:pt x="552035" y="156876"/>
+                </a:cubicBezTo>
+                <a:cubicBezTo>
+                  <a:pt x="549245" y="152895"/>
+                  <a:pt x="546045" y="149509"/>
+                  <a:pt x="542436" y="146719"/>
+                </a:cubicBezTo>
+                <a:cubicBezTo>
+                  <a:pt x="538827" y="143928"/>
+                  <a:pt x="535032" y="141621"/>
+                  <a:pt x="531051" y="139798"/>
+                </a:cubicBezTo>
+                <a:cubicBezTo>
+                  <a:pt x="527070" y="137975"/>
+                  <a:pt x="523051" y="136654"/>
+                  <a:pt x="518996" y="135835"/>
+                </a:cubicBezTo>
+                <a:cubicBezTo>
+                  <a:pt x="514940" y="135017"/>
+                  <a:pt x="511089" y="134608"/>
+                  <a:pt x="507443" y="134608"/>
+                </a:cubicBezTo>
+                <a:close/>
+                <a:moveTo>
+                  <a:pt x="364196" y="95205"/>
+                </a:moveTo>
+                <a:lnTo>
+                  <a:pt x="364196" y="255270"/>
+                </a:lnTo>
+                <a:lnTo>
+                  <a:pt x="393217" y="255270"/>
+                </a:lnTo>
+                <a:lnTo>
+                  <a:pt x="393217" y="95205"/>
+                </a:lnTo>
+                <a:close/>
+                <a:moveTo>
+                  <a:pt x="789807" y="83597"/>
+                </a:moveTo>
+                <a:lnTo>
+                  <a:pt x="789807" y="109828"/>
+                </a:lnTo>
+                <a:lnTo>
+                  <a:pt x="818828" y="109828"/>
+                </a:lnTo>
+                <a:lnTo>
+                  <a:pt x="818828" y="83597"/>
+                </a:lnTo>
+                <a:close/>
+                <a:moveTo>
+                  <a:pt x="589782" y="83597"/>
+                </a:moveTo>
+                <a:lnTo>
+                  <a:pt x="589782" y="109828"/>
+                </a:lnTo>
+                <a:lnTo>
+                  <a:pt x="618803" y="109828"/>
+                </a:lnTo>
+                <a:lnTo>
+                  <a:pt x="618803" y="83597"/>
+                </a:lnTo>
+                <a:close/>
+                <a:moveTo>
+                  <a:pt x="182988" y="0"/>
+                </a:moveTo>
+                <a:lnTo>
+                  <a:pt x="1425451" y="0"/>
+                </a:lnTo>
+                <a:lnTo>
+                  <a:pt x="1451410" y="25959"/>
+                </a:lnTo>
+                <a:lnTo>
+                  <a:pt x="1451410" y="182988"/>
+                </a:lnTo>
+                <a:lnTo>
+                  <a:pt x="1268423" y="365975"/>
+                </a:lnTo>
+                <a:lnTo>
+                  <a:pt x="25959" y="365975"/>
+                </a:lnTo>
+                <a:lnTo>
+                  <a:pt x="0" y="340016"/>
+                </a:lnTo>
+                <a:lnTo>
+                  <a:pt x="0" y="182988"/>
+                </a:lnTo>
+                <a:close/>
+              </a:path>
+            </a:pathLst>
+          </a:custGeom>
+          <a:solidFill>
+            <a:srgbClr val="B43D96"/>
+          </a:solidFill>
+          <a:ln>
+            <a:noFill/>
+          </a:ln>
+          <a:effectLst>
+            <a:outerShdw blurRad="50800" dist="38100" dir="2700000" algn="tl" rotWithShape="0">
+              <a:prstClr val="black">
+                <a:alpha val="40000"/>
+              </a:prstClr>
+            </a:outerShdw>
+          </a:effectLst>
+        </p:spPr>
+        <p:txBody>
+          <a:bodyPr rot="0" spcFirstLastPara="0" vertOverflow="overflow" horzOverflow="overflow" vert="horz" wrap="square" lIns="91440" tIns="45720" rIns="91440" bIns="45720" numCol="1" spcCol="0" rtlCol="0" fromWordArt="0" anchor="t" anchorCtr="0" forceAA="0" compatLnSpc="1">
+            <a:prstTxWarp prst="textNoShape">
+              <a:avLst/>
+            </a:prstTxWarp>
+            <a:noAutofit/>
+          </a:bodyPr>
+          <a:lstStyle/>
+          <a:p>
+            <a:pPr algn="ctr"/>
+            <a:endParaRPr lang="pt-BR" sz="2400" dirty="0">
+              <a:latin typeface="Audiowide" panose="02000503000000020004" pitchFamily="2" charset="0"/>
+            </a:endParaRPr>
+          </a:p>
+        </p:txBody>
+      </p:sp>
+      <p:sp>
+        <p:nvSpPr>
+          <p:cNvPr id="1065" name="CaixaDeTexto 1064"/>
+          <p:cNvSpPr txBox="1"/>
+          <p:nvPr/>
+        </p:nvSpPr>
+        <p:spPr>
+          <a:xfrm rot="21160973">
+            <a:off x="-83491" y="1144635"/>
+            <a:ext cx="2506991" cy="461665"/>
+          </a:xfrm>
+          <a:prstGeom prst="rect">
+            <a:avLst/>
+          </a:prstGeom>
+          <a:noFill/>
+        </p:spPr>
+        <p:txBody>
+          <a:bodyPr wrap="square" rtlCol="0">
+            <a:spAutoFit/>
+          </a:bodyPr>
+          <a:lstStyle/>
+          <a:p>
+            <a:pPr algn="ctr"/>
+            <a:r>
+              <a:rPr lang="pt-BR" sz="1200" dirty="0" smtClean="0">
+                <a:solidFill>
+                  <a:srgbClr val="00EE5A"/>
+                </a:solidFill>
+                <a:latin typeface="True Lies" panose="02000500000000000000" pitchFamily="2" charset="0"/>
+              </a:rPr>
+              <a:t>Frete </a:t>
+            </a:r>
+            <a:r>
+              <a:rPr lang="pt-BR" sz="1200" dirty="0" err="1" smtClean="0">
+                <a:solidFill>
+                  <a:srgbClr val="00EE5A"/>
+                </a:solidFill>
+                <a:latin typeface="True Lies" panose="02000500000000000000" pitchFamily="2" charset="0"/>
+              </a:rPr>
+              <a:t>gratis</a:t>
+            </a:r>
+            <a:r>
+              <a:rPr lang="pt-BR" sz="1200" dirty="0" smtClean="0">
+                <a:solidFill>
+                  <a:srgbClr val="00EE5A"/>
+                </a:solidFill>
+                <a:latin typeface="True Lies" panose="02000500000000000000" pitchFamily="2" charset="0"/>
+              </a:rPr>
+              <a:t> para bunkers por todo o Brasil</a:t>
+            </a:r>
+            <a:endParaRPr lang="pt-BR" sz="1200" dirty="0">
+              <a:solidFill>
+                <a:srgbClr val="00EE5A"/>
+              </a:solidFill>
+              <a:latin typeface="True Lies" panose="02000500000000000000" pitchFamily="2" charset="0"/>
+            </a:endParaRPr>
+          </a:p>
+        </p:txBody>
+      </p:sp>
+    </p:spTree>
+    <p:extLst>
+      <p:ext uri="{BB962C8B-B14F-4D97-AF65-F5344CB8AC3E}">
+        <p14:creationId xmlns:p14="http://schemas.microsoft.com/office/powerpoint/2010/main" val="143058624"/>
+      </p:ext>
+    </p:extLst>
+  </p:cSld>
+  <p:clrMapOvr>
+    <a:masterClrMapping/>
+  </p:clrMapOvr>
+  <p:timing>
+    <p:tnLst>
+      <p:par>
+        <p:cTn id="1" dur="indefinite" restart="never" nodeType="tmRoot"/>
+      </p:par>
+    </p:tnLst>
+  </p:timing>
+</p:sld>
+</file>
+
+<file path=ppt/slides/slide3.xml><?xml version="1.0" encoding="utf-8"?>
+<p:sld xmlns:a="http://schemas.openxmlformats.org/drawingml/2006/main" xmlns:r="http://schemas.openxmlformats.org/officeDocument/2006/relationships" xmlns:p="http://schemas.openxmlformats.org/presentationml/2006/main">
+  <p:cSld>
+    <p:spTree>
+      <p:nvGrpSpPr>
+        <p:cNvPr id="1" name=""/>
+        <p:cNvGrpSpPr/>
+        <p:nvPr/>
+      </p:nvGrpSpPr>
+      <p:grpSpPr>
+        <a:xfrm>
+          <a:off x="0" y="0"/>
+          <a:ext cx="0" cy="0"/>
+          <a:chOff x="0" y="0"/>
+          <a:chExt cx="0" cy="0"/>
+        </a:xfrm>
+      </p:grpSpPr>
+      <p:pic>
+        <p:nvPicPr>
+          <p:cNvPr id="16" name="Imagem 15"/>
+          <p:cNvPicPr>
+            <a:picLocks noChangeAspect="1"/>
+          </p:cNvPicPr>
+          <p:nvPr/>
+        </p:nvPicPr>
+        <p:blipFill>
+          <a:blip r:embed="rId2" cstate="print">
+            <a:extLst>
+              <a:ext uri="{28A0092B-C50C-407E-A947-70E740481C1C}">
+                <a14:useLocalDpi xmlns:a14="http://schemas.microsoft.com/office/drawing/2010/main" val="0"/>
+              </a:ext>
+            </a:extLst>
+          </a:blip>
+          <a:stretch>
+            <a:fillRect/>
+          </a:stretch>
+        </p:blipFill>
+        <p:spPr>
+          <a:xfrm>
+            <a:off x="3333750" y="-1730"/>
+            <a:ext cx="3810000" cy="2381250"/>
+          </a:xfrm>
+          <a:prstGeom prst="rect">
+            <a:avLst/>
+          </a:prstGeom>
+        </p:spPr>
+      </p:pic>
+      <p:pic>
+        <p:nvPicPr>
+          <p:cNvPr id="9" name="Imagem 8"/>
+          <p:cNvPicPr>
+            <a:picLocks noChangeAspect="1"/>
+          </p:cNvPicPr>
+          <p:nvPr/>
+        </p:nvPicPr>
+        <p:blipFill>
+          <a:blip r:embed="rId3" cstate="print">
+            <a:extLst>
+              <a:ext uri="{28A0092B-C50C-407E-A947-70E740481C1C}">
+                <a14:useLocalDpi xmlns:a14="http://schemas.microsoft.com/office/drawing/2010/main" val="0"/>
+              </a:ext>
+            </a:extLst>
+          </a:blip>
+          <a:stretch>
+            <a:fillRect/>
+          </a:stretch>
+        </p:blipFill>
+        <p:spPr>
+          <a:xfrm>
+            <a:off x="-661458" y="0"/>
+            <a:ext cx="4233333" cy="2381250"/>
+          </a:xfrm>
+          <a:prstGeom prst="rect">
+            <a:avLst/>
+          </a:prstGeom>
+        </p:spPr>
+      </p:pic>
+    </p:spTree>
+    <p:extLst>
+      <p:ext uri="{BB962C8B-B14F-4D97-AF65-F5344CB8AC3E}">
+        <p14:creationId xmlns:p14="http://schemas.microsoft.com/office/powerpoint/2010/main" val="2192376296"/>
+      </p:ext>
+    </p:extLst>
+  </p:cSld>
+  <p:clrMapOvr>
+    <a:masterClrMapping/>
+  </p:clrMapOvr>
+  <p:timing>
+    <p:tnLst>
+      <p:par>
+        <p:cTn id="1" dur="indefinite" restart="never" nodeType="tmRoot"/>
+      </p:par>
+    </p:tnLst>
+  </p:timing>
+</p:sld>
+</file>
+
+<file path=ppt/slides/slide4.xml><?xml version="1.0" encoding="utf-8"?>
+<p:sld xmlns:a="http://schemas.openxmlformats.org/drawingml/2006/main" xmlns:r="http://schemas.openxmlformats.org/officeDocument/2006/relationships" xmlns:p="http://schemas.openxmlformats.org/presentationml/2006/main">
+  <p:cSld>
+    <p:spTree>
+      <p:nvGrpSpPr>
+        <p:cNvPr id="1" name=""/>
+        <p:cNvGrpSpPr/>
+        <p:nvPr/>
+      </p:nvGrpSpPr>
+      <p:grpSpPr>
+        <a:xfrm>
+          <a:off x="0" y="0"/>
+          <a:ext cx="0" cy="0"/>
+          <a:chOff x="0" y="0"/>
+          <a:chExt cx="0" cy="0"/>
+        </a:xfrm>
+      </p:grpSpPr>
+      <p:pic>
+        <p:nvPicPr>
+          <p:cNvPr id="5" name="Imagem 4"/>
+          <p:cNvPicPr>
+            <a:picLocks noChangeAspect="1"/>
+          </p:cNvPicPr>
+          <p:nvPr/>
+        </p:nvPicPr>
+        <p:blipFill>
+          <a:blip r:embed="rId2" cstate="print">
+            <a:extLst>
+              <a:ext uri="{28A0092B-C50C-407E-A947-70E740481C1C}">
+                <a14:useLocalDpi xmlns:a14="http://schemas.microsoft.com/office/drawing/2010/main" val="0"/>
+              </a:ext>
+            </a:extLst>
+          </a:blip>
+          <a:stretch>
+            <a:fillRect/>
+          </a:stretch>
+        </p:blipFill>
+        <p:spPr>
+          <a:xfrm>
+            <a:off x="-27708" y="0"/>
+            <a:ext cx="3175000" cy="2381250"/>
+          </a:xfrm>
+          <a:prstGeom prst="rect">
+            <a:avLst/>
+          </a:prstGeom>
+        </p:spPr>
+      </p:pic>
+      <p:sp>
+        <p:nvSpPr>
+          <p:cNvPr id="8" name="Forma livre 7"/>
+          <p:cNvSpPr/>
+          <p:nvPr/>
+        </p:nvSpPr>
+        <p:spPr>
+          <a:xfrm>
+            <a:off x="2736274" y="0"/>
+            <a:ext cx="4393622" cy="2381250"/>
+          </a:xfrm>
+          <a:custGeom>
+            <a:avLst/>
+            <a:gdLst>
+              <a:gd name="connsiteX0" fmla="*/ 0 w 4393622"/>
+              <a:gd name="connsiteY0" fmla="*/ 0 h 2381250"/>
+              <a:gd name="connsiteX1" fmla="*/ 969817 w 4393622"/>
+              <a:gd name="connsiteY1" fmla="*/ 0 h 2381250"/>
+              <a:gd name="connsiteX2" fmla="*/ 1194949 w 4393622"/>
+              <a:gd name="connsiteY2" fmla="*/ 0 h 2381250"/>
+              <a:gd name="connsiteX3" fmla="*/ 4393622 w 4393622"/>
+              <a:gd name="connsiteY3" fmla="*/ 0 h 2381250"/>
+              <a:gd name="connsiteX4" fmla="*/ 4393622 w 4393622"/>
+              <a:gd name="connsiteY4" fmla="*/ 2381250 h 2381250"/>
+              <a:gd name="connsiteX5" fmla="*/ 1194949 w 4393622"/>
+              <a:gd name="connsiteY5" fmla="*/ 2381250 h 2381250"/>
+              <a:gd name="connsiteX6" fmla="*/ 969817 w 4393622"/>
+              <a:gd name="connsiteY6" fmla="*/ 2381250 h 2381250"/>
+              <a:gd name="connsiteX7" fmla="*/ 0 w 4393622"/>
+              <a:gd name="connsiteY7" fmla="*/ 2381250 h 2381250"/>
+              <a:gd name="connsiteX8" fmla="*/ 405251 w 4393622"/>
+              <a:gd name="connsiteY8" fmla="*/ 1190625 h 2381250"/>
+            </a:gdLst>
+            <a:ahLst/>
+            <a:cxnLst>
+              <a:cxn ang="0">
+                <a:pos x="connsiteX0" y="connsiteY0"/>
+              </a:cxn>
+              <a:cxn ang="0">
+                <a:pos x="connsiteX1" y="connsiteY1"/>
+              </a:cxn>
+              <a:cxn ang="0">
+                <a:pos x="connsiteX2" y="connsiteY2"/>
+              </a:cxn>
+              <a:cxn ang="0">
+                <a:pos x="connsiteX3" y="connsiteY3"/>
+              </a:cxn>
+              <a:cxn ang="0">
+                <a:pos x="connsiteX4" y="connsiteY4"/>
+              </a:cxn>
+              <a:cxn ang="0">
+                <a:pos x="connsiteX5" y="connsiteY5"/>
+              </a:cxn>
+              <a:cxn ang="0">
+                <a:pos x="connsiteX6" y="connsiteY6"/>
+              </a:cxn>
+              <a:cxn ang="0">
+                <a:pos x="connsiteX7" y="connsiteY7"/>
+              </a:cxn>
+              <a:cxn ang="0">
+                <a:pos x="connsiteX8" y="connsiteY8"/>
+              </a:cxn>
+            </a:cxnLst>
+            <a:rect l="l" t="t" r="r" b="b"/>
+            <a:pathLst>
+              <a:path w="4393622" h="2381250">
+                <a:moveTo>
+                  <a:pt x="0" y="0"/>
+                </a:moveTo>
+                <a:lnTo>
+                  <a:pt x="969817" y="0"/>
+                </a:lnTo>
+                <a:lnTo>
+                  <a:pt x="1194949" y="0"/>
+                </a:lnTo>
+                <a:lnTo>
+                  <a:pt x="4393622" y="0"/>
+                </a:lnTo>
+                <a:lnTo>
+                  <a:pt x="4393622" y="2381250"/>
+                </a:lnTo>
+                <a:lnTo>
+                  <a:pt x="1194949" y="2381250"/>
+                </a:lnTo>
+                <a:lnTo>
+                  <a:pt x="969817" y="2381250"/>
+                </a:lnTo>
+                <a:lnTo>
+                  <a:pt x="0" y="2381250"/>
+                </a:lnTo>
+                <a:lnTo>
+                  <a:pt x="405251" y="1190625"/>
+                </a:lnTo>
+                <a:close/>
+              </a:path>
+            </a:pathLst>
+          </a:custGeom>
+          <a:ln>
+            <a:noFill/>
+          </a:ln>
+        </p:spPr>
+        <p:style>
+          <a:lnRef idx="2">
+            <a:schemeClr val="accent1">
+              <a:shade val="50000"/>
+            </a:schemeClr>
+          </a:lnRef>
+          <a:fillRef idx="1">
+            <a:schemeClr val="accent1"/>
+          </a:fillRef>
+          <a:effectRef idx="0">
+            <a:schemeClr val="accent1"/>
+          </a:effectRef>
+          <a:fontRef idx="minor">
+            <a:schemeClr val="lt1"/>
+          </a:fontRef>
+        </p:style>
+        <p:txBody>
+          <a:bodyPr rtlCol="0" anchor="ctr"/>
+          <a:lstStyle/>
+          <a:p>
+            <a:pPr algn="ctr"/>
+            <a:endParaRPr lang="pt-BR"/>
+          </a:p>
+        </p:txBody>
+      </p:sp>
+      <p:sp>
+        <p:nvSpPr>
+          <p:cNvPr id="22" name="Divisa 21"/>
+          <p:cNvSpPr/>
+          <p:nvPr/>
+        </p:nvSpPr>
+        <p:spPr>
+          <a:xfrm>
+            <a:off x="2731511" y="0"/>
+            <a:ext cx="611764" cy="2381250"/>
+          </a:xfrm>
+          <a:prstGeom prst="chevron">
+            <a:avLst>
+              <a:gd name="adj" fmla="val 67281"/>
+            </a:avLst>
+          </a:prstGeom>
+          <a:ln>
+            <a:noFill/>
+          </a:ln>
+        </p:spPr>
+        <p:style>
+          <a:lnRef idx="2">
+            <a:schemeClr val="accent6">
+              <a:shade val="50000"/>
+            </a:schemeClr>
+          </a:lnRef>
+          <a:fillRef idx="1">
+            <a:schemeClr val="accent6"/>
+          </a:fillRef>
+          <a:effectRef idx="0">
+            <a:schemeClr val="accent6"/>
+          </a:effectRef>
+          <a:fontRef idx="minor">
+            <a:schemeClr val="lt1"/>
+          </a:fontRef>
+        </p:style>
+        <p:txBody>
+          <a:bodyPr rtlCol="0" anchor="ctr"/>
+          <a:lstStyle/>
+          <a:p>
+            <a:pPr algn="ctr"/>
+            <a:endParaRPr lang="pt-BR">
+              <a:solidFill>
+                <a:schemeClr val="tx1"/>
+              </a:solidFill>
+            </a:endParaRPr>
+          </a:p>
+        </p:txBody>
+      </p:sp>
+      <p:sp>
+        <p:nvSpPr>
+          <p:cNvPr id="24" name="Arco 23"/>
+          <p:cNvSpPr/>
+          <p:nvPr/>
+        </p:nvSpPr>
+        <p:spPr>
+          <a:xfrm rot="1321481">
+            <a:off x="3074705" y="856577"/>
+            <a:ext cx="71808" cy="717181"/>
+          </a:xfrm>
+          <a:prstGeom prst="arc">
+            <a:avLst>
+              <a:gd name="adj1" fmla="val 16269777"/>
+              <a:gd name="adj2" fmla="val 0"/>
+            </a:avLst>
+          </a:prstGeom>
+          <a:ln w="28575">
+            <a:solidFill>
+              <a:srgbClr val="B43D96"/>
+            </a:solidFill>
+          </a:ln>
+        </p:spPr>
+        <p:style>
+          <a:lnRef idx="1">
+            <a:schemeClr val="accent1"/>
+          </a:lnRef>
+          <a:fillRef idx="0">
+            <a:schemeClr val="accent1"/>
+          </a:fillRef>
+          <a:effectRef idx="0">
+            <a:schemeClr val="accent1"/>
+          </a:effectRef>
+          <a:fontRef idx="minor">
+            <a:schemeClr val="tx1"/>
+          </a:fontRef>
+        </p:style>
+        <p:txBody>
+          <a:bodyPr rtlCol="0" anchor="ctr"/>
+          <a:lstStyle/>
+          <a:p>
+            <a:pPr algn="ctr"/>
+            <a:endParaRPr lang="pt-BR" dirty="0"/>
+          </a:p>
+        </p:txBody>
+      </p:sp>
+      <p:cxnSp>
+        <p:nvCxnSpPr>
+          <p:cNvPr id="27" name="Conector reto 26"/>
+          <p:cNvCxnSpPr/>
+          <p:nvPr/>
+        </p:nvCxnSpPr>
+        <p:spPr>
+          <a:xfrm flipH="1">
+            <a:off x="2800351" y="1285875"/>
+            <a:ext cx="407193" cy="1171575"/>
+          </a:xfrm>
+          <a:prstGeom prst="line">
+            <a:avLst/>
+          </a:prstGeom>
+          <a:ln w="187325">
+            <a:solidFill>
+              <a:srgbClr val="B43D96"/>
+            </a:solidFill>
+          </a:ln>
+        </p:spPr>
+        <p:style>
+          <a:lnRef idx="1">
+            <a:schemeClr val="accent1"/>
+          </a:lnRef>
+          <a:fillRef idx="0">
+            <a:schemeClr val="accent1"/>
+          </a:fillRef>
+          <a:effectRef idx="0">
+            <a:schemeClr val="accent1"/>
+          </a:effectRef>
+          <a:fontRef idx="minor">
+            <a:schemeClr val="tx1"/>
+          </a:fontRef>
+        </p:style>
+      </p:cxnSp>
+    </p:spTree>
+    <p:extLst>
+      <p:ext uri="{BB962C8B-B14F-4D97-AF65-F5344CB8AC3E}">
+        <p14:creationId xmlns:p14="http://schemas.microsoft.com/office/powerpoint/2010/main" val="3046889401"/>
+      </p:ext>
+    </p:extLst>
+  </p:cSld>
+  <p:clrMapOvr>
+    <a:masterClrMapping/>
+  </p:clrMapOvr>
+  <p:timing>
+    <p:tnLst>
+      <p:par>
+        <p:cTn id="1" dur="indefinite" restart="never" nodeType="tmRoot"/>
+      </p:par>
+    </p:tnLst>
+  </p:timing>
 </p:sld>
 </file>
 

--- a/Documentação/pptx/Banner1.pptx
+++ b/Documentação/pptx/Banner1.pptx
@@ -246,7 +246,7 @@
           <a:p>
             <a:fld id="{B37B9FE5-737C-46BE-B8FD-3C35E6D1D0B7}" type="datetimeFigureOut">
               <a:rPr lang="pt-BR" smtClean="0"/>
-              <a:t>07/11/2018</a:t>
+              <a:t>08/11/2018</a:t>
             </a:fld>
             <a:endParaRPr lang="pt-BR"/>
           </a:p>
@@ -416,7 +416,7 @@
           <a:p>
             <a:fld id="{B37B9FE5-737C-46BE-B8FD-3C35E6D1D0B7}" type="datetimeFigureOut">
               <a:rPr lang="pt-BR" smtClean="0"/>
-              <a:t>07/11/2018</a:t>
+              <a:t>08/11/2018</a:t>
             </a:fld>
             <a:endParaRPr lang="pt-BR"/>
           </a:p>
@@ -596,7 +596,7 @@
           <a:p>
             <a:fld id="{B37B9FE5-737C-46BE-B8FD-3C35E6D1D0B7}" type="datetimeFigureOut">
               <a:rPr lang="pt-BR" smtClean="0"/>
-              <a:t>07/11/2018</a:t>
+              <a:t>08/11/2018</a:t>
             </a:fld>
             <a:endParaRPr lang="pt-BR"/>
           </a:p>
@@ -766,7 +766,7 @@
           <a:p>
             <a:fld id="{B37B9FE5-737C-46BE-B8FD-3C35E6D1D0B7}" type="datetimeFigureOut">
               <a:rPr lang="pt-BR" smtClean="0"/>
-              <a:t>07/11/2018</a:t>
+              <a:t>08/11/2018</a:t>
             </a:fld>
             <a:endParaRPr lang="pt-BR"/>
           </a:p>
@@ -1012,7 +1012,7 @@
           <a:p>
             <a:fld id="{B37B9FE5-737C-46BE-B8FD-3C35E6D1D0B7}" type="datetimeFigureOut">
               <a:rPr lang="pt-BR" smtClean="0"/>
-              <a:t>07/11/2018</a:t>
+              <a:t>08/11/2018</a:t>
             </a:fld>
             <a:endParaRPr lang="pt-BR"/>
           </a:p>
@@ -1244,7 +1244,7 @@
           <a:p>
             <a:fld id="{B37B9FE5-737C-46BE-B8FD-3C35E6D1D0B7}" type="datetimeFigureOut">
               <a:rPr lang="pt-BR" smtClean="0"/>
-              <a:t>07/11/2018</a:t>
+              <a:t>08/11/2018</a:t>
             </a:fld>
             <a:endParaRPr lang="pt-BR"/>
           </a:p>
@@ -1611,7 +1611,7 @@
           <a:p>
             <a:fld id="{B37B9FE5-737C-46BE-B8FD-3C35E6D1D0B7}" type="datetimeFigureOut">
               <a:rPr lang="pt-BR" smtClean="0"/>
-              <a:t>07/11/2018</a:t>
+              <a:t>08/11/2018</a:t>
             </a:fld>
             <a:endParaRPr lang="pt-BR"/>
           </a:p>
@@ -1729,7 +1729,7 @@
           <a:p>
             <a:fld id="{B37B9FE5-737C-46BE-B8FD-3C35E6D1D0B7}" type="datetimeFigureOut">
               <a:rPr lang="pt-BR" smtClean="0"/>
-              <a:t>07/11/2018</a:t>
+              <a:t>08/11/2018</a:t>
             </a:fld>
             <a:endParaRPr lang="pt-BR"/>
           </a:p>
@@ -1824,7 +1824,7 @@
           <a:p>
             <a:fld id="{B37B9FE5-737C-46BE-B8FD-3C35E6D1D0B7}" type="datetimeFigureOut">
               <a:rPr lang="pt-BR" smtClean="0"/>
-              <a:t>07/11/2018</a:t>
+              <a:t>08/11/2018</a:t>
             </a:fld>
             <a:endParaRPr lang="pt-BR"/>
           </a:p>
@@ -2101,7 +2101,7 @@
           <a:p>
             <a:fld id="{B37B9FE5-737C-46BE-B8FD-3C35E6D1D0B7}" type="datetimeFigureOut">
               <a:rPr lang="pt-BR" smtClean="0"/>
-              <a:t>07/11/2018</a:t>
+              <a:t>08/11/2018</a:t>
             </a:fld>
             <a:endParaRPr lang="pt-BR"/>
           </a:p>
@@ -2358,7 +2358,7 @@
           <a:p>
             <a:fld id="{B37B9FE5-737C-46BE-B8FD-3C35E6D1D0B7}" type="datetimeFigureOut">
               <a:rPr lang="pt-BR" smtClean="0"/>
-              <a:t>07/11/2018</a:t>
+              <a:t>08/11/2018</a:t>
             </a:fld>
             <a:endParaRPr lang="pt-BR"/>
           </a:p>
@@ -2571,7 +2571,7 @@
           <a:p>
             <a:fld id="{B37B9FE5-737C-46BE-B8FD-3C35E6D1D0B7}" type="datetimeFigureOut">
               <a:rPr lang="pt-BR" smtClean="0"/>
-              <a:t>07/11/2018</a:t>
+              <a:t>08/11/2018</a:t>
             </a:fld>
             <a:endParaRPr lang="pt-BR"/>
           </a:p>
@@ -2981,7 +2981,7 @@
           <p:cNvPr id="1026" name="Picture 2" descr="Cthulhu LARP Cult of YIG Lovecraft Monsters Necronomicon Occult Dark Art Demons | eBay">
             <a:extLst>
               <a:ext uri="{FF2B5EF4-FFF2-40B4-BE49-F238E27FC236}">
-                <a16:creationId xmlns:a16="http://schemas.microsoft.com/office/drawing/2014/main" xmlns="" id="{30B8E49A-3E4B-4F41-A129-C86640182180}"/>
+                <a16:creationId xmlns:a16="http://schemas.microsoft.com/office/drawing/2014/main" id="{30B8E49A-3E4B-4F41-A129-C86640182180}"/>
               </a:ext>
             </a:extLst>
           </p:cNvPr>
@@ -3028,7 +3028,7 @@
           <p:cNvPr id="15" name="Retângulo 14">
             <a:extLst>
               <a:ext uri="{FF2B5EF4-FFF2-40B4-BE49-F238E27FC236}">
-                <a16:creationId xmlns:a16="http://schemas.microsoft.com/office/drawing/2014/main" xmlns="" id="{DE031CF8-94D5-4139-96ED-40AA4502A25D}"/>
+                <a16:creationId xmlns:a16="http://schemas.microsoft.com/office/drawing/2014/main" id="{DE031CF8-94D5-4139-96ED-40AA4502A25D}"/>
               </a:ext>
             </a:extLst>
           </p:cNvPr>
@@ -3080,7 +3080,7 @@
           <p:cNvPr id="16" name="Forma Livre: Forma 15">
             <a:extLst>
               <a:ext uri="{FF2B5EF4-FFF2-40B4-BE49-F238E27FC236}">
-                <a16:creationId xmlns:a16="http://schemas.microsoft.com/office/drawing/2014/main" xmlns="" id="{C7AFBEFF-B2BE-4430-B4B4-5105D777C4C9}"/>
+                <a16:creationId xmlns:a16="http://schemas.microsoft.com/office/drawing/2014/main" id="{C7AFBEFF-B2BE-4430-B4B4-5105D777C4C9}"/>
               </a:ext>
             </a:extLst>
           </p:cNvPr>
@@ -3186,7 +3186,7 @@
           <p:cNvPr id="5" name="Conector reto 4">
             <a:extLst>
               <a:ext uri="{FF2B5EF4-FFF2-40B4-BE49-F238E27FC236}">
-                <a16:creationId xmlns:a16="http://schemas.microsoft.com/office/drawing/2014/main" xmlns="" id="{5961DC48-B4AF-4BEC-B963-651447A8317F}"/>
+                <a16:creationId xmlns:a16="http://schemas.microsoft.com/office/drawing/2014/main" id="{5961DC48-B4AF-4BEC-B963-651447A8317F}"/>
               </a:ext>
             </a:extLst>
           </p:cNvPr>
@@ -3237,7 +3237,7 @@
           <p:cNvPr id="4" name="Imagem 3" descr="Uma imagem contendo objeto&#10;&#10;Descrição gerada com alta confiança">
             <a:extLst>
               <a:ext uri="{FF2B5EF4-FFF2-40B4-BE49-F238E27FC236}">
-                <a16:creationId xmlns:a16="http://schemas.microsoft.com/office/drawing/2014/main" xmlns="" id="{0BD60010-28DE-4499-AFC6-619128DF2513}"/>
+                <a16:creationId xmlns:a16="http://schemas.microsoft.com/office/drawing/2014/main" id="{0BD60010-28DE-4499-AFC6-619128DF2513}"/>
               </a:ext>
             </a:extLst>
           </p:cNvPr>
@@ -3302,7 +3302,7 @@
           <p:cNvPr id="18" name="CaixaDeTexto 17">
             <a:extLst>
               <a:ext uri="{FF2B5EF4-FFF2-40B4-BE49-F238E27FC236}">
-                <a16:creationId xmlns:a16="http://schemas.microsoft.com/office/drawing/2014/main" xmlns="" id="{42835BA0-3094-4A70-9BF3-522D7BBF2D35}"/>
+                <a16:creationId xmlns:a16="http://schemas.microsoft.com/office/drawing/2014/main" id="{42835BA0-3094-4A70-9BF3-522D7BBF2D35}"/>
               </a:ext>
             </a:extLst>
           </p:cNvPr>
@@ -3318,6 +3318,13 @@
             <a:avLst/>
           </a:prstGeom>
           <a:noFill/>
+          <a:effectLst>
+            <a:outerShdw blurRad="50800" dist="38100" dir="2700000" algn="tl" rotWithShape="0">
+              <a:prstClr val="black">
+                <a:alpha val="40000"/>
+              </a:prstClr>
+            </a:outerShdw>
+          </a:effectLst>
         </p:spPr>
         <p:txBody>
           <a:bodyPr wrap="square" rtlCol="0">
@@ -3328,9 +3335,30 @@
             <a:pPr algn="ctr"/>
             <a:r>
               <a:rPr lang="pt-BR" sz="3600" dirty="0">
-                <a:solidFill>
-                  <a:srgbClr val="00B050"/>
-                </a:solidFill>
+                <a:gradFill flip="none" rotWithShape="1">
+                  <a:gsLst>
+                    <a:gs pos="0">
+                      <a:srgbClr val="00B050">
+                        <a:shade val="30000"/>
+                        <a:satMod val="115000"/>
+                      </a:srgbClr>
+                    </a:gs>
+                    <a:gs pos="50000">
+                      <a:srgbClr val="00B050">
+                        <a:shade val="67500"/>
+                        <a:satMod val="115000"/>
+                      </a:srgbClr>
+                    </a:gs>
+                    <a:gs pos="100000">
+                      <a:srgbClr val="00B050">
+                        <a:shade val="100000"/>
+                        <a:satMod val="115000"/>
+                      </a:srgbClr>
+                    </a:gs>
+                  </a:gsLst>
+                  <a:lin ang="5400000" scaled="1"/>
+                  <a:tileRect/>
+                </a:gradFill>
                 <a:effectLst>
                   <a:outerShdw blurRad="50800" dist="38100" dir="2700000" algn="tl" rotWithShape="0">
                     <a:prstClr val="black">
@@ -3347,9 +3375,30 @@
             <a:pPr algn="ctr"/>
             <a:r>
               <a:rPr lang="pt-BR" sz="3600" dirty="0">
-                <a:solidFill>
-                  <a:srgbClr val="00B050"/>
-                </a:solidFill>
+                <a:gradFill flip="none" rotWithShape="1">
+                  <a:gsLst>
+                    <a:gs pos="0">
+                      <a:srgbClr val="00B050">
+                        <a:shade val="30000"/>
+                        <a:satMod val="115000"/>
+                      </a:srgbClr>
+                    </a:gs>
+                    <a:gs pos="50000">
+                      <a:srgbClr val="00B050">
+                        <a:shade val="67500"/>
+                        <a:satMod val="115000"/>
+                      </a:srgbClr>
+                    </a:gs>
+                    <a:gs pos="100000">
+                      <a:srgbClr val="00B050">
+                        <a:shade val="100000"/>
+                        <a:satMod val="115000"/>
+                      </a:srgbClr>
+                    </a:gs>
+                  </a:gsLst>
+                  <a:lin ang="5400000" scaled="1"/>
+                  <a:tileRect/>
+                </a:gradFill>
                 <a:effectLst>
                   <a:outerShdw blurRad="50800" dist="38100" dir="2700000" algn="tl" rotWithShape="0">
                     <a:prstClr val="black">
@@ -3359,37 +3408,8 @@
                 </a:effectLst>
                 <a:latin typeface="MB Gothic Spell" panose="02000500000000000000" pitchFamily="2" charset="0"/>
               </a:rPr>
-              <a:t>H. P. </a:t>
+              <a:t>H. P. Lovecraft</a:t>
             </a:r>
-            <a:r>
-              <a:rPr lang="pt-BR" sz="3600" dirty="0" smtClean="0">
-                <a:solidFill>
-                  <a:srgbClr val="00B050"/>
-                </a:solidFill>
-                <a:effectLst>
-                  <a:outerShdw blurRad="50800" dist="38100" dir="2700000" algn="tl" rotWithShape="0">
-                    <a:prstClr val="black">
-                      <a:alpha val="40000"/>
-                    </a:prstClr>
-                  </a:outerShdw>
-                </a:effectLst>
-                <a:latin typeface="MB Gothic Spell" panose="02000500000000000000" pitchFamily="2" charset="0"/>
-              </a:rPr>
-              <a:t>Lovecraft</a:t>
-            </a:r>
-            <a:endParaRPr lang="pt-BR" sz="3600" dirty="0">
-              <a:solidFill>
-                <a:srgbClr val="00B050"/>
-              </a:solidFill>
-              <a:effectLst>
-                <a:outerShdw blurRad="50800" dist="38100" dir="2700000" algn="tl" rotWithShape="0">
-                  <a:prstClr val="black">
-                    <a:alpha val="40000"/>
-                  </a:prstClr>
-                </a:outerShdw>
-              </a:effectLst>
-              <a:latin typeface="MB Gothic Spell" panose="02000500000000000000" pitchFamily="2" charset="0"/>
-            </a:endParaRPr>
           </a:p>
         </p:txBody>
       </p:sp>
@@ -3398,7 +3418,7 @@
           <p:cNvPr id="12" name="CaixaDeTexto 11">
             <a:extLst>
               <a:ext uri="{FF2B5EF4-FFF2-40B4-BE49-F238E27FC236}">
-                <a16:creationId xmlns:a16="http://schemas.microsoft.com/office/drawing/2014/main" xmlns="" id="{ED5AAA1A-E8F5-4A19-8D59-AEE37B185257}"/>
+                <a16:creationId xmlns:a16="http://schemas.microsoft.com/office/drawing/2014/main" id="{ED5AAA1A-E8F5-4A19-8D59-AEE37B185257}"/>
               </a:ext>
             </a:extLst>
           </p:cNvPr>
@@ -6941,13 +6961,40 @@
               </a:path>
             </a:pathLst>
           </a:custGeom>
-          <a:solidFill>
-            <a:srgbClr val="00B050"/>
-          </a:solidFill>
+          <a:gradFill flip="none" rotWithShape="1">
+            <a:gsLst>
+              <a:gs pos="0">
+                <a:srgbClr val="00B050">
+                  <a:shade val="30000"/>
+                  <a:satMod val="115000"/>
+                </a:srgbClr>
+              </a:gs>
+              <a:gs pos="50000">
+                <a:srgbClr val="00B050">
+                  <a:shade val="67500"/>
+                  <a:satMod val="115000"/>
+                </a:srgbClr>
+              </a:gs>
+              <a:gs pos="100000">
+                <a:srgbClr val="00B050">
+                  <a:shade val="100000"/>
+                  <a:satMod val="115000"/>
+                </a:srgbClr>
+              </a:gs>
+            </a:gsLst>
+            <a:lin ang="5400000" scaled="1"/>
+            <a:tileRect/>
+          </a:gradFill>
           <a:ln>
             <a:noFill/>
           </a:ln>
-          <a:effectLst/>
+          <a:effectLst>
+            <a:outerShdw blurRad="50800" dist="38100" dir="2700000" algn="tl" rotWithShape="0">
+              <a:prstClr val="black">
+                <a:alpha val="40000"/>
+              </a:prstClr>
+            </a:outerShdw>
+          </a:effectLst>
         </p:spPr>
         <p:txBody>
           <a:bodyPr rot="0" spcFirstLastPara="0" vertOverflow="overflow" horzOverflow="overflow" vert="horz" wrap="square" lIns="91440" tIns="45720" rIns="91440" bIns="45720" numCol="1" spcCol="0" rtlCol="0" fromWordArt="0" anchor="t" anchorCtr="0" forceAA="0" compatLnSpc="1">
@@ -6985,13 +7032,6 @@
   <p:clrMapOvr>
     <a:masterClrMapping/>
   </p:clrMapOvr>
-  <p:timing>
-    <p:tnLst>
-      <p:par>
-        <p:cTn id="1" dur="indefinite" restart="never" nodeType="tmRoot"/>
-      </p:par>
-    </p:tnLst>
-  </p:timing>
 </p:sld>
 </file>
 
@@ -7116,7 +7156,7 @@
           <p:cNvPr id="8" name="Conector reto 7">
             <a:extLst>
               <a:ext uri="{FF2B5EF4-FFF2-40B4-BE49-F238E27FC236}">
-                <a16:creationId xmlns:a16="http://schemas.microsoft.com/office/drawing/2014/main" xmlns="" id="{5961DC48-B4AF-4BEC-B963-651447A8317F}"/>
+                <a16:creationId xmlns:a16="http://schemas.microsoft.com/office/drawing/2014/main" id="{5961DC48-B4AF-4BEC-B963-651447A8317F}"/>
               </a:ext>
             </a:extLst>
           </p:cNvPr>
@@ -7217,7 +7257,7 @@
           <a:p>
             <a:pPr algn="ctr"/>
             <a:r>
-              <a:rPr lang="pt-BR" sz="2400" dirty="0" err="1" smtClean="0">
+              <a:rPr lang="pt-BR" sz="2400" dirty="0" err="1">
                 <a:ln w="0">
                   <a:noFill/>
                 </a:ln>
@@ -7237,7 +7277,7 @@
               <a:t>Invasao</a:t>
             </a:r>
             <a:r>
-              <a:rPr lang="pt-BR" sz="2400" dirty="0" smtClean="0">
+              <a:rPr lang="pt-BR" sz="2400" dirty="0">
                 <a:ln w="0">
                   <a:noFill/>
                 </a:ln>
@@ -7260,7 +7300,7 @@
           <a:p>
             <a:pPr algn="ctr"/>
             <a:r>
-              <a:rPr lang="pt-BR" sz="2400" dirty="0" err="1" smtClean="0">
+              <a:rPr lang="pt-BR" sz="2400" dirty="0" err="1">
                 <a:ln w="0">
                   <a:noFill/>
                 </a:ln>
@@ -7279,7 +7319,7 @@
               </a:rPr>
               <a:t>CyberPunk</a:t>
             </a:r>
-            <a:endParaRPr lang="pt-BR" sz="2400" dirty="0" smtClean="0">
+            <a:endParaRPr lang="pt-BR" sz="2400" dirty="0">
               <a:ln w="0">
                 <a:noFill/>
               </a:ln>
@@ -7322,7 +7362,7 @@
           <a:lstStyle/>
           <a:p>
             <a:r>
-              <a:rPr lang="pt-BR" sz="1400" dirty="0" smtClean="0">
+              <a:rPr lang="pt-BR" sz="1400" dirty="0">
                 <a:gradFill flip="none" rotWithShape="1">
                   <a:gsLst>
                     <a:gs pos="0">
@@ -7342,24 +7382,6 @@
               </a:rPr>
               <a:t>I</a:t>
             </a:r>
-            <a:endParaRPr lang="pt-BR" sz="1400" dirty="0">
-              <a:gradFill flip="none" rotWithShape="1">
-                <a:gsLst>
-                  <a:gs pos="0">
-                    <a:srgbClr val="EC31F0"/>
-                  </a:gs>
-                  <a:gs pos="19502">
-                    <a:srgbClr val="BD56D1"/>
-                  </a:gs>
-                  <a:gs pos="98000">
-                    <a:srgbClr val="00E952"/>
-                  </a:gs>
-                </a:gsLst>
-                <a:lin ang="11400000" scaled="0"/>
-                <a:tileRect/>
-              </a:gradFill>
-              <a:latin typeface="True Lies" panose="02000500000000000000" pitchFamily="2" charset="0"/>
-            </a:endParaRPr>
           </a:p>
         </p:txBody>
       </p:sp>
@@ -7929,7 +7951,7 @@
           <a:p>
             <a:pPr algn="ctr"/>
             <a:r>
-              <a:rPr lang="pt-BR" sz="1200" dirty="0" smtClean="0">
+              <a:rPr lang="pt-BR" sz="1200" dirty="0">
                 <a:solidFill>
                   <a:srgbClr val="00EE5A"/>
                 </a:solidFill>
@@ -7938,7 +7960,7 @@
               <a:t>Frete </a:t>
             </a:r>
             <a:r>
-              <a:rPr lang="pt-BR" sz="1200" dirty="0" err="1" smtClean="0">
+              <a:rPr lang="pt-BR" sz="1200" dirty="0" err="1">
                 <a:solidFill>
                   <a:srgbClr val="00EE5A"/>
                 </a:solidFill>
@@ -7947,23 +7969,60 @@
               <a:t>gratis</a:t>
             </a:r>
             <a:r>
-              <a:rPr lang="pt-BR" sz="1200" dirty="0" smtClean="0">
+              <a:rPr lang="pt-BR" sz="1200" dirty="0">
                 <a:solidFill>
                   <a:srgbClr val="00EE5A"/>
                 </a:solidFill>
                 <a:latin typeface="True Lies" panose="02000500000000000000" pitchFamily="2" charset="0"/>
               </a:rPr>
-              <a:t> para bunkers por todo o Brasil</a:t>
+              <a:t> para todos os bunkers do Brasil</a:t>
             </a:r>
-            <a:endParaRPr lang="pt-BR" sz="1200" dirty="0">
-              <a:solidFill>
-                <a:srgbClr val="00EE5A"/>
-              </a:solidFill>
-              <a:latin typeface="True Lies" panose="02000500000000000000" pitchFamily="2" charset="0"/>
-            </a:endParaRPr>
           </a:p>
         </p:txBody>
       </p:sp>
+      <p:pic>
+        <p:nvPicPr>
+          <p:cNvPr id="9" name="Imagem 8" descr="Uma imagem contendo objeto&#10;&#10;Descrição gerada com alta confiança">
+            <a:extLst>
+              <a:ext uri="{FF2B5EF4-FFF2-40B4-BE49-F238E27FC236}">
+                <a16:creationId xmlns:a16="http://schemas.microsoft.com/office/drawing/2014/main" id="{8402DD12-7604-4647-BAED-E55951CEDCAA}"/>
+              </a:ext>
+            </a:extLst>
+          </p:cNvPr>
+          <p:cNvPicPr>
+            <a:picLocks noChangeAspect="1"/>
+          </p:cNvPicPr>
+          <p:nvPr/>
+        </p:nvPicPr>
+        <p:blipFill>
+          <a:blip r:embed="rId3">
+            <a:extLst>
+              <a:ext uri="{28A0092B-C50C-407E-A947-70E740481C1C}">
+                <a14:useLocalDpi xmlns:a14="http://schemas.microsoft.com/office/drawing/2010/main" val="0"/>
+              </a:ext>
+            </a:extLst>
+          </a:blip>
+          <a:stretch>
+            <a:fillRect/>
+          </a:stretch>
+        </p:blipFill>
+        <p:spPr>
+          <a:xfrm rot="804346">
+            <a:off x="323416" y="1642664"/>
+            <a:ext cx="658096" cy="658096"/>
+          </a:xfrm>
+          <a:prstGeom prst="rect">
+            <a:avLst/>
+          </a:prstGeom>
+          <a:effectLst>
+            <a:outerShdw blurRad="50800" dist="38100" dir="2700000" algn="tl" rotWithShape="0">
+              <a:prstClr val="black">
+                <a:alpha val="40000"/>
+              </a:prstClr>
+            </a:outerShdw>
+          </a:effectLst>
+        </p:spPr>
+      </p:pic>
     </p:spTree>
     <p:extLst>
       <p:ext uri="{BB962C8B-B14F-4D97-AF65-F5344CB8AC3E}">
@@ -7974,13 +8033,6 @@
   <p:clrMapOvr>
     <a:masterClrMapping/>
   </p:clrMapOvr>
-  <p:timing>
-    <p:tnLst>
-      <p:par>
-        <p:cTn id="1" dur="indefinite" restart="never" nodeType="tmRoot"/>
-      </p:par>
-    </p:tnLst>
-  </p:timing>
 </p:sld>
 </file>
 
@@ -8003,14 +8055,2533 @@
       </p:grpSpPr>
       <p:pic>
         <p:nvPicPr>
-          <p:cNvPr id="16" name="Imagem 15"/>
+          <p:cNvPr id="1030" name="Picture 6" descr="Imagem relacionada">
+            <a:extLst>
+              <a:ext uri="{FF2B5EF4-FFF2-40B4-BE49-F238E27FC236}">
+                <a16:creationId xmlns:a16="http://schemas.microsoft.com/office/drawing/2014/main" id="{6B81E55D-1092-45FE-93F8-3581695B5FDE}"/>
+              </a:ext>
+            </a:extLst>
+          </p:cNvPr>
+          <p:cNvPicPr>
+            <a:picLocks noChangeAspect="1" noChangeArrowheads="1"/>
+          </p:cNvPicPr>
+          <p:nvPr/>
+        </p:nvPicPr>
+        <p:blipFill>
+          <a:blip r:embed="rId2">
+            <a:extLst>
+              <a:ext uri="{28A0092B-C50C-407E-A947-70E740481C1C}">
+                <a14:useLocalDpi xmlns:a14="http://schemas.microsoft.com/office/drawing/2010/main" val="0"/>
+              </a:ext>
+            </a:extLst>
+          </a:blip>
+          <a:srcRect/>
+          <a:stretch>
+            <a:fillRect/>
+          </a:stretch>
+        </p:blipFill>
+        <p:spPr bwMode="auto">
+          <a:xfrm>
+            <a:off x="3571875" y="0"/>
+            <a:ext cx="3571875" cy="2381250"/>
+          </a:xfrm>
+          <a:prstGeom prst="rect">
+            <a:avLst/>
+          </a:prstGeom>
+          <a:noFill/>
+          <a:extLst>
+            <a:ext uri="{909E8E84-426E-40DD-AFC4-6F175D3DCCD1}">
+              <a14:hiddenFill xmlns:a14="http://schemas.microsoft.com/office/drawing/2010/main">
+                <a:solidFill>
+                  <a:srgbClr val="FFFFFF"/>
+                </a:solidFill>
+              </a14:hiddenFill>
+            </a:ext>
+          </a:extLst>
+        </p:spPr>
+      </p:pic>
+      <p:sp>
+        <p:nvSpPr>
+          <p:cNvPr id="13" name="Forma Livre: Forma 12">
+            <a:extLst>
+              <a:ext uri="{FF2B5EF4-FFF2-40B4-BE49-F238E27FC236}">
+                <a16:creationId xmlns:a16="http://schemas.microsoft.com/office/drawing/2014/main" id="{F11B7372-1F1A-4CEC-B0F9-B700AD9E545A}"/>
+              </a:ext>
+            </a:extLst>
+          </p:cNvPr>
+          <p:cNvSpPr/>
+          <p:nvPr/>
+        </p:nvSpPr>
+        <p:spPr>
+          <a:xfrm flipV="1">
+            <a:off x="1" y="0"/>
+            <a:ext cx="4409680" cy="2381250"/>
+          </a:xfrm>
+          <a:custGeom>
+            <a:avLst/>
+            <a:gdLst>
+              <a:gd name="connsiteX0" fmla="*/ 0 w 4312921"/>
+              <a:gd name="connsiteY0" fmla="*/ 0 h 2381250"/>
+              <a:gd name="connsiteX1" fmla="*/ 3502384 w 4312921"/>
+              <a:gd name="connsiteY1" fmla="*/ 0 h 2381250"/>
+              <a:gd name="connsiteX2" fmla="*/ 4312921 w 4312921"/>
+              <a:gd name="connsiteY2" fmla="*/ 2381250 h 2381250"/>
+              <a:gd name="connsiteX3" fmla="*/ 3502384 w 4312921"/>
+              <a:gd name="connsiteY3" fmla="*/ 2381250 h 2381250"/>
+              <a:gd name="connsiteX4" fmla="*/ 0 w 4312921"/>
+              <a:gd name="connsiteY4" fmla="*/ 2381250 h 2381250"/>
+            </a:gdLst>
+            <a:ahLst/>
+            <a:cxnLst>
+              <a:cxn ang="0">
+                <a:pos x="connsiteX0" y="connsiteY0"/>
+              </a:cxn>
+              <a:cxn ang="0">
+                <a:pos x="connsiteX1" y="connsiteY1"/>
+              </a:cxn>
+              <a:cxn ang="0">
+                <a:pos x="connsiteX2" y="connsiteY2"/>
+              </a:cxn>
+              <a:cxn ang="0">
+                <a:pos x="connsiteX3" y="connsiteY3"/>
+              </a:cxn>
+              <a:cxn ang="0">
+                <a:pos x="connsiteX4" y="connsiteY4"/>
+              </a:cxn>
+            </a:cxnLst>
+            <a:rect l="l" t="t" r="r" b="b"/>
+            <a:pathLst>
+              <a:path w="4312921" h="2381250">
+                <a:moveTo>
+                  <a:pt x="0" y="0"/>
+                </a:moveTo>
+                <a:lnTo>
+                  <a:pt x="3502384" y="0"/>
+                </a:lnTo>
+                <a:lnTo>
+                  <a:pt x="4312921" y="2381250"/>
+                </a:lnTo>
+                <a:lnTo>
+                  <a:pt x="3502384" y="2381250"/>
+                </a:lnTo>
+                <a:lnTo>
+                  <a:pt x="0" y="2381250"/>
+                </a:lnTo>
+                <a:close/>
+              </a:path>
+            </a:pathLst>
+          </a:custGeom>
+          <a:gradFill>
+            <a:gsLst>
+              <a:gs pos="0">
+                <a:srgbClr val="4E1220"/>
+              </a:gs>
+              <a:gs pos="100000">
+                <a:srgbClr val="4C0000"/>
+              </a:gs>
+            </a:gsLst>
+            <a:lin ang="5400000" scaled="1"/>
+          </a:gradFill>
+          <a:ln>
+            <a:noFill/>
+          </a:ln>
+        </p:spPr>
+        <p:style>
+          <a:lnRef idx="2">
+            <a:schemeClr val="accent1">
+              <a:shade val="50000"/>
+            </a:schemeClr>
+          </a:lnRef>
+          <a:fillRef idx="1">
+            <a:schemeClr val="accent1"/>
+          </a:fillRef>
+          <a:effectRef idx="0">
+            <a:schemeClr val="accent1"/>
+          </a:effectRef>
+          <a:fontRef idx="minor">
+            <a:schemeClr val="lt1"/>
+          </a:fontRef>
+        </p:style>
+        <p:txBody>
+          <a:bodyPr rtlCol="0" anchor="ctr"/>
+          <a:lstStyle/>
+          <a:p>
+            <a:pPr algn="ctr"/>
+            <a:endParaRPr lang="pt-BR" dirty="0"/>
+          </a:p>
+        </p:txBody>
+      </p:sp>
+      <p:cxnSp>
+        <p:nvCxnSpPr>
+          <p:cNvPr id="11" name="Conector reto 10">
+            <a:extLst>
+              <a:ext uri="{FF2B5EF4-FFF2-40B4-BE49-F238E27FC236}">
+                <a16:creationId xmlns:a16="http://schemas.microsoft.com/office/drawing/2014/main" id="{2714D9B1-BCA6-4B48-A1DE-F63F7763EDCB}"/>
+              </a:ext>
+            </a:extLst>
+          </p:cNvPr>
+          <p:cNvCxnSpPr>
+            <a:cxnSpLocks/>
+          </p:cNvCxnSpPr>
+          <p:nvPr/>
+        </p:nvCxnSpPr>
+        <p:spPr>
+          <a:xfrm flipV="1">
+            <a:off x="3332018" y="-206449"/>
+            <a:ext cx="1169659" cy="3133799"/>
+          </a:xfrm>
+          <a:prstGeom prst="line">
+            <a:avLst/>
+          </a:prstGeom>
+          <a:ln w="101600">
+            <a:gradFill>
+              <a:gsLst>
+                <a:gs pos="77000">
+                  <a:srgbClr val="FBEF9C"/>
+                </a:gs>
+                <a:gs pos="47000">
+                  <a:srgbClr val="B07E08"/>
+                </a:gs>
+                <a:gs pos="100000">
+                  <a:srgbClr val="B8880F"/>
+                </a:gs>
+              </a:gsLst>
+              <a:lin ang="5400000" scaled="1"/>
+            </a:gradFill>
+          </a:ln>
+          <a:effectLst>
+            <a:outerShdw blurRad="50800" dist="38100" dir="2700000" algn="tl" rotWithShape="0">
+              <a:prstClr val="black">
+                <a:alpha val="40000"/>
+              </a:prstClr>
+            </a:outerShdw>
+          </a:effectLst>
+        </p:spPr>
+        <p:style>
+          <a:lnRef idx="3">
+            <a:schemeClr val="dk1"/>
+          </a:lnRef>
+          <a:fillRef idx="0">
+            <a:schemeClr val="dk1"/>
+          </a:fillRef>
+          <a:effectRef idx="2">
+            <a:schemeClr val="dk1"/>
+          </a:effectRef>
+          <a:fontRef idx="minor">
+            <a:schemeClr val="tx1"/>
+          </a:fontRef>
+        </p:style>
+      </p:cxnSp>
+      <p:sp>
+        <p:nvSpPr>
+          <p:cNvPr id="15" name="CaixaDeTexto 14">
+            <a:extLst>
+              <a:ext uri="{FF2B5EF4-FFF2-40B4-BE49-F238E27FC236}">
+                <a16:creationId xmlns:a16="http://schemas.microsoft.com/office/drawing/2014/main" id="{3E8EB172-6ABF-4845-BEBE-12B4CEBF7B88}"/>
+              </a:ext>
+            </a:extLst>
+          </p:cNvPr>
+          <p:cNvSpPr txBox="1"/>
+          <p:nvPr/>
+        </p:nvSpPr>
+        <p:spPr>
+          <a:xfrm>
+            <a:off x="-453151" y="233822"/>
+            <a:ext cx="4478178" cy="646331"/>
+          </a:xfrm>
+          <a:prstGeom prst="rect">
+            <a:avLst/>
+          </a:prstGeom>
+          <a:noFill/>
+        </p:spPr>
+        <p:txBody>
+          <a:bodyPr wrap="square" rtlCol="0">
+            <a:spAutoFit/>
+          </a:bodyPr>
+          <a:lstStyle/>
+          <a:p>
+            <a:pPr algn="ctr"/>
+            <a:r>
+              <a:rPr lang="pt-BR" sz="3600" dirty="0">
+                <a:gradFill flip="none" rotWithShape="1">
+                  <a:gsLst>
+                    <a:gs pos="77900">
+                      <a:srgbClr val="F6E893"/>
+                    </a:gs>
+                    <a:gs pos="0">
+                      <a:srgbClr val="B07E08"/>
+                    </a:gs>
+                    <a:gs pos="100000">
+                      <a:srgbClr val="C29724"/>
+                    </a:gs>
+                  </a:gsLst>
+                  <a:lin ang="16200000" scaled="1"/>
+                  <a:tileRect/>
+                </a:gradFill>
+                <a:effectLst>
+                  <a:outerShdw blurRad="50800" dist="38100" dir="2700000" algn="tl" rotWithShape="0">
+                    <a:prstClr val="black">
+                      <a:alpha val="40000"/>
+                    </a:prstClr>
+                  </a:outerShdw>
+                </a:effectLst>
+                <a:latin typeface="Medieval Victoriana No.1" panose="02000000000000000000" pitchFamily="2" charset="0"/>
+              </a:rPr>
+              <a:t>D</a:t>
+            </a:r>
+            <a:r>
+              <a:rPr lang="pt-BR" sz="3600" dirty="0">
+                <a:gradFill flip="none" rotWithShape="1">
+                  <a:gsLst>
+                    <a:gs pos="77900">
+                      <a:srgbClr val="F6E893"/>
+                    </a:gs>
+                    <a:gs pos="0">
+                      <a:srgbClr val="B07E08"/>
+                    </a:gs>
+                    <a:gs pos="100000">
+                      <a:srgbClr val="C29724"/>
+                    </a:gs>
+                  </a:gsLst>
+                  <a:lin ang="16200000" scaled="1"/>
+                  <a:tileRect/>
+                </a:gradFill>
+                <a:effectLst>
+                  <a:outerShdw blurRad="50800" dist="38100" dir="2700000" algn="tl" rotWithShape="0">
+                    <a:prstClr val="black">
+                      <a:alpha val="40000"/>
+                    </a:prstClr>
+                  </a:outerShdw>
+                </a:effectLst>
+                <a:latin typeface="Alex Brush" panose="02000400000000000000" pitchFamily="2" charset="0"/>
+              </a:rPr>
+              <a:t>ragão a solta!!!</a:t>
+            </a:r>
+          </a:p>
+        </p:txBody>
+      </p:sp>
+      <p:sp>
+        <p:nvSpPr>
+          <p:cNvPr id="2" name="CaixaDeTexto 1">
+            <a:extLst>
+              <a:ext uri="{FF2B5EF4-FFF2-40B4-BE49-F238E27FC236}">
+                <a16:creationId xmlns:a16="http://schemas.microsoft.com/office/drawing/2014/main" id="{3CB03AB9-93D4-4E2E-B855-0B4F1CECB8BF}"/>
+              </a:ext>
+            </a:extLst>
+          </p:cNvPr>
+          <p:cNvSpPr txBox="1"/>
+          <p:nvPr/>
+        </p:nvSpPr>
+        <p:spPr>
+          <a:xfrm>
+            <a:off x="495498" y="867459"/>
+            <a:ext cx="2580880" cy="646331"/>
+          </a:xfrm>
+          <a:prstGeom prst="rect">
+            <a:avLst/>
+          </a:prstGeom>
+          <a:noFill/>
+        </p:spPr>
+        <p:txBody>
+          <a:bodyPr wrap="square" rtlCol="0">
+            <a:spAutoFit/>
+          </a:bodyPr>
+          <a:lstStyle/>
+          <a:p>
+            <a:pPr algn="ctr"/>
+            <a:r>
+              <a:rPr lang="pt-BR" dirty="0">
+                <a:gradFill>
+                  <a:gsLst>
+                    <a:gs pos="77900">
+                      <a:srgbClr val="F6E893"/>
+                    </a:gs>
+                    <a:gs pos="0">
+                      <a:srgbClr val="B07E08"/>
+                    </a:gs>
+                    <a:gs pos="100000">
+                      <a:srgbClr val="C29724"/>
+                    </a:gs>
+                  </a:gsLst>
+                  <a:lin ang="16200000" scaled="1"/>
+                </a:gradFill>
+                <a:latin typeface="Alex Brush" panose="02000400000000000000" pitchFamily="2" charset="0"/>
+              </a:rPr>
+              <a:t>Aproveite os descontos especiais antes que seja tarde demais.</a:t>
+            </a:r>
+          </a:p>
+        </p:txBody>
+      </p:sp>
+      <p:sp>
+        <p:nvSpPr>
+          <p:cNvPr id="10" name="CaixaDeTexto 9">
+            <a:extLst>
+              <a:ext uri="{FF2B5EF4-FFF2-40B4-BE49-F238E27FC236}">
+                <a16:creationId xmlns:a16="http://schemas.microsoft.com/office/drawing/2014/main" id="{B8D31A31-DD91-4C96-A281-8BE24B695C6D}"/>
+              </a:ext>
+            </a:extLst>
+          </p:cNvPr>
+          <p:cNvSpPr txBox="1"/>
+          <p:nvPr/>
+        </p:nvSpPr>
+        <p:spPr>
+          <a:xfrm>
+            <a:off x="872431" y="1747640"/>
+            <a:ext cx="1747641" cy="340872"/>
+          </a:xfrm>
+          <a:custGeom>
+            <a:avLst/>
+            <a:gdLst/>
+            <a:ahLst/>
+            <a:cxnLst/>
+            <a:rect l="l" t="t" r="r" b="b"/>
+            <a:pathLst>
+              <a:path w="1747641" h="340872">
+                <a:moveTo>
+                  <a:pt x="1473457" y="208198"/>
+                </a:moveTo>
+                <a:cubicBezTo>
+                  <a:pt x="1467513" y="208198"/>
+                  <a:pt x="1464541" y="210332"/>
+                  <a:pt x="1464541" y="214599"/>
+                </a:cubicBezTo>
+                <a:cubicBezTo>
+                  <a:pt x="1464541" y="216733"/>
+                  <a:pt x="1465494" y="218638"/>
+                  <a:pt x="1467399" y="220314"/>
+                </a:cubicBezTo>
+                <a:cubicBezTo>
+                  <a:pt x="1469304" y="221991"/>
+                  <a:pt x="1471399" y="222829"/>
+                  <a:pt x="1473685" y="222829"/>
+                </a:cubicBezTo>
+                <a:cubicBezTo>
+                  <a:pt x="1475971" y="222829"/>
+                  <a:pt x="1478067" y="222105"/>
+                  <a:pt x="1479972" y="220657"/>
+                </a:cubicBezTo>
+                <a:cubicBezTo>
+                  <a:pt x="1481877" y="219209"/>
+                  <a:pt x="1482829" y="217495"/>
+                  <a:pt x="1482829" y="215514"/>
+                </a:cubicBezTo>
+                <a:cubicBezTo>
+                  <a:pt x="1482829" y="213532"/>
+                  <a:pt x="1481839" y="211818"/>
+                  <a:pt x="1479858" y="210370"/>
+                </a:cubicBezTo>
+                <a:cubicBezTo>
+                  <a:pt x="1477876" y="208922"/>
+                  <a:pt x="1475743" y="208198"/>
+                  <a:pt x="1473457" y="208198"/>
+                </a:cubicBezTo>
+                <a:close/>
+                <a:moveTo>
+                  <a:pt x="0" y="170435"/>
+                </a:moveTo>
+                <a:lnTo>
+                  <a:pt x="0" y="170436"/>
+                </a:lnTo>
+                <a:lnTo>
+                  <a:pt x="0" y="170436"/>
+                </a:lnTo>
+                <a:close/>
+                <a:moveTo>
+                  <a:pt x="1101220" y="162936"/>
+                </a:moveTo>
+                <a:cubicBezTo>
+                  <a:pt x="1104877" y="168574"/>
+                  <a:pt x="1107925" y="172080"/>
+                  <a:pt x="1110364" y="173451"/>
+                </a:cubicBezTo>
+                <a:cubicBezTo>
+                  <a:pt x="1110364" y="178633"/>
+                  <a:pt x="1105335" y="187167"/>
+                  <a:pt x="1095276" y="199054"/>
+                </a:cubicBezTo>
+                <a:cubicBezTo>
+                  <a:pt x="1085218" y="210942"/>
+                  <a:pt x="1076912" y="216885"/>
+                  <a:pt x="1070359" y="216885"/>
+                </a:cubicBezTo>
+                <a:cubicBezTo>
+                  <a:pt x="1066701" y="216885"/>
+                  <a:pt x="1064872" y="213990"/>
+                  <a:pt x="1064872" y="208198"/>
+                </a:cubicBezTo>
+                <a:cubicBezTo>
+                  <a:pt x="1064872" y="202407"/>
+                  <a:pt x="1069635" y="193416"/>
+                  <a:pt x="1079160" y="181224"/>
+                </a:cubicBezTo>
+                <a:cubicBezTo>
+                  <a:pt x="1088685" y="169032"/>
+                  <a:pt x="1096038" y="162936"/>
+                  <a:pt x="1101220" y="162936"/>
+                </a:cubicBezTo>
+                <a:close/>
+                <a:moveTo>
+                  <a:pt x="482095" y="162936"/>
+                </a:moveTo>
+                <a:cubicBezTo>
+                  <a:pt x="485752" y="168574"/>
+                  <a:pt x="488800" y="172080"/>
+                  <a:pt x="491239" y="173451"/>
+                </a:cubicBezTo>
+                <a:cubicBezTo>
+                  <a:pt x="491239" y="178633"/>
+                  <a:pt x="486210" y="187167"/>
+                  <a:pt x="476151" y="199054"/>
+                </a:cubicBezTo>
+                <a:cubicBezTo>
+                  <a:pt x="466093" y="210942"/>
+                  <a:pt x="457787" y="216885"/>
+                  <a:pt x="451234" y="216885"/>
+                </a:cubicBezTo>
+                <a:cubicBezTo>
+                  <a:pt x="447576" y="216885"/>
+                  <a:pt x="445747" y="213990"/>
+                  <a:pt x="445747" y="208198"/>
+                </a:cubicBezTo>
+                <a:cubicBezTo>
+                  <a:pt x="445747" y="202407"/>
+                  <a:pt x="450510" y="193416"/>
+                  <a:pt x="460035" y="181224"/>
+                </a:cubicBezTo>
+                <a:cubicBezTo>
+                  <a:pt x="469560" y="169032"/>
+                  <a:pt x="476913" y="162936"/>
+                  <a:pt x="482095" y="162936"/>
+                </a:cubicBezTo>
+                <a:close/>
+                <a:moveTo>
+                  <a:pt x="1391199" y="157678"/>
+                </a:moveTo>
+                <a:cubicBezTo>
+                  <a:pt x="1395085" y="157678"/>
+                  <a:pt x="1397028" y="158592"/>
+                  <a:pt x="1397028" y="160421"/>
+                </a:cubicBezTo>
+                <a:cubicBezTo>
+                  <a:pt x="1397028" y="161031"/>
+                  <a:pt x="1396876" y="161716"/>
+                  <a:pt x="1396571" y="162478"/>
+                </a:cubicBezTo>
+                <a:cubicBezTo>
+                  <a:pt x="1394133" y="169794"/>
+                  <a:pt x="1388075" y="176537"/>
+                  <a:pt x="1378397" y="182710"/>
+                </a:cubicBezTo>
+                <a:cubicBezTo>
+                  <a:pt x="1368720" y="188882"/>
+                  <a:pt x="1360986" y="191968"/>
+                  <a:pt x="1355194" y="191968"/>
+                </a:cubicBezTo>
+                <a:cubicBezTo>
+                  <a:pt x="1354128" y="191968"/>
+                  <a:pt x="1353137" y="191815"/>
+                  <a:pt x="1352223" y="191511"/>
+                </a:cubicBezTo>
+                <a:cubicBezTo>
+                  <a:pt x="1357557" y="182824"/>
+                  <a:pt x="1365024" y="174518"/>
+                  <a:pt x="1374626" y="166593"/>
+                </a:cubicBezTo>
+                <a:cubicBezTo>
+                  <a:pt x="1381788" y="160650"/>
+                  <a:pt x="1387313" y="157678"/>
+                  <a:pt x="1391199" y="157678"/>
+                </a:cubicBezTo>
+                <a:close/>
+                <a:moveTo>
+                  <a:pt x="743499" y="157678"/>
+                </a:moveTo>
+                <a:cubicBezTo>
+                  <a:pt x="747385" y="157678"/>
+                  <a:pt x="749328" y="158592"/>
+                  <a:pt x="749328" y="160421"/>
+                </a:cubicBezTo>
+                <a:cubicBezTo>
+                  <a:pt x="749328" y="161031"/>
+                  <a:pt x="749176" y="161716"/>
+                  <a:pt x="748871" y="162478"/>
+                </a:cubicBezTo>
+                <a:cubicBezTo>
+                  <a:pt x="746432" y="169794"/>
+                  <a:pt x="740375" y="176537"/>
+                  <a:pt x="730697" y="182710"/>
+                </a:cubicBezTo>
+                <a:cubicBezTo>
+                  <a:pt x="721020" y="188882"/>
+                  <a:pt x="713286" y="191968"/>
+                  <a:pt x="707494" y="191968"/>
+                </a:cubicBezTo>
+                <a:cubicBezTo>
+                  <a:pt x="706428" y="191968"/>
+                  <a:pt x="705437" y="191815"/>
+                  <a:pt x="704522" y="191511"/>
+                </a:cubicBezTo>
+                <a:cubicBezTo>
+                  <a:pt x="709857" y="182824"/>
+                  <a:pt x="717324" y="174518"/>
+                  <a:pt x="726925" y="166593"/>
+                </a:cubicBezTo>
+                <a:cubicBezTo>
+                  <a:pt x="734088" y="160650"/>
+                  <a:pt x="739613" y="157678"/>
+                  <a:pt x="743499" y="157678"/>
+                </a:cubicBezTo>
+                <a:close/>
+                <a:moveTo>
+                  <a:pt x="1019762" y="153792"/>
+                </a:moveTo>
+                <a:cubicBezTo>
+                  <a:pt x="1022353" y="153792"/>
+                  <a:pt x="1024182" y="154706"/>
+                  <a:pt x="1025248" y="156535"/>
+                </a:cubicBezTo>
+                <a:cubicBezTo>
+                  <a:pt x="1009703" y="177261"/>
+                  <a:pt x="1000560" y="189225"/>
+                  <a:pt x="997816" y="192425"/>
+                </a:cubicBezTo>
+                <a:cubicBezTo>
+                  <a:pt x="982576" y="210408"/>
+                  <a:pt x="971680" y="219400"/>
+                  <a:pt x="965127" y="219400"/>
+                </a:cubicBezTo>
+                <a:cubicBezTo>
+                  <a:pt x="961316" y="219400"/>
+                  <a:pt x="959411" y="216657"/>
+                  <a:pt x="959411" y="211170"/>
+                </a:cubicBezTo>
+                <a:cubicBezTo>
+                  <a:pt x="959411" y="201721"/>
+                  <a:pt x="967108" y="189796"/>
+                  <a:pt x="982500" y="175394"/>
+                </a:cubicBezTo>
+                <a:cubicBezTo>
+                  <a:pt x="997892" y="160993"/>
+                  <a:pt x="1010313" y="153792"/>
+                  <a:pt x="1019762" y="153792"/>
+                </a:cubicBezTo>
+                <a:close/>
+                <a:moveTo>
+                  <a:pt x="657812" y="153792"/>
+                </a:moveTo>
+                <a:cubicBezTo>
+                  <a:pt x="660403" y="153792"/>
+                  <a:pt x="662232" y="154706"/>
+                  <a:pt x="663298" y="156535"/>
+                </a:cubicBezTo>
+                <a:cubicBezTo>
+                  <a:pt x="647754" y="177261"/>
+                  <a:pt x="638609" y="189225"/>
+                  <a:pt x="635866" y="192425"/>
+                </a:cubicBezTo>
+                <a:cubicBezTo>
+                  <a:pt x="620626" y="210408"/>
+                  <a:pt x="609730" y="219400"/>
+                  <a:pt x="603177" y="219400"/>
+                </a:cubicBezTo>
+                <a:cubicBezTo>
+                  <a:pt x="599367" y="219400"/>
+                  <a:pt x="597462" y="216657"/>
+                  <a:pt x="597462" y="211170"/>
+                </a:cubicBezTo>
+                <a:cubicBezTo>
+                  <a:pt x="597462" y="201721"/>
+                  <a:pt x="605158" y="189796"/>
+                  <a:pt x="620550" y="175394"/>
+                </a:cubicBezTo>
+                <a:cubicBezTo>
+                  <a:pt x="635942" y="160993"/>
+                  <a:pt x="648363" y="153792"/>
+                  <a:pt x="657812" y="153792"/>
+                </a:cubicBezTo>
+                <a:close/>
+                <a:moveTo>
+                  <a:pt x="487353" y="144648"/>
+                </a:moveTo>
+                <a:cubicBezTo>
+                  <a:pt x="479123" y="144648"/>
+                  <a:pt x="468341" y="152915"/>
+                  <a:pt x="455006" y="169451"/>
+                </a:cubicBezTo>
+                <a:cubicBezTo>
+                  <a:pt x="441671" y="185986"/>
+                  <a:pt x="435003" y="198826"/>
+                  <a:pt x="435003" y="207970"/>
+                </a:cubicBezTo>
+                <a:cubicBezTo>
+                  <a:pt x="435003" y="211475"/>
+                  <a:pt x="435918" y="214675"/>
+                  <a:pt x="437746" y="217571"/>
+                </a:cubicBezTo>
+                <a:cubicBezTo>
+                  <a:pt x="440032" y="221686"/>
+                  <a:pt x="443157" y="223743"/>
+                  <a:pt x="447119" y="223743"/>
+                </a:cubicBezTo>
+                <a:lnTo>
+                  <a:pt x="450776" y="223743"/>
+                </a:lnTo>
+                <a:cubicBezTo>
+                  <a:pt x="459311" y="223743"/>
+                  <a:pt x="469598" y="216352"/>
+                  <a:pt x="481638" y="201569"/>
+                </a:cubicBezTo>
+                <a:cubicBezTo>
+                  <a:pt x="491848" y="189072"/>
+                  <a:pt x="496954" y="180157"/>
+                  <a:pt x="496954" y="174823"/>
+                </a:cubicBezTo>
+                <a:cubicBezTo>
+                  <a:pt x="496954" y="174061"/>
+                  <a:pt x="496878" y="173375"/>
+                  <a:pt x="496725" y="172765"/>
+                </a:cubicBezTo>
+                <a:cubicBezTo>
+                  <a:pt x="508612" y="167889"/>
+                  <a:pt x="514632" y="164155"/>
+                  <a:pt x="514785" y="161564"/>
+                </a:cubicBezTo>
+                <a:cubicBezTo>
+                  <a:pt x="509146" y="164460"/>
+                  <a:pt x="504955" y="165907"/>
+                  <a:pt x="502212" y="165907"/>
+                </a:cubicBezTo>
+                <a:cubicBezTo>
+                  <a:pt x="499468" y="165907"/>
+                  <a:pt x="498021" y="165679"/>
+                  <a:pt x="497868" y="165222"/>
+                </a:cubicBezTo>
+                <a:cubicBezTo>
+                  <a:pt x="498630" y="161869"/>
+                  <a:pt x="499011" y="159126"/>
+                  <a:pt x="499011" y="156992"/>
+                </a:cubicBezTo>
+                <a:cubicBezTo>
+                  <a:pt x="499011" y="148762"/>
+                  <a:pt x="495125" y="144648"/>
+                  <a:pt x="487353" y="144648"/>
+                </a:cubicBezTo>
+                <a:close/>
+                <a:moveTo>
+                  <a:pt x="352478" y="135961"/>
+                </a:moveTo>
+                <a:cubicBezTo>
+                  <a:pt x="360099" y="135961"/>
+                  <a:pt x="363909" y="137028"/>
+                  <a:pt x="363909" y="139161"/>
+                </a:cubicBezTo>
+                <a:cubicBezTo>
+                  <a:pt x="363909" y="143886"/>
+                  <a:pt x="359641" y="146248"/>
+                  <a:pt x="351107" y="146248"/>
+                </a:cubicBezTo>
+                <a:cubicBezTo>
+                  <a:pt x="342572" y="146248"/>
+                  <a:pt x="335029" y="143657"/>
+                  <a:pt x="328476" y="138475"/>
+                </a:cubicBezTo>
+                <a:cubicBezTo>
+                  <a:pt x="336858" y="136799"/>
+                  <a:pt x="344859" y="135961"/>
+                  <a:pt x="352478" y="135961"/>
+                </a:cubicBezTo>
+                <a:close/>
+                <a:moveTo>
+                  <a:pt x="1448920" y="130017"/>
+                </a:moveTo>
+                <a:cubicBezTo>
+                  <a:pt x="1443129" y="130017"/>
+                  <a:pt x="1440234" y="132151"/>
+                  <a:pt x="1440234" y="136418"/>
+                </a:cubicBezTo>
+                <a:cubicBezTo>
+                  <a:pt x="1440234" y="138552"/>
+                  <a:pt x="1441186" y="140457"/>
+                  <a:pt x="1443091" y="142133"/>
+                </a:cubicBezTo>
+                <a:cubicBezTo>
+                  <a:pt x="1444996" y="143809"/>
+                  <a:pt x="1447092" y="144648"/>
+                  <a:pt x="1449378" y="144648"/>
+                </a:cubicBezTo>
+                <a:cubicBezTo>
+                  <a:pt x="1451664" y="144648"/>
+                  <a:pt x="1453759" y="143924"/>
+                  <a:pt x="1455664" y="142476"/>
+                </a:cubicBezTo>
+                <a:cubicBezTo>
+                  <a:pt x="1457569" y="141028"/>
+                  <a:pt x="1458522" y="139314"/>
+                  <a:pt x="1458522" y="137332"/>
+                </a:cubicBezTo>
+                <a:cubicBezTo>
+                  <a:pt x="1458522" y="135351"/>
+                  <a:pt x="1457493" y="133637"/>
+                  <a:pt x="1455436" y="132189"/>
+                </a:cubicBezTo>
+                <a:cubicBezTo>
+                  <a:pt x="1453378" y="130741"/>
+                  <a:pt x="1451206" y="130017"/>
+                  <a:pt x="1448920" y="130017"/>
+                </a:cubicBezTo>
+                <a:close/>
+                <a:moveTo>
+                  <a:pt x="1524206" y="120873"/>
+                </a:moveTo>
+                <a:cubicBezTo>
+                  <a:pt x="1519787" y="120873"/>
+                  <a:pt x="1511404" y="130132"/>
+                  <a:pt x="1499060" y="148648"/>
+                </a:cubicBezTo>
+                <a:cubicBezTo>
+                  <a:pt x="1486716" y="167165"/>
+                  <a:pt x="1479629" y="181681"/>
+                  <a:pt x="1477800" y="192196"/>
+                </a:cubicBezTo>
+                <a:cubicBezTo>
+                  <a:pt x="1477343" y="195092"/>
+                  <a:pt x="1477648" y="196540"/>
+                  <a:pt x="1478715" y="196540"/>
+                </a:cubicBezTo>
+                <a:cubicBezTo>
+                  <a:pt x="1480239" y="196540"/>
+                  <a:pt x="1481801" y="194711"/>
+                  <a:pt x="1483401" y="191053"/>
+                </a:cubicBezTo>
+                <a:cubicBezTo>
+                  <a:pt x="1485001" y="187396"/>
+                  <a:pt x="1492012" y="177376"/>
+                  <a:pt x="1504432" y="160993"/>
+                </a:cubicBezTo>
+                <a:cubicBezTo>
+                  <a:pt x="1516853" y="144610"/>
+                  <a:pt x="1526263" y="133065"/>
+                  <a:pt x="1532664" y="126360"/>
+                </a:cubicBezTo>
+                <a:cubicBezTo>
+                  <a:pt x="1533274" y="125750"/>
+                  <a:pt x="1533579" y="125217"/>
+                  <a:pt x="1533579" y="124759"/>
+                </a:cubicBezTo>
+                <a:cubicBezTo>
+                  <a:pt x="1533579" y="123540"/>
+                  <a:pt x="1532474" y="122588"/>
+                  <a:pt x="1530264" y="121902"/>
+                </a:cubicBezTo>
+                <a:cubicBezTo>
+                  <a:pt x="1528054" y="121216"/>
+                  <a:pt x="1526035" y="120873"/>
+                  <a:pt x="1524206" y="120873"/>
+                </a:cubicBezTo>
+                <a:close/>
+                <a:moveTo>
+                  <a:pt x="1062510" y="112415"/>
+                </a:moveTo>
+                <a:cubicBezTo>
+                  <a:pt x="1055805" y="112415"/>
+                  <a:pt x="1043917" y="126283"/>
+                  <a:pt x="1026848" y="154020"/>
+                </a:cubicBezTo>
+                <a:cubicBezTo>
+                  <a:pt x="1026086" y="151277"/>
+                  <a:pt x="1025401" y="149524"/>
+                  <a:pt x="1024791" y="148762"/>
+                </a:cubicBezTo>
+                <a:cubicBezTo>
+                  <a:pt x="1023115" y="146476"/>
+                  <a:pt x="1020143" y="145333"/>
+                  <a:pt x="1015876" y="145333"/>
+                </a:cubicBezTo>
+                <a:cubicBezTo>
+                  <a:pt x="1002922" y="145333"/>
+                  <a:pt x="988672" y="153068"/>
+                  <a:pt x="973128" y="168536"/>
+                </a:cubicBezTo>
+                <a:cubicBezTo>
+                  <a:pt x="957583" y="184005"/>
+                  <a:pt x="949810" y="197302"/>
+                  <a:pt x="949810" y="208427"/>
+                </a:cubicBezTo>
+                <a:cubicBezTo>
+                  <a:pt x="949810" y="213609"/>
+                  <a:pt x="951715" y="217647"/>
+                  <a:pt x="955525" y="220543"/>
+                </a:cubicBezTo>
+                <a:cubicBezTo>
+                  <a:pt x="958726" y="223134"/>
+                  <a:pt x="962726" y="224429"/>
+                  <a:pt x="967527" y="224429"/>
+                </a:cubicBezTo>
+                <a:cubicBezTo>
+                  <a:pt x="972327" y="224429"/>
+                  <a:pt x="978919" y="220543"/>
+                  <a:pt x="987301" y="212770"/>
+                </a:cubicBezTo>
+                <a:lnTo>
+                  <a:pt x="1005817" y="194254"/>
+                </a:lnTo>
+                <a:cubicBezTo>
+                  <a:pt x="1004141" y="199435"/>
+                  <a:pt x="1003303" y="204160"/>
+                  <a:pt x="1003303" y="208427"/>
+                </a:cubicBezTo>
+                <a:cubicBezTo>
+                  <a:pt x="1003303" y="212237"/>
+                  <a:pt x="1004484" y="215780"/>
+                  <a:pt x="1006846" y="219057"/>
+                </a:cubicBezTo>
+                <a:cubicBezTo>
+                  <a:pt x="1009208" y="222334"/>
+                  <a:pt x="1012752" y="223972"/>
+                  <a:pt x="1017476" y="223972"/>
+                </a:cubicBezTo>
+                <a:cubicBezTo>
+                  <a:pt x="1018848" y="223972"/>
+                  <a:pt x="1019914" y="223896"/>
+                  <a:pt x="1020676" y="223743"/>
+                </a:cubicBezTo>
+                <a:cubicBezTo>
+                  <a:pt x="1030963" y="221914"/>
+                  <a:pt x="1042365" y="214814"/>
+                  <a:pt x="1054881" y="202441"/>
+                </a:cubicBezTo>
+                <a:lnTo>
+                  <a:pt x="1056266" y="200922"/>
+                </a:lnTo>
+                <a:lnTo>
+                  <a:pt x="1054128" y="207970"/>
+                </a:lnTo>
+                <a:cubicBezTo>
+                  <a:pt x="1054128" y="211475"/>
+                  <a:pt x="1055042" y="214675"/>
+                  <a:pt x="1056871" y="217571"/>
+                </a:cubicBezTo>
+                <a:cubicBezTo>
+                  <a:pt x="1059157" y="221686"/>
+                  <a:pt x="1062282" y="223743"/>
+                  <a:pt x="1066244" y="223743"/>
+                </a:cubicBezTo>
+                <a:lnTo>
+                  <a:pt x="1069902" y="223743"/>
+                </a:lnTo>
+                <a:cubicBezTo>
+                  <a:pt x="1078436" y="223743"/>
+                  <a:pt x="1088723" y="216352"/>
+                  <a:pt x="1100762" y="201569"/>
+                </a:cubicBezTo>
+                <a:cubicBezTo>
+                  <a:pt x="1110973" y="189072"/>
+                  <a:pt x="1116079" y="180157"/>
+                  <a:pt x="1116079" y="174823"/>
+                </a:cubicBezTo>
+                <a:cubicBezTo>
+                  <a:pt x="1116079" y="174061"/>
+                  <a:pt x="1116003" y="173375"/>
+                  <a:pt x="1115850" y="172765"/>
+                </a:cubicBezTo>
+                <a:cubicBezTo>
+                  <a:pt x="1127737" y="167889"/>
+                  <a:pt x="1133757" y="164155"/>
+                  <a:pt x="1133910" y="161564"/>
+                </a:cubicBezTo>
+                <a:cubicBezTo>
+                  <a:pt x="1128271" y="164460"/>
+                  <a:pt x="1124080" y="165907"/>
+                  <a:pt x="1121336" y="165907"/>
+                </a:cubicBezTo>
+                <a:cubicBezTo>
+                  <a:pt x="1118593" y="165907"/>
+                  <a:pt x="1117145" y="165679"/>
+                  <a:pt x="1116993" y="165222"/>
+                </a:cubicBezTo>
+                <a:cubicBezTo>
+                  <a:pt x="1117755" y="161869"/>
+                  <a:pt x="1118136" y="159126"/>
+                  <a:pt x="1118136" y="156992"/>
+                </a:cubicBezTo>
+                <a:cubicBezTo>
+                  <a:pt x="1118136" y="148762"/>
+                  <a:pt x="1114250" y="144648"/>
+                  <a:pt x="1106478" y="144648"/>
+                </a:cubicBezTo>
+                <a:cubicBezTo>
+                  <a:pt x="1098248" y="144648"/>
+                  <a:pt x="1087466" y="152915"/>
+                  <a:pt x="1074131" y="169451"/>
+                </a:cubicBezTo>
+                <a:cubicBezTo>
+                  <a:pt x="1067463" y="177718"/>
+                  <a:pt x="1062462" y="185062"/>
+                  <a:pt x="1059129" y="191482"/>
+                </a:cubicBezTo>
+                <a:lnTo>
+                  <a:pt x="1058817" y="192509"/>
+                </a:lnTo>
+                <a:lnTo>
+                  <a:pt x="1050694" y="201098"/>
+                </a:lnTo>
+                <a:cubicBezTo>
+                  <a:pt x="1038378" y="212842"/>
+                  <a:pt x="1027991" y="218714"/>
+                  <a:pt x="1019533" y="218714"/>
+                </a:cubicBezTo>
+                <a:cubicBezTo>
+                  <a:pt x="1013894" y="218714"/>
+                  <a:pt x="1011075" y="215285"/>
+                  <a:pt x="1011075" y="208427"/>
+                </a:cubicBezTo>
+                <a:cubicBezTo>
+                  <a:pt x="1011075" y="206293"/>
+                  <a:pt x="1011304" y="204160"/>
+                  <a:pt x="1011761" y="202026"/>
+                </a:cubicBezTo>
+                <a:cubicBezTo>
+                  <a:pt x="1013590" y="192120"/>
+                  <a:pt x="1023496" y="175813"/>
+                  <a:pt x="1041479" y="153106"/>
+                </a:cubicBezTo>
+                <a:cubicBezTo>
+                  <a:pt x="1047423" y="145638"/>
+                  <a:pt x="1056490" y="134437"/>
+                  <a:pt x="1068682" y="119502"/>
+                </a:cubicBezTo>
+                <a:cubicBezTo>
+                  <a:pt x="1069444" y="118282"/>
+                  <a:pt x="1069825" y="117292"/>
+                  <a:pt x="1069825" y="116530"/>
+                </a:cubicBezTo>
+                <a:cubicBezTo>
+                  <a:pt x="1069825" y="115158"/>
+                  <a:pt x="1068873" y="114130"/>
+                  <a:pt x="1066968" y="113444"/>
+                </a:cubicBezTo>
+                <a:cubicBezTo>
+                  <a:pt x="1065063" y="112758"/>
+                  <a:pt x="1063577" y="112415"/>
+                  <a:pt x="1062510" y="112415"/>
+                </a:cubicBezTo>
+                <a:close/>
+                <a:moveTo>
+                  <a:pt x="700560" y="112415"/>
+                </a:moveTo>
+                <a:cubicBezTo>
+                  <a:pt x="693855" y="112415"/>
+                  <a:pt x="681967" y="126283"/>
+                  <a:pt x="664898" y="154020"/>
+                </a:cubicBezTo>
+                <a:cubicBezTo>
+                  <a:pt x="664137" y="151277"/>
+                  <a:pt x="663451" y="149524"/>
+                  <a:pt x="662841" y="148762"/>
+                </a:cubicBezTo>
+                <a:cubicBezTo>
+                  <a:pt x="661165" y="146476"/>
+                  <a:pt x="658193" y="145333"/>
+                  <a:pt x="653926" y="145333"/>
+                </a:cubicBezTo>
+                <a:cubicBezTo>
+                  <a:pt x="640972" y="145333"/>
+                  <a:pt x="626722" y="153068"/>
+                  <a:pt x="611178" y="168536"/>
+                </a:cubicBezTo>
+                <a:cubicBezTo>
+                  <a:pt x="603405" y="176271"/>
+                  <a:pt x="597576" y="183462"/>
+                  <a:pt x="593690" y="190110"/>
+                </a:cubicBezTo>
+                <a:lnTo>
+                  <a:pt x="592323" y="194404"/>
+                </a:lnTo>
+                <a:lnTo>
+                  <a:pt x="577345" y="207741"/>
+                </a:lnTo>
+                <a:cubicBezTo>
+                  <a:pt x="567134" y="215209"/>
+                  <a:pt x="558523" y="218943"/>
+                  <a:pt x="551513" y="218943"/>
+                </a:cubicBezTo>
+                <a:cubicBezTo>
+                  <a:pt x="544807" y="218943"/>
+                  <a:pt x="541455" y="215323"/>
+                  <a:pt x="541455" y="208084"/>
+                </a:cubicBezTo>
+                <a:cubicBezTo>
+                  <a:pt x="541455" y="200845"/>
+                  <a:pt x="546331" y="190977"/>
+                  <a:pt x="556085" y="178480"/>
+                </a:cubicBezTo>
+                <a:lnTo>
+                  <a:pt x="571858" y="158592"/>
+                </a:lnTo>
+                <a:cubicBezTo>
+                  <a:pt x="572316" y="157373"/>
+                  <a:pt x="571858" y="156001"/>
+                  <a:pt x="570487" y="154477"/>
+                </a:cubicBezTo>
+                <a:cubicBezTo>
+                  <a:pt x="569115" y="152953"/>
+                  <a:pt x="567820" y="152191"/>
+                  <a:pt x="566601" y="152191"/>
+                </a:cubicBezTo>
+                <a:cubicBezTo>
+                  <a:pt x="565381" y="152191"/>
+                  <a:pt x="564619" y="152268"/>
+                  <a:pt x="564314" y="152420"/>
+                </a:cubicBezTo>
+                <a:lnTo>
+                  <a:pt x="558371" y="156078"/>
+                </a:lnTo>
+                <a:cubicBezTo>
+                  <a:pt x="555018" y="158059"/>
+                  <a:pt x="551970" y="159049"/>
+                  <a:pt x="549227" y="159049"/>
+                </a:cubicBezTo>
+                <a:cubicBezTo>
+                  <a:pt x="544503" y="159049"/>
+                  <a:pt x="542140" y="157449"/>
+                  <a:pt x="542140" y="154249"/>
+                </a:cubicBezTo>
+                <a:lnTo>
+                  <a:pt x="547627" y="146934"/>
+                </a:lnTo>
+                <a:cubicBezTo>
+                  <a:pt x="551437" y="142209"/>
+                  <a:pt x="553342" y="138323"/>
+                  <a:pt x="553342" y="135275"/>
+                </a:cubicBezTo>
+                <a:cubicBezTo>
+                  <a:pt x="553342" y="132227"/>
+                  <a:pt x="551589" y="130703"/>
+                  <a:pt x="548084" y="130703"/>
+                </a:cubicBezTo>
+                <a:cubicBezTo>
+                  <a:pt x="542750" y="130703"/>
+                  <a:pt x="538330" y="137332"/>
+                  <a:pt x="534825" y="150591"/>
+                </a:cubicBezTo>
+                <a:cubicBezTo>
+                  <a:pt x="529339" y="161259"/>
+                  <a:pt x="519966" y="174289"/>
+                  <a:pt x="506707" y="189682"/>
+                </a:cubicBezTo>
+                <a:cubicBezTo>
+                  <a:pt x="504117" y="192577"/>
+                  <a:pt x="502821" y="194787"/>
+                  <a:pt x="502821" y="196311"/>
+                </a:cubicBezTo>
+                <a:cubicBezTo>
+                  <a:pt x="502821" y="196921"/>
+                  <a:pt x="503202" y="197226"/>
+                  <a:pt x="503964" y="197226"/>
+                </a:cubicBezTo>
+                <a:cubicBezTo>
+                  <a:pt x="505488" y="197226"/>
+                  <a:pt x="510974" y="191358"/>
+                  <a:pt x="520423" y="179623"/>
+                </a:cubicBezTo>
+                <a:lnTo>
+                  <a:pt x="537340" y="157678"/>
+                </a:lnTo>
+                <a:cubicBezTo>
+                  <a:pt x="539778" y="162859"/>
+                  <a:pt x="542826" y="165450"/>
+                  <a:pt x="546484" y="165450"/>
+                </a:cubicBezTo>
+                <a:cubicBezTo>
+                  <a:pt x="547703" y="165450"/>
+                  <a:pt x="548693" y="165374"/>
+                  <a:pt x="549456" y="165222"/>
+                </a:cubicBezTo>
+                <a:cubicBezTo>
+                  <a:pt x="545493" y="170403"/>
+                  <a:pt x="541836" y="176804"/>
+                  <a:pt x="538483" y="184424"/>
+                </a:cubicBezTo>
+                <a:cubicBezTo>
+                  <a:pt x="535130" y="192044"/>
+                  <a:pt x="533453" y="199054"/>
+                  <a:pt x="533453" y="205455"/>
+                </a:cubicBezTo>
+                <a:cubicBezTo>
+                  <a:pt x="533453" y="218104"/>
+                  <a:pt x="539168" y="224429"/>
+                  <a:pt x="550599" y="224429"/>
+                </a:cubicBezTo>
+                <a:cubicBezTo>
+                  <a:pt x="558371" y="224429"/>
+                  <a:pt x="568277" y="219933"/>
+                  <a:pt x="580317" y="210942"/>
+                </a:cubicBezTo>
+                <a:lnTo>
+                  <a:pt x="589767" y="202436"/>
+                </a:lnTo>
+                <a:lnTo>
+                  <a:pt x="587860" y="208427"/>
+                </a:lnTo>
+                <a:cubicBezTo>
+                  <a:pt x="587860" y="213609"/>
+                  <a:pt x="589765" y="217647"/>
+                  <a:pt x="593575" y="220543"/>
+                </a:cubicBezTo>
+                <a:cubicBezTo>
+                  <a:pt x="596776" y="223134"/>
+                  <a:pt x="600776" y="224429"/>
+                  <a:pt x="605577" y="224429"/>
+                </a:cubicBezTo>
+                <a:cubicBezTo>
+                  <a:pt x="610377" y="224429"/>
+                  <a:pt x="616969" y="220543"/>
+                  <a:pt x="625351" y="212770"/>
+                </a:cubicBezTo>
+                <a:lnTo>
+                  <a:pt x="643867" y="194254"/>
+                </a:lnTo>
+                <a:cubicBezTo>
+                  <a:pt x="642191" y="199435"/>
+                  <a:pt x="641353" y="204160"/>
+                  <a:pt x="641353" y="208427"/>
+                </a:cubicBezTo>
+                <a:cubicBezTo>
+                  <a:pt x="641353" y="212237"/>
+                  <a:pt x="642534" y="215780"/>
+                  <a:pt x="644896" y="219057"/>
+                </a:cubicBezTo>
+                <a:cubicBezTo>
+                  <a:pt x="647258" y="222334"/>
+                  <a:pt x="650801" y="223972"/>
+                  <a:pt x="655526" y="223972"/>
+                </a:cubicBezTo>
+                <a:cubicBezTo>
+                  <a:pt x="656898" y="223972"/>
+                  <a:pt x="657964" y="223896"/>
+                  <a:pt x="658726" y="223743"/>
+                </a:cubicBezTo>
+                <a:cubicBezTo>
+                  <a:pt x="665584" y="222524"/>
+                  <a:pt x="672938" y="218962"/>
+                  <a:pt x="680786" y="213056"/>
+                </a:cubicBezTo>
+                <a:lnTo>
+                  <a:pt x="687475" y="207209"/>
+                </a:lnTo>
+                <a:lnTo>
+                  <a:pt x="686920" y="209113"/>
+                </a:lnTo>
+                <a:cubicBezTo>
+                  <a:pt x="686920" y="217342"/>
+                  <a:pt x="691797" y="222829"/>
+                  <a:pt x="701551" y="225572"/>
+                </a:cubicBezTo>
+                <a:cubicBezTo>
+                  <a:pt x="702922" y="226029"/>
+                  <a:pt x="704446" y="226258"/>
+                  <a:pt x="706123" y="226258"/>
+                </a:cubicBezTo>
+                <a:cubicBezTo>
+                  <a:pt x="714200" y="226258"/>
+                  <a:pt x="724030" y="222067"/>
+                  <a:pt x="735612" y="213685"/>
+                </a:cubicBezTo>
+                <a:cubicBezTo>
+                  <a:pt x="741403" y="209494"/>
+                  <a:pt x="746775" y="204998"/>
+                  <a:pt x="751728" y="200197"/>
+                </a:cubicBezTo>
+                <a:lnTo>
+                  <a:pt x="763698" y="186719"/>
+                </a:lnTo>
+                <a:lnTo>
+                  <a:pt x="759215" y="196768"/>
+                </a:lnTo>
+                <a:cubicBezTo>
+                  <a:pt x="754757" y="207055"/>
+                  <a:pt x="752528" y="213228"/>
+                  <a:pt x="752528" y="215285"/>
+                </a:cubicBezTo>
+                <a:cubicBezTo>
+                  <a:pt x="752528" y="217114"/>
+                  <a:pt x="753252" y="218943"/>
+                  <a:pt x="754700" y="220771"/>
+                </a:cubicBezTo>
+                <a:cubicBezTo>
+                  <a:pt x="756148" y="222600"/>
+                  <a:pt x="757862" y="223515"/>
+                  <a:pt x="759844" y="223515"/>
+                </a:cubicBezTo>
+                <a:cubicBezTo>
+                  <a:pt x="760758" y="223515"/>
+                  <a:pt x="764759" y="219019"/>
+                  <a:pt x="771845" y="210027"/>
+                </a:cubicBezTo>
+                <a:cubicBezTo>
+                  <a:pt x="778932" y="201036"/>
+                  <a:pt x="786628" y="192082"/>
+                  <a:pt x="794934" y="183167"/>
+                </a:cubicBezTo>
+                <a:cubicBezTo>
+                  <a:pt x="803240" y="174251"/>
+                  <a:pt x="813336" y="165907"/>
+                  <a:pt x="825223" y="158135"/>
+                </a:cubicBezTo>
+                <a:cubicBezTo>
+                  <a:pt x="816994" y="175051"/>
+                  <a:pt x="812041" y="185262"/>
+                  <a:pt x="810364" y="188767"/>
+                </a:cubicBezTo>
+                <a:cubicBezTo>
+                  <a:pt x="805030" y="199588"/>
+                  <a:pt x="801601" y="209189"/>
+                  <a:pt x="800077" y="217571"/>
+                </a:cubicBezTo>
+                <a:cubicBezTo>
+                  <a:pt x="800077" y="221686"/>
+                  <a:pt x="801906" y="223743"/>
+                  <a:pt x="805564" y="223743"/>
+                </a:cubicBezTo>
+                <a:cubicBezTo>
+                  <a:pt x="807393" y="223743"/>
+                  <a:pt x="808688" y="223134"/>
+                  <a:pt x="809450" y="221914"/>
+                </a:cubicBezTo>
+                <a:cubicBezTo>
+                  <a:pt x="814327" y="208808"/>
+                  <a:pt x="822937" y="196273"/>
+                  <a:pt x="835282" y="184310"/>
+                </a:cubicBezTo>
+                <a:cubicBezTo>
+                  <a:pt x="847626" y="172346"/>
+                  <a:pt x="858523" y="164079"/>
+                  <a:pt x="867972" y="159507"/>
+                </a:cubicBezTo>
+                <a:cubicBezTo>
+                  <a:pt x="862637" y="166060"/>
+                  <a:pt x="857532" y="174099"/>
+                  <a:pt x="852655" y="183624"/>
+                </a:cubicBezTo>
+                <a:cubicBezTo>
+                  <a:pt x="847778" y="193149"/>
+                  <a:pt x="845340" y="200655"/>
+                  <a:pt x="845340" y="206141"/>
+                </a:cubicBezTo>
+                <a:cubicBezTo>
+                  <a:pt x="845340" y="215742"/>
+                  <a:pt x="850522" y="220543"/>
+                  <a:pt x="860885" y="220543"/>
+                </a:cubicBezTo>
+                <a:cubicBezTo>
+                  <a:pt x="865762" y="220543"/>
+                  <a:pt x="872505" y="217381"/>
+                  <a:pt x="881116" y="211056"/>
+                </a:cubicBezTo>
+                <a:cubicBezTo>
+                  <a:pt x="889727" y="204731"/>
+                  <a:pt x="897766" y="197073"/>
+                  <a:pt x="905233" y="188082"/>
+                </a:cubicBezTo>
+                <a:cubicBezTo>
+                  <a:pt x="906605" y="186710"/>
+                  <a:pt x="907291" y="185491"/>
+                  <a:pt x="907291" y="184424"/>
+                </a:cubicBezTo>
+                <a:cubicBezTo>
+                  <a:pt x="907291" y="183662"/>
+                  <a:pt x="906795" y="183281"/>
+                  <a:pt x="905805" y="183281"/>
+                </a:cubicBezTo>
+                <a:cubicBezTo>
+                  <a:pt x="904814" y="183281"/>
+                  <a:pt x="902947" y="184805"/>
+                  <a:pt x="900204" y="187853"/>
+                </a:cubicBezTo>
+                <a:cubicBezTo>
+                  <a:pt x="893041" y="196235"/>
+                  <a:pt x="885993" y="202903"/>
+                  <a:pt x="879059" y="207856"/>
+                </a:cubicBezTo>
+                <a:cubicBezTo>
+                  <a:pt x="872124" y="212809"/>
+                  <a:pt x="866867" y="215285"/>
+                  <a:pt x="863285" y="215285"/>
+                </a:cubicBezTo>
+                <a:cubicBezTo>
+                  <a:pt x="859704" y="215285"/>
+                  <a:pt x="857227" y="214599"/>
+                  <a:pt x="855856" y="213228"/>
+                </a:cubicBezTo>
+                <a:cubicBezTo>
+                  <a:pt x="854484" y="211856"/>
+                  <a:pt x="853951" y="209799"/>
+                  <a:pt x="854256" y="207055"/>
+                </a:cubicBezTo>
+                <a:cubicBezTo>
+                  <a:pt x="855475" y="198978"/>
+                  <a:pt x="861037" y="188653"/>
+                  <a:pt x="870943" y="176080"/>
+                </a:cubicBezTo>
+                <a:cubicBezTo>
+                  <a:pt x="880849" y="163507"/>
+                  <a:pt x="885802" y="157068"/>
+                  <a:pt x="885802" y="156763"/>
+                </a:cubicBezTo>
+                <a:cubicBezTo>
+                  <a:pt x="885802" y="155239"/>
+                  <a:pt x="885002" y="153906"/>
+                  <a:pt x="883402" y="152763"/>
+                </a:cubicBezTo>
+                <a:cubicBezTo>
+                  <a:pt x="881802" y="151620"/>
+                  <a:pt x="880087" y="151048"/>
+                  <a:pt x="878258" y="151048"/>
+                </a:cubicBezTo>
+                <a:cubicBezTo>
+                  <a:pt x="872010" y="151048"/>
+                  <a:pt x="861723" y="156611"/>
+                  <a:pt x="847398" y="167736"/>
+                </a:cubicBezTo>
+                <a:cubicBezTo>
+                  <a:pt x="847398" y="167889"/>
+                  <a:pt x="838939" y="175051"/>
+                  <a:pt x="822023" y="189225"/>
+                </a:cubicBezTo>
+                <a:cubicBezTo>
+                  <a:pt x="822632" y="187243"/>
+                  <a:pt x="825833" y="180995"/>
+                  <a:pt x="831624" y="170479"/>
+                </a:cubicBezTo>
+                <a:cubicBezTo>
+                  <a:pt x="837568" y="160269"/>
+                  <a:pt x="840540" y="154516"/>
+                  <a:pt x="840540" y="153220"/>
+                </a:cubicBezTo>
+                <a:cubicBezTo>
+                  <a:pt x="840540" y="151925"/>
+                  <a:pt x="839778" y="150744"/>
+                  <a:pt x="838253" y="149677"/>
+                </a:cubicBezTo>
+                <a:cubicBezTo>
+                  <a:pt x="836729" y="148610"/>
+                  <a:pt x="835053" y="148077"/>
+                  <a:pt x="833224" y="148077"/>
+                </a:cubicBezTo>
+                <a:cubicBezTo>
+                  <a:pt x="827281" y="148077"/>
+                  <a:pt x="814936" y="156763"/>
+                  <a:pt x="796191" y="174137"/>
+                </a:cubicBezTo>
+                <a:cubicBezTo>
+                  <a:pt x="783694" y="185719"/>
+                  <a:pt x="774322" y="194940"/>
+                  <a:pt x="768073" y="201798"/>
+                </a:cubicBezTo>
+                <a:cubicBezTo>
+                  <a:pt x="768988" y="198292"/>
+                  <a:pt x="773484" y="189644"/>
+                  <a:pt x="781561" y="175852"/>
+                </a:cubicBezTo>
+                <a:cubicBezTo>
+                  <a:pt x="789638" y="162059"/>
+                  <a:pt x="793677" y="154630"/>
+                  <a:pt x="793677" y="153563"/>
+                </a:cubicBezTo>
+                <a:cubicBezTo>
+                  <a:pt x="793677" y="150667"/>
+                  <a:pt x="792152" y="149220"/>
+                  <a:pt x="789105" y="149220"/>
+                </a:cubicBezTo>
+                <a:cubicBezTo>
+                  <a:pt x="786057" y="149220"/>
+                  <a:pt x="783694" y="150363"/>
+                  <a:pt x="782018" y="152649"/>
+                </a:cubicBezTo>
+                <a:cubicBezTo>
+                  <a:pt x="771807" y="167127"/>
+                  <a:pt x="764492" y="177185"/>
+                  <a:pt x="760072" y="182824"/>
+                </a:cubicBezTo>
+                <a:lnTo>
+                  <a:pt x="746871" y="197626"/>
+                </a:lnTo>
+                <a:lnTo>
+                  <a:pt x="738355" y="206141"/>
+                </a:lnTo>
+                <a:cubicBezTo>
+                  <a:pt x="726316" y="216352"/>
+                  <a:pt x="716524" y="221457"/>
+                  <a:pt x="708980" y="221457"/>
+                </a:cubicBezTo>
+                <a:cubicBezTo>
+                  <a:pt x="701436" y="221457"/>
+                  <a:pt x="697665" y="217495"/>
+                  <a:pt x="697665" y="209570"/>
+                </a:cubicBezTo>
+                <a:cubicBezTo>
+                  <a:pt x="697665" y="204998"/>
+                  <a:pt x="698808" y="200655"/>
+                  <a:pt x="701094" y="196540"/>
+                </a:cubicBezTo>
+                <a:cubicBezTo>
+                  <a:pt x="702008" y="196845"/>
+                  <a:pt x="703075" y="196997"/>
+                  <a:pt x="704294" y="196997"/>
+                </a:cubicBezTo>
+                <a:cubicBezTo>
+                  <a:pt x="712371" y="196997"/>
+                  <a:pt x="722849" y="193111"/>
+                  <a:pt x="735726" y="185338"/>
+                </a:cubicBezTo>
+                <a:cubicBezTo>
+                  <a:pt x="748604" y="177566"/>
+                  <a:pt x="755043" y="169413"/>
+                  <a:pt x="755043" y="160878"/>
+                </a:cubicBezTo>
+                <a:cubicBezTo>
+                  <a:pt x="755043" y="158135"/>
+                  <a:pt x="753938" y="155811"/>
+                  <a:pt x="751728" y="153906"/>
+                </a:cubicBezTo>
+                <a:cubicBezTo>
+                  <a:pt x="749519" y="152001"/>
+                  <a:pt x="746661" y="151048"/>
+                  <a:pt x="743156" y="151048"/>
+                </a:cubicBezTo>
+                <a:cubicBezTo>
+                  <a:pt x="732488" y="151048"/>
+                  <a:pt x="720448" y="158059"/>
+                  <a:pt x="707037" y="172080"/>
+                </a:cubicBezTo>
+                <a:cubicBezTo>
+                  <a:pt x="700332" y="179090"/>
+                  <a:pt x="695302" y="185681"/>
+                  <a:pt x="691950" y="191854"/>
+                </a:cubicBezTo>
+                <a:lnTo>
+                  <a:pt x="689484" y="200316"/>
+                </a:lnTo>
+                <a:lnTo>
+                  <a:pt x="688744" y="201098"/>
+                </a:lnTo>
+                <a:cubicBezTo>
+                  <a:pt x="676429" y="212842"/>
+                  <a:pt x="666042" y="218714"/>
+                  <a:pt x="657583" y="218714"/>
+                </a:cubicBezTo>
+                <a:cubicBezTo>
+                  <a:pt x="651944" y="218714"/>
+                  <a:pt x="649125" y="215285"/>
+                  <a:pt x="649125" y="208427"/>
+                </a:cubicBezTo>
+                <a:cubicBezTo>
+                  <a:pt x="649125" y="206293"/>
+                  <a:pt x="649354" y="204160"/>
+                  <a:pt x="649811" y="202026"/>
+                </a:cubicBezTo>
+                <a:cubicBezTo>
+                  <a:pt x="651640" y="192120"/>
+                  <a:pt x="661546" y="175813"/>
+                  <a:pt x="679529" y="153106"/>
+                </a:cubicBezTo>
+                <a:cubicBezTo>
+                  <a:pt x="685472" y="145638"/>
+                  <a:pt x="694540" y="134437"/>
+                  <a:pt x="706732" y="119502"/>
+                </a:cubicBezTo>
+                <a:cubicBezTo>
+                  <a:pt x="707494" y="118282"/>
+                  <a:pt x="707875" y="117292"/>
+                  <a:pt x="707875" y="116530"/>
+                </a:cubicBezTo>
+                <a:cubicBezTo>
+                  <a:pt x="707875" y="115158"/>
+                  <a:pt x="706923" y="114130"/>
+                  <a:pt x="705018" y="113444"/>
+                </a:cubicBezTo>
+                <a:cubicBezTo>
+                  <a:pt x="703113" y="112758"/>
+                  <a:pt x="701627" y="112415"/>
+                  <a:pt x="700560" y="112415"/>
+                </a:cubicBezTo>
+                <a:close/>
+                <a:moveTo>
+                  <a:pt x="1306274" y="80640"/>
+                </a:moveTo>
+                <a:cubicBezTo>
+                  <a:pt x="1275032" y="80640"/>
+                  <a:pt x="1248324" y="87612"/>
+                  <a:pt x="1226150" y="101557"/>
+                </a:cubicBezTo>
+                <a:cubicBezTo>
+                  <a:pt x="1203975" y="115501"/>
+                  <a:pt x="1191745" y="132456"/>
+                  <a:pt x="1189459" y="152420"/>
+                </a:cubicBezTo>
+                <a:cubicBezTo>
+                  <a:pt x="1189459" y="153030"/>
+                  <a:pt x="1189459" y="153563"/>
+                  <a:pt x="1189459" y="154020"/>
+                </a:cubicBezTo>
+                <a:cubicBezTo>
+                  <a:pt x="1189459" y="160878"/>
+                  <a:pt x="1194869" y="164307"/>
+                  <a:pt x="1205690" y="164307"/>
+                </a:cubicBezTo>
+                <a:cubicBezTo>
+                  <a:pt x="1216510" y="164307"/>
+                  <a:pt x="1226912" y="161297"/>
+                  <a:pt x="1236894" y="155278"/>
+                </a:cubicBezTo>
+                <a:cubicBezTo>
+                  <a:pt x="1246876" y="149258"/>
+                  <a:pt x="1253315" y="141981"/>
+                  <a:pt x="1256211" y="133446"/>
+                </a:cubicBezTo>
+                <a:cubicBezTo>
+                  <a:pt x="1256668" y="132227"/>
+                  <a:pt x="1256401" y="131617"/>
+                  <a:pt x="1255411" y="131617"/>
+                </a:cubicBezTo>
+                <a:cubicBezTo>
+                  <a:pt x="1254420" y="131617"/>
+                  <a:pt x="1253391" y="132608"/>
+                  <a:pt x="1252324" y="134589"/>
+                </a:cubicBezTo>
+                <a:cubicBezTo>
+                  <a:pt x="1249429" y="139923"/>
+                  <a:pt x="1243790" y="145333"/>
+                  <a:pt x="1235408" y="150820"/>
+                </a:cubicBezTo>
+                <a:cubicBezTo>
+                  <a:pt x="1227026" y="156306"/>
+                  <a:pt x="1219101" y="159049"/>
+                  <a:pt x="1211634" y="159049"/>
+                </a:cubicBezTo>
+                <a:cubicBezTo>
+                  <a:pt x="1204166" y="159049"/>
+                  <a:pt x="1200432" y="156078"/>
+                  <a:pt x="1200432" y="150134"/>
+                </a:cubicBezTo>
+                <a:cubicBezTo>
+                  <a:pt x="1200432" y="131846"/>
+                  <a:pt x="1214300" y="115920"/>
+                  <a:pt x="1242038" y="102357"/>
+                </a:cubicBezTo>
+                <a:cubicBezTo>
+                  <a:pt x="1264897" y="91231"/>
+                  <a:pt x="1287300" y="85669"/>
+                  <a:pt x="1309246" y="85669"/>
+                </a:cubicBezTo>
+                <a:cubicBezTo>
+                  <a:pt x="1331192" y="85669"/>
+                  <a:pt x="1347041" y="89631"/>
+                  <a:pt x="1356795" y="97556"/>
+                </a:cubicBezTo>
+                <a:cubicBezTo>
+                  <a:pt x="1362891" y="102433"/>
+                  <a:pt x="1365939" y="108224"/>
+                  <a:pt x="1365939" y="114930"/>
+                </a:cubicBezTo>
+                <a:cubicBezTo>
+                  <a:pt x="1365939" y="118282"/>
+                  <a:pt x="1365024" y="121940"/>
+                  <a:pt x="1363195" y="125902"/>
+                </a:cubicBezTo>
+                <a:cubicBezTo>
+                  <a:pt x="1354356" y="144190"/>
+                  <a:pt x="1332258" y="153334"/>
+                  <a:pt x="1296901" y="153334"/>
+                </a:cubicBezTo>
+                <a:cubicBezTo>
+                  <a:pt x="1293853" y="153334"/>
+                  <a:pt x="1290043" y="153182"/>
+                  <a:pt x="1285471" y="152877"/>
+                </a:cubicBezTo>
+                <a:cubicBezTo>
+                  <a:pt x="1304217" y="126969"/>
+                  <a:pt x="1316028" y="114015"/>
+                  <a:pt x="1320905" y="114015"/>
+                </a:cubicBezTo>
+                <a:cubicBezTo>
+                  <a:pt x="1322428" y="114015"/>
+                  <a:pt x="1323114" y="115082"/>
+                  <a:pt x="1322962" y="117216"/>
+                </a:cubicBezTo>
+                <a:cubicBezTo>
+                  <a:pt x="1322047" y="118435"/>
+                  <a:pt x="1321590" y="119349"/>
+                  <a:pt x="1321590" y="119959"/>
+                </a:cubicBezTo>
+                <a:cubicBezTo>
+                  <a:pt x="1321590" y="121178"/>
+                  <a:pt x="1322047" y="121635"/>
+                  <a:pt x="1322962" y="121330"/>
+                </a:cubicBezTo>
+                <a:cubicBezTo>
+                  <a:pt x="1323876" y="121330"/>
+                  <a:pt x="1324676" y="120645"/>
+                  <a:pt x="1325362" y="119273"/>
+                </a:cubicBezTo>
+                <a:cubicBezTo>
+                  <a:pt x="1326048" y="117901"/>
+                  <a:pt x="1326391" y="116454"/>
+                  <a:pt x="1326391" y="114930"/>
+                </a:cubicBezTo>
+                <a:cubicBezTo>
+                  <a:pt x="1326391" y="111577"/>
+                  <a:pt x="1324448" y="109900"/>
+                  <a:pt x="1320562" y="109900"/>
+                </a:cubicBezTo>
+                <a:cubicBezTo>
+                  <a:pt x="1316675" y="109900"/>
+                  <a:pt x="1309170" y="115615"/>
+                  <a:pt x="1298044" y="127045"/>
+                </a:cubicBezTo>
+                <a:cubicBezTo>
+                  <a:pt x="1297740" y="127350"/>
+                  <a:pt x="1290882" y="134970"/>
+                  <a:pt x="1277470" y="149905"/>
+                </a:cubicBezTo>
+                <a:cubicBezTo>
+                  <a:pt x="1273813" y="147162"/>
+                  <a:pt x="1270613" y="145791"/>
+                  <a:pt x="1267869" y="145791"/>
+                </a:cubicBezTo>
+                <a:cubicBezTo>
+                  <a:pt x="1267412" y="145791"/>
+                  <a:pt x="1266879" y="145867"/>
+                  <a:pt x="1266269" y="146019"/>
+                </a:cubicBezTo>
+                <a:cubicBezTo>
+                  <a:pt x="1261545" y="147086"/>
+                  <a:pt x="1259182" y="149372"/>
+                  <a:pt x="1259182" y="152877"/>
+                </a:cubicBezTo>
+                <a:cubicBezTo>
+                  <a:pt x="1259182" y="155468"/>
+                  <a:pt x="1260783" y="156763"/>
+                  <a:pt x="1263983" y="156763"/>
+                </a:cubicBezTo>
+                <a:cubicBezTo>
+                  <a:pt x="1265202" y="156763"/>
+                  <a:pt x="1266802" y="156382"/>
+                  <a:pt x="1268784" y="155620"/>
+                </a:cubicBezTo>
+                <a:lnTo>
+                  <a:pt x="1272441" y="156992"/>
+                </a:lnTo>
+                <a:cubicBezTo>
+                  <a:pt x="1271070" y="158059"/>
+                  <a:pt x="1269393" y="159888"/>
+                  <a:pt x="1267412" y="162478"/>
+                </a:cubicBezTo>
+                <a:cubicBezTo>
+                  <a:pt x="1231903" y="210027"/>
+                  <a:pt x="1204014" y="233802"/>
+                  <a:pt x="1183744" y="233802"/>
+                </a:cubicBezTo>
+                <a:cubicBezTo>
+                  <a:pt x="1172924" y="233802"/>
+                  <a:pt x="1167514" y="229763"/>
+                  <a:pt x="1167514" y="221686"/>
+                </a:cubicBezTo>
+                <a:cubicBezTo>
+                  <a:pt x="1167514" y="217114"/>
+                  <a:pt x="1169266" y="212047"/>
+                  <a:pt x="1172771" y="206484"/>
+                </a:cubicBezTo>
+                <a:cubicBezTo>
+                  <a:pt x="1176277" y="200921"/>
+                  <a:pt x="1179934" y="196616"/>
+                  <a:pt x="1183744" y="193568"/>
+                </a:cubicBezTo>
+                <a:cubicBezTo>
+                  <a:pt x="1187554" y="190520"/>
+                  <a:pt x="1189459" y="188615"/>
+                  <a:pt x="1189459" y="187853"/>
+                </a:cubicBezTo>
+                <a:cubicBezTo>
+                  <a:pt x="1189459" y="187548"/>
+                  <a:pt x="1189154" y="187396"/>
+                  <a:pt x="1188545" y="187396"/>
+                </a:cubicBezTo>
+                <a:cubicBezTo>
+                  <a:pt x="1185192" y="187396"/>
+                  <a:pt x="1181306" y="189606"/>
+                  <a:pt x="1176886" y="194025"/>
+                </a:cubicBezTo>
+                <a:cubicBezTo>
+                  <a:pt x="1172467" y="198445"/>
+                  <a:pt x="1168733" y="203588"/>
+                  <a:pt x="1165685" y="209456"/>
+                </a:cubicBezTo>
+                <a:cubicBezTo>
+                  <a:pt x="1162637" y="215323"/>
+                  <a:pt x="1161113" y="220695"/>
+                  <a:pt x="1161113" y="225572"/>
+                </a:cubicBezTo>
+                <a:cubicBezTo>
+                  <a:pt x="1161113" y="235326"/>
+                  <a:pt x="1167590" y="240202"/>
+                  <a:pt x="1180544" y="240202"/>
+                </a:cubicBezTo>
+                <a:cubicBezTo>
+                  <a:pt x="1198984" y="240202"/>
+                  <a:pt x="1217044" y="231592"/>
+                  <a:pt x="1234722" y="214371"/>
+                </a:cubicBezTo>
+                <a:cubicBezTo>
+                  <a:pt x="1242647" y="206598"/>
+                  <a:pt x="1255753" y="190596"/>
+                  <a:pt x="1274042" y="166365"/>
+                </a:cubicBezTo>
+                <a:cubicBezTo>
+                  <a:pt x="1273889" y="166822"/>
+                  <a:pt x="1273813" y="167431"/>
+                  <a:pt x="1273813" y="168193"/>
+                </a:cubicBezTo>
+                <a:cubicBezTo>
+                  <a:pt x="1273813" y="173070"/>
+                  <a:pt x="1276518" y="184386"/>
+                  <a:pt x="1281928" y="202141"/>
+                </a:cubicBezTo>
+                <a:cubicBezTo>
+                  <a:pt x="1287338" y="219895"/>
+                  <a:pt x="1292863" y="232125"/>
+                  <a:pt x="1298502" y="238831"/>
+                </a:cubicBezTo>
+                <a:cubicBezTo>
+                  <a:pt x="1304140" y="245536"/>
+                  <a:pt x="1310313" y="248889"/>
+                  <a:pt x="1317018" y="248889"/>
+                </a:cubicBezTo>
+                <a:cubicBezTo>
+                  <a:pt x="1323724" y="248889"/>
+                  <a:pt x="1329896" y="244698"/>
+                  <a:pt x="1335535" y="236316"/>
+                </a:cubicBezTo>
+                <a:cubicBezTo>
+                  <a:pt x="1339802" y="230373"/>
+                  <a:pt x="1341936" y="225496"/>
+                  <a:pt x="1341936" y="221686"/>
+                </a:cubicBezTo>
+                <a:lnTo>
+                  <a:pt x="1341895" y="221434"/>
+                </a:lnTo>
+                <a:lnTo>
+                  <a:pt x="1349251" y="225572"/>
+                </a:lnTo>
+                <a:cubicBezTo>
+                  <a:pt x="1350622" y="226029"/>
+                  <a:pt x="1352146" y="226258"/>
+                  <a:pt x="1353823" y="226258"/>
+                </a:cubicBezTo>
+                <a:cubicBezTo>
+                  <a:pt x="1361900" y="226258"/>
+                  <a:pt x="1371730" y="222067"/>
+                  <a:pt x="1383312" y="213685"/>
+                </a:cubicBezTo>
+                <a:lnTo>
+                  <a:pt x="1398026" y="201372"/>
+                </a:lnTo>
+                <a:lnTo>
+                  <a:pt x="1395885" y="210713"/>
+                </a:lnTo>
+                <a:cubicBezTo>
+                  <a:pt x="1395885" y="220771"/>
+                  <a:pt x="1399771" y="225801"/>
+                  <a:pt x="1407544" y="225801"/>
+                </a:cubicBezTo>
+                <a:cubicBezTo>
+                  <a:pt x="1411963" y="225801"/>
+                  <a:pt x="1415773" y="225115"/>
+                  <a:pt x="1418974" y="223743"/>
+                </a:cubicBezTo>
+                <a:cubicBezTo>
+                  <a:pt x="1420955" y="222829"/>
+                  <a:pt x="1422708" y="222029"/>
+                  <a:pt x="1424232" y="221343"/>
+                </a:cubicBezTo>
+                <a:cubicBezTo>
+                  <a:pt x="1425756" y="220657"/>
+                  <a:pt x="1427508" y="219552"/>
+                  <a:pt x="1429489" y="218028"/>
+                </a:cubicBezTo>
+                <a:cubicBezTo>
+                  <a:pt x="1431471" y="216504"/>
+                  <a:pt x="1432995" y="215361"/>
+                  <a:pt x="1434061" y="214599"/>
+                </a:cubicBezTo>
+                <a:cubicBezTo>
+                  <a:pt x="1435128" y="213837"/>
+                  <a:pt x="1436690" y="212504"/>
+                  <a:pt x="1438748" y="210599"/>
+                </a:cubicBezTo>
+                <a:cubicBezTo>
+                  <a:pt x="1440805" y="208694"/>
+                  <a:pt x="1442215" y="207398"/>
+                  <a:pt x="1442977" y="206713"/>
+                </a:cubicBezTo>
+                <a:cubicBezTo>
+                  <a:pt x="1443739" y="206027"/>
+                  <a:pt x="1445149" y="204617"/>
+                  <a:pt x="1447206" y="202483"/>
+                </a:cubicBezTo>
+                <a:cubicBezTo>
+                  <a:pt x="1449263" y="200350"/>
+                  <a:pt x="1452045" y="197454"/>
+                  <a:pt x="1455550" y="193797"/>
+                </a:cubicBezTo>
+                <a:cubicBezTo>
+                  <a:pt x="1459055" y="190139"/>
+                  <a:pt x="1460808" y="187701"/>
+                  <a:pt x="1460808" y="186481"/>
+                </a:cubicBezTo>
+                <a:cubicBezTo>
+                  <a:pt x="1460808" y="185262"/>
+                  <a:pt x="1460312" y="184653"/>
+                  <a:pt x="1459322" y="184653"/>
+                </a:cubicBezTo>
+                <a:cubicBezTo>
+                  <a:pt x="1458331" y="184653"/>
+                  <a:pt x="1456464" y="186405"/>
+                  <a:pt x="1453721" y="189910"/>
+                </a:cubicBezTo>
+                <a:cubicBezTo>
+                  <a:pt x="1446253" y="199359"/>
+                  <a:pt x="1436119" y="208046"/>
+                  <a:pt x="1423317" y="215971"/>
+                </a:cubicBezTo>
+                <a:cubicBezTo>
+                  <a:pt x="1417831" y="219476"/>
+                  <a:pt x="1413488" y="221229"/>
+                  <a:pt x="1410287" y="221229"/>
+                </a:cubicBezTo>
+                <a:cubicBezTo>
+                  <a:pt x="1406477" y="221229"/>
+                  <a:pt x="1404572" y="218447"/>
+                  <a:pt x="1404572" y="212885"/>
+                </a:cubicBezTo>
+                <a:cubicBezTo>
+                  <a:pt x="1404572" y="207322"/>
+                  <a:pt x="1410287" y="197149"/>
+                  <a:pt x="1421717" y="182367"/>
+                </a:cubicBezTo>
+                <a:cubicBezTo>
+                  <a:pt x="1423698" y="179776"/>
+                  <a:pt x="1425756" y="177071"/>
+                  <a:pt x="1427889" y="174251"/>
+                </a:cubicBezTo>
+                <a:cubicBezTo>
+                  <a:pt x="1430023" y="171432"/>
+                  <a:pt x="1431699" y="169260"/>
+                  <a:pt x="1432918" y="167736"/>
+                </a:cubicBezTo>
+                <a:cubicBezTo>
+                  <a:pt x="1434138" y="166212"/>
+                  <a:pt x="1435281" y="164803"/>
+                  <a:pt x="1436347" y="163507"/>
+                </a:cubicBezTo>
+                <a:cubicBezTo>
+                  <a:pt x="1437414" y="162212"/>
+                  <a:pt x="1438329" y="161031"/>
+                  <a:pt x="1439091" y="159964"/>
+                </a:cubicBezTo>
+                <a:cubicBezTo>
+                  <a:pt x="1439091" y="158745"/>
+                  <a:pt x="1438138" y="157525"/>
+                  <a:pt x="1436233" y="156306"/>
+                </a:cubicBezTo>
+                <a:cubicBezTo>
+                  <a:pt x="1434328" y="155087"/>
+                  <a:pt x="1432614" y="154477"/>
+                  <a:pt x="1431090" y="154477"/>
+                </a:cubicBezTo>
+                <a:cubicBezTo>
+                  <a:pt x="1425603" y="154630"/>
+                  <a:pt x="1418364" y="161983"/>
+                  <a:pt x="1409373" y="176537"/>
+                </a:cubicBezTo>
+                <a:lnTo>
+                  <a:pt x="1402567" y="189629"/>
+                </a:lnTo>
+                <a:lnTo>
+                  <a:pt x="1386055" y="206141"/>
+                </a:lnTo>
+                <a:cubicBezTo>
+                  <a:pt x="1374016" y="216352"/>
+                  <a:pt x="1364224" y="221457"/>
+                  <a:pt x="1356680" y="221457"/>
+                </a:cubicBezTo>
+                <a:cubicBezTo>
+                  <a:pt x="1349137" y="221457"/>
+                  <a:pt x="1345365" y="217495"/>
+                  <a:pt x="1345365" y="209570"/>
+                </a:cubicBezTo>
+                <a:cubicBezTo>
+                  <a:pt x="1345365" y="204998"/>
+                  <a:pt x="1346508" y="200655"/>
+                  <a:pt x="1348794" y="196540"/>
+                </a:cubicBezTo>
+                <a:cubicBezTo>
+                  <a:pt x="1349708" y="196845"/>
+                  <a:pt x="1350775" y="196997"/>
+                  <a:pt x="1351994" y="196997"/>
+                </a:cubicBezTo>
+                <a:cubicBezTo>
+                  <a:pt x="1360071" y="196997"/>
+                  <a:pt x="1370549" y="193111"/>
+                  <a:pt x="1383427" y="185338"/>
+                </a:cubicBezTo>
+                <a:cubicBezTo>
+                  <a:pt x="1396304" y="177566"/>
+                  <a:pt x="1402743" y="169413"/>
+                  <a:pt x="1402743" y="160878"/>
+                </a:cubicBezTo>
+                <a:cubicBezTo>
+                  <a:pt x="1402743" y="158135"/>
+                  <a:pt x="1401638" y="155811"/>
+                  <a:pt x="1399428" y="153906"/>
+                </a:cubicBezTo>
+                <a:cubicBezTo>
+                  <a:pt x="1397219" y="152001"/>
+                  <a:pt x="1394361" y="151048"/>
+                  <a:pt x="1390856" y="151048"/>
+                </a:cubicBezTo>
+                <a:cubicBezTo>
+                  <a:pt x="1380188" y="151048"/>
+                  <a:pt x="1368148" y="158059"/>
+                  <a:pt x="1354737" y="172080"/>
+                </a:cubicBezTo>
+                <a:cubicBezTo>
+                  <a:pt x="1341326" y="186100"/>
+                  <a:pt x="1334620" y="198445"/>
+                  <a:pt x="1334620" y="209113"/>
+                </a:cubicBezTo>
+                <a:lnTo>
+                  <a:pt x="1337815" y="218097"/>
+                </a:lnTo>
+                <a:lnTo>
+                  <a:pt x="1337135" y="220086"/>
+                </a:lnTo>
+                <a:cubicBezTo>
+                  <a:pt x="1332868" y="233040"/>
+                  <a:pt x="1327534" y="239517"/>
+                  <a:pt x="1321133" y="239517"/>
+                </a:cubicBezTo>
+                <a:cubicBezTo>
+                  <a:pt x="1315799" y="239517"/>
+                  <a:pt x="1310008" y="235021"/>
+                  <a:pt x="1303759" y="226029"/>
+                </a:cubicBezTo>
+                <a:cubicBezTo>
+                  <a:pt x="1299188" y="219019"/>
+                  <a:pt x="1295835" y="212085"/>
+                  <a:pt x="1293701" y="205227"/>
+                </a:cubicBezTo>
+                <a:cubicBezTo>
+                  <a:pt x="1286843" y="181605"/>
+                  <a:pt x="1282347" y="166441"/>
+                  <a:pt x="1280214" y="159735"/>
+                </a:cubicBezTo>
+                <a:cubicBezTo>
+                  <a:pt x="1286767" y="160954"/>
+                  <a:pt x="1293853" y="161564"/>
+                  <a:pt x="1301473" y="161564"/>
+                </a:cubicBezTo>
+                <a:cubicBezTo>
+                  <a:pt x="1317628" y="161564"/>
+                  <a:pt x="1333020" y="158859"/>
+                  <a:pt x="1347651" y="153449"/>
+                </a:cubicBezTo>
+                <a:cubicBezTo>
+                  <a:pt x="1362281" y="148039"/>
+                  <a:pt x="1371958" y="139771"/>
+                  <a:pt x="1376683" y="128646"/>
+                </a:cubicBezTo>
+                <a:cubicBezTo>
+                  <a:pt x="1378359" y="124531"/>
+                  <a:pt x="1379197" y="120721"/>
+                  <a:pt x="1379197" y="117216"/>
+                </a:cubicBezTo>
+                <a:cubicBezTo>
+                  <a:pt x="1379197" y="108986"/>
+                  <a:pt x="1375540" y="101823"/>
+                  <a:pt x="1368225" y="95727"/>
+                </a:cubicBezTo>
+                <a:cubicBezTo>
+                  <a:pt x="1356033" y="85669"/>
+                  <a:pt x="1335382" y="80640"/>
+                  <a:pt x="1306274" y="80640"/>
+                </a:cubicBezTo>
+                <a:close/>
+                <a:moveTo>
+                  <a:pt x="385854" y="71496"/>
+                </a:moveTo>
+                <a:cubicBezTo>
+                  <a:pt x="370919" y="71496"/>
+                  <a:pt x="355984" y="74772"/>
+                  <a:pt x="341049" y="81325"/>
+                </a:cubicBezTo>
+                <a:cubicBezTo>
+                  <a:pt x="328552" y="86812"/>
+                  <a:pt x="319179" y="93822"/>
+                  <a:pt x="312931" y="102357"/>
+                </a:cubicBezTo>
+                <a:cubicBezTo>
+                  <a:pt x="309730" y="106776"/>
+                  <a:pt x="308130" y="112263"/>
+                  <a:pt x="308130" y="118816"/>
+                </a:cubicBezTo>
+                <a:cubicBezTo>
+                  <a:pt x="308130" y="125369"/>
+                  <a:pt x="310645" y="131541"/>
+                  <a:pt x="315674" y="137332"/>
+                </a:cubicBezTo>
+                <a:cubicBezTo>
+                  <a:pt x="281841" y="148153"/>
+                  <a:pt x="257914" y="164688"/>
+                  <a:pt x="243893" y="186939"/>
+                </a:cubicBezTo>
+                <a:cubicBezTo>
+                  <a:pt x="239931" y="193187"/>
+                  <a:pt x="237950" y="199435"/>
+                  <a:pt x="237950" y="205684"/>
+                </a:cubicBezTo>
+                <a:cubicBezTo>
+                  <a:pt x="237950" y="216352"/>
+                  <a:pt x="243132" y="225001"/>
+                  <a:pt x="253495" y="231630"/>
+                </a:cubicBezTo>
+                <a:cubicBezTo>
+                  <a:pt x="263858" y="238259"/>
+                  <a:pt x="277955" y="241574"/>
+                  <a:pt x="295786" y="241574"/>
+                </a:cubicBezTo>
+                <a:cubicBezTo>
+                  <a:pt x="324589" y="241574"/>
+                  <a:pt x="348364" y="233954"/>
+                  <a:pt x="367109" y="218714"/>
+                </a:cubicBezTo>
+                <a:cubicBezTo>
+                  <a:pt x="382806" y="206217"/>
+                  <a:pt x="390655" y="192882"/>
+                  <a:pt x="390655" y="178709"/>
+                </a:cubicBezTo>
+                <a:cubicBezTo>
+                  <a:pt x="390655" y="175509"/>
+                  <a:pt x="390045" y="172308"/>
+                  <a:pt x="388826" y="169108"/>
+                </a:cubicBezTo>
+                <a:cubicBezTo>
+                  <a:pt x="385930" y="162250"/>
+                  <a:pt x="378996" y="158821"/>
+                  <a:pt x="368023" y="158821"/>
+                </a:cubicBezTo>
+                <a:cubicBezTo>
+                  <a:pt x="353393" y="158821"/>
+                  <a:pt x="339524" y="164460"/>
+                  <a:pt x="326418" y="175737"/>
+                </a:cubicBezTo>
+                <a:cubicBezTo>
+                  <a:pt x="316817" y="183967"/>
+                  <a:pt x="312016" y="192806"/>
+                  <a:pt x="312016" y="202255"/>
+                </a:cubicBezTo>
+                <a:cubicBezTo>
+                  <a:pt x="312016" y="211704"/>
+                  <a:pt x="315674" y="216504"/>
+                  <a:pt x="322989" y="216657"/>
+                </a:cubicBezTo>
+                <a:cubicBezTo>
+                  <a:pt x="326037" y="216961"/>
+                  <a:pt x="327561" y="216352"/>
+                  <a:pt x="327561" y="214828"/>
+                </a:cubicBezTo>
+                <a:cubicBezTo>
+                  <a:pt x="327561" y="213913"/>
+                  <a:pt x="326799" y="213151"/>
+                  <a:pt x="325275" y="212542"/>
+                </a:cubicBezTo>
+                <a:cubicBezTo>
+                  <a:pt x="321008" y="211475"/>
+                  <a:pt x="318874" y="208808"/>
+                  <a:pt x="318874" y="204541"/>
+                </a:cubicBezTo>
+                <a:cubicBezTo>
+                  <a:pt x="318874" y="200274"/>
+                  <a:pt x="320093" y="195930"/>
+                  <a:pt x="322532" y="191511"/>
+                </a:cubicBezTo>
+                <a:cubicBezTo>
+                  <a:pt x="324970" y="187091"/>
+                  <a:pt x="327942" y="183433"/>
+                  <a:pt x="331447" y="180538"/>
+                </a:cubicBezTo>
+                <a:cubicBezTo>
+                  <a:pt x="345468" y="168955"/>
+                  <a:pt x="357889" y="163164"/>
+                  <a:pt x="368709" y="163164"/>
+                </a:cubicBezTo>
+                <a:cubicBezTo>
+                  <a:pt x="377701" y="163164"/>
+                  <a:pt x="382197" y="167812"/>
+                  <a:pt x="382197" y="177109"/>
+                </a:cubicBezTo>
+                <a:cubicBezTo>
+                  <a:pt x="382197" y="188844"/>
+                  <a:pt x="376177" y="200045"/>
+                  <a:pt x="364137" y="210713"/>
+                </a:cubicBezTo>
+                <a:cubicBezTo>
+                  <a:pt x="349812" y="223667"/>
+                  <a:pt x="330533" y="231439"/>
+                  <a:pt x="306301" y="234030"/>
+                </a:cubicBezTo>
+                <a:cubicBezTo>
+                  <a:pt x="302187" y="234487"/>
+                  <a:pt x="298224" y="234716"/>
+                  <a:pt x="294414" y="234716"/>
+                </a:cubicBezTo>
+                <a:cubicBezTo>
+                  <a:pt x="280698" y="234716"/>
+                  <a:pt x="270297" y="232049"/>
+                  <a:pt x="263210" y="226715"/>
+                </a:cubicBezTo>
+                <a:cubicBezTo>
+                  <a:pt x="256124" y="221381"/>
+                  <a:pt x="252580" y="214447"/>
+                  <a:pt x="252580" y="205912"/>
+                </a:cubicBezTo>
+                <a:cubicBezTo>
+                  <a:pt x="252580" y="200426"/>
+                  <a:pt x="254028" y="194787"/>
+                  <a:pt x="256924" y="188996"/>
+                </a:cubicBezTo>
+                <a:cubicBezTo>
+                  <a:pt x="262410" y="178176"/>
+                  <a:pt x="270678" y="168498"/>
+                  <a:pt x="281727" y="159964"/>
+                </a:cubicBezTo>
+                <a:cubicBezTo>
+                  <a:pt x="292776" y="151429"/>
+                  <a:pt x="305387" y="145105"/>
+                  <a:pt x="319560" y="140990"/>
+                </a:cubicBezTo>
+                <a:cubicBezTo>
+                  <a:pt x="322913" y="143428"/>
+                  <a:pt x="327866" y="145753"/>
+                  <a:pt x="334419" y="147962"/>
+                </a:cubicBezTo>
+                <a:cubicBezTo>
+                  <a:pt x="340972" y="150172"/>
+                  <a:pt x="347373" y="151277"/>
+                  <a:pt x="353622" y="151277"/>
+                </a:cubicBezTo>
+                <a:cubicBezTo>
+                  <a:pt x="363223" y="151277"/>
+                  <a:pt x="369852" y="148458"/>
+                  <a:pt x="373510" y="142819"/>
+                </a:cubicBezTo>
+                <a:cubicBezTo>
+                  <a:pt x="374424" y="141295"/>
+                  <a:pt x="374881" y="139923"/>
+                  <a:pt x="374881" y="138704"/>
+                </a:cubicBezTo>
+                <a:cubicBezTo>
+                  <a:pt x="374881" y="133065"/>
+                  <a:pt x="367414" y="130246"/>
+                  <a:pt x="352478" y="130246"/>
+                </a:cubicBezTo>
+                <a:cubicBezTo>
+                  <a:pt x="343639" y="130246"/>
+                  <a:pt x="334343" y="131770"/>
+                  <a:pt x="324589" y="134818"/>
+                </a:cubicBezTo>
+                <a:cubicBezTo>
+                  <a:pt x="321541" y="131008"/>
+                  <a:pt x="320017" y="126893"/>
+                  <a:pt x="320017" y="122473"/>
+                </a:cubicBezTo>
+                <a:cubicBezTo>
+                  <a:pt x="320017" y="110434"/>
+                  <a:pt x="327333" y="99613"/>
+                  <a:pt x="341963" y="90012"/>
+                </a:cubicBezTo>
+                <a:cubicBezTo>
+                  <a:pt x="354460" y="81630"/>
+                  <a:pt x="367261" y="77058"/>
+                  <a:pt x="380368" y="76296"/>
+                </a:cubicBezTo>
+                <a:cubicBezTo>
+                  <a:pt x="381739" y="76144"/>
+                  <a:pt x="384101" y="76068"/>
+                  <a:pt x="387454" y="76068"/>
+                </a:cubicBezTo>
+                <a:cubicBezTo>
+                  <a:pt x="390807" y="76068"/>
+                  <a:pt x="394389" y="76830"/>
+                  <a:pt x="398199" y="78354"/>
+                </a:cubicBezTo>
+                <a:cubicBezTo>
+                  <a:pt x="404142" y="80792"/>
+                  <a:pt x="407114" y="84602"/>
+                  <a:pt x="407114" y="89784"/>
+                </a:cubicBezTo>
+                <a:cubicBezTo>
+                  <a:pt x="407114" y="93289"/>
+                  <a:pt x="405857" y="96680"/>
+                  <a:pt x="403342" y="99956"/>
+                </a:cubicBezTo>
+                <a:cubicBezTo>
+                  <a:pt x="400827" y="103233"/>
+                  <a:pt x="398046" y="104871"/>
+                  <a:pt x="394998" y="104871"/>
+                </a:cubicBezTo>
+                <a:lnTo>
+                  <a:pt x="390426" y="104185"/>
+                </a:lnTo>
+                <a:cubicBezTo>
+                  <a:pt x="388445" y="104185"/>
+                  <a:pt x="387454" y="104871"/>
+                  <a:pt x="387454" y="106243"/>
+                </a:cubicBezTo>
+                <a:cubicBezTo>
+                  <a:pt x="387454" y="108529"/>
+                  <a:pt x="389816" y="109672"/>
+                  <a:pt x="394541" y="109672"/>
+                </a:cubicBezTo>
+                <a:cubicBezTo>
+                  <a:pt x="399265" y="109672"/>
+                  <a:pt x="403799" y="107653"/>
+                  <a:pt x="408143" y="103614"/>
+                </a:cubicBezTo>
+                <a:cubicBezTo>
+                  <a:pt x="412486" y="99575"/>
+                  <a:pt x="414658" y="94622"/>
+                  <a:pt x="414658" y="88755"/>
+                </a:cubicBezTo>
+                <a:cubicBezTo>
+                  <a:pt x="414658" y="82888"/>
+                  <a:pt x="412029" y="78544"/>
+                  <a:pt x="406771" y="75725"/>
+                </a:cubicBezTo>
+                <a:cubicBezTo>
+                  <a:pt x="401513" y="72905"/>
+                  <a:pt x="394541" y="71496"/>
+                  <a:pt x="385854" y="71496"/>
+                </a:cubicBezTo>
+                <a:close/>
+                <a:moveTo>
+                  <a:pt x="413743" y="34691"/>
+                </a:moveTo>
+                <a:cubicBezTo>
+                  <a:pt x="412829" y="34691"/>
+                  <a:pt x="411534" y="35377"/>
+                  <a:pt x="409857" y="36748"/>
+                </a:cubicBezTo>
+                <a:lnTo>
+                  <a:pt x="385854" y="55265"/>
+                </a:lnTo>
+                <a:cubicBezTo>
+                  <a:pt x="385245" y="55722"/>
+                  <a:pt x="384940" y="56332"/>
+                  <a:pt x="384940" y="57094"/>
+                </a:cubicBezTo>
+                <a:cubicBezTo>
+                  <a:pt x="384940" y="57856"/>
+                  <a:pt x="385473" y="58237"/>
+                  <a:pt x="386540" y="58237"/>
+                </a:cubicBezTo>
+                <a:cubicBezTo>
+                  <a:pt x="387607" y="58237"/>
+                  <a:pt x="392103" y="55798"/>
+                  <a:pt x="400027" y="50922"/>
+                </a:cubicBezTo>
+                <a:cubicBezTo>
+                  <a:pt x="407952" y="46045"/>
+                  <a:pt x="412600" y="43073"/>
+                  <a:pt x="413972" y="42006"/>
+                </a:cubicBezTo>
+                <a:cubicBezTo>
+                  <a:pt x="415191" y="40787"/>
+                  <a:pt x="415801" y="39263"/>
+                  <a:pt x="415801" y="37434"/>
+                </a:cubicBezTo>
+                <a:cubicBezTo>
+                  <a:pt x="415801" y="35605"/>
+                  <a:pt x="415115" y="34691"/>
+                  <a:pt x="413743" y="34691"/>
+                </a:cubicBezTo>
+                <a:close/>
+                <a:moveTo>
+                  <a:pt x="170436" y="0"/>
+                </a:moveTo>
+                <a:lnTo>
+                  <a:pt x="1577205" y="0"/>
+                </a:lnTo>
+                <a:cubicBezTo>
+                  <a:pt x="1671334" y="0"/>
+                  <a:pt x="1747641" y="76307"/>
+                  <a:pt x="1747641" y="170436"/>
+                </a:cubicBezTo>
+                <a:lnTo>
+                  <a:pt x="1747640" y="170436"/>
+                </a:lnTo>
+                <a:cubicBezTo>
+                  <a:pt x="1747640" y="264565"/>
+                  <a:pt x="1671333" y="340872"/>
+                  <a:pt x="1577204" y="340872"/>
+                </a:cubicBezTo>
+                <a:lnTo>
+                  <a:pt x="170436" y="340871"/>
+                </a:lnTo>
+                <a:cubicBezTo>
+                  <a:pt x="99839" y="340871"/>
+                  <a:pt x="39267" y="297948"/>
+                  <a:pt x="13394" y="236776"/>
+                </a:cubicBezTo>
+                <a:lnTo>
+                  <a:pt x="0" y="170436"/>
+                </a:lnTo>
+                <a:lnTo>
+                  <a:pt x="13394" y="104095"/>
+                </a:lnTo>
+                <a:cubicBezTo>
+                  <a:pt x="39267" y="42923"/>
+                  <a:pt x="99839" y="0"/>
+                  <a:pt x="170436" y="0"/>
+                </a:cubicBezTo>
+                <a:close/>
+              </a:path>
+            </a:pathLst>
+          </a:custGeom>
+          <a:gradFill>
+            <a:gsLst>
+              <a:gs pos="77900">
+                <a:srgbClr val="F6E893"/>
+              </a:gs>
+              <a:gs pos="0">
+                <a:srgbClr val="B07E08"/>
+              </a:gs>
+              <a:gs pos="100000">
+                <a:srgbClr val="C29724"/>
+              </a:gs>
+            </a:gsLst>
+            <a:lin ang="10800000" scaled="1"/>
+          </a:gradFill>
+          <a:ln>
+            <a:noFill/>
+          </a:ln>
+          <a:effectLst/>
+        </p:spPr>
+        <p:txBody>
+          <a:bodyPr rot="0" spcFirstLastPara="0" vertOverflow="overflow" horzOverflow="overflow" vert="horz" wrap="square" lIns="91440" tIns="45720" rIns="91440" bIns="45720" numCol="1" spcCol="0" rtlCol="0" fromWordArt="0" anchor="t" anchorCtr="0" forceAA="0" compatLnSpc="1">
+            <a:prstTxWarp prst="textNoShape">
+              <a:avLst/>
+            </a:prstTxWarp>
+            <a:noAutofit/>
+          </a:bodyPr>
+          <a:lstStyle/>
+          <a:p>
+            <a:pPr algn="ctr"/>
+            <a:endParaRPr lang="pt-BR" dirty="0">
+              <a:solidFill>
+                <a:sysClr val="windowText" lastClr="000000"/>
+              </a:solidFill>
+              <a:latin typeface="Alex Brush" panose="02000400000000000000" pitchFamily="2" charset="0"/>
+            </a:endParaRPr>
+          </a:p>
+        </p:txBody>
+      </p:sp>
+      <p:pic>
+        <p:nvPicPr>
+          <p:cNvPr id="1026" name="Picture 2" descr="Resultado de imagem para d&amp;d logo">
+            <a:extLst>
+              <a:ext uri="{FF2B5EF4-FFF2-40B4-BE49-F238E27FC236}">
+                <a16:creationId xmlns:a16="http://schemas.microsoft.com/office/drawing/2014/main" id="{74B827D7-9CBD-469B-A594-1C11430BE526}"/>
+              </a:ext>
+            </a:extLst>
+          </p:cNvPr>
+          <p:cNvPicPr>
+            <a:picLocks noChangeAspect="1" noChangeArrowheads="1"/>
+          </p:cNvPicPr>
+          <p:nvPr/>
+        </p:nvPicPr>
+        <p:blipFill>
+          <a:blip r:embed="rId3">
+            <a:duotone>
+              <a:schemeClr val="accent4">
+                <a:shade val="45000"/>
+                <a:satMod val="135000"/>
+              </a:schemeClr>
+              <a:prstClr val="white"/>
+            </a:duotone>
+            <a:extLst>
+              <a:ext uri="{BEBA8EAE-BF5A-486C-A8C5-ECC9F3942E4B}">
+                <a14:imgProps xmlns:a14="http://schemas.microsoft.com/office/drawing/2010/main">
+                  <a14:imgLayer r:embed="rId4">
+                    <a14:imgEffect>
+                      <a14:colorTemperature colorTemp="4700"/>
+                    </a14:imgEffect>
+                  </a14:imgLayer>
+                </a14:imgProps>
+              </a:ext>
+              <a:ext uri="{28A0092B-C50C-407E-A947-70E740481C1C}">
+                <a14:useLocalDpi xmlns:a14="http://schemas.microsoft.com/office/drawing/2010/main" val="0"/>
+              </a:ext>
+            </a:extLst>
+          </a:blip>
+          <a:srcRect/>
+          <a:stretch>
+            <a:fillRect/>
+          </a:stretch>
+        </p:blipFill>
+        <p:spPr bwMode="auto">
+          <a:xfrm>
+            <a:off x="3332018" y="1427159"/>
+            <a:ext cx="351198" cy="351198"/>
+          </a:xfrm>
+          <a:prstGeom prst="rect">
+            <a:avLst/>
+          </a:prstGeom>
+          <a:noFill/>
+          <a:extLst>
+            <a:ext uri="{909E8E84-426E-40DD-AFC4-6F175D3DCCD1}">
+              <a14:hiddenFill xmlns:a14="http://schemas.microsoft.com/office/drawing/2010/main">
+                <a:solidFill>
+                  <a:srgbClr val="FFFFFF"/>
+                </a:solidFill>
+              </a14:hiddenFill>
+            </a:ext>
+          </a:extLst>
+        </p:spPr>
+      </p:pic>
+      <p:pic>
+        <p:nvPicPr>
+          <p:cNvPr id="6" name="Imagem 5" descr="Uma imagem contendo objeto ao ar livre, teia&#10;&#10;Descrição gerada com alta confiança">
+            <a:extLst>
+              <a:ext uri="{FF2B5EF4-FFF2-40B4-BE49-F238E27FC236}">
+                <a16:creationId xmlns:a16="http://schemas.microsoft.com/office/drawing/2014/main" id="{C0A79F9F-6749-49FA-B276-7E47384F5E9C}"/>
+              </a:ext>
+            </a:extLst>
+          </p:cNvPr>
           <p:cNvPicPr>
             <a:picLocks noChangeAspect="1"/>
           </p:cNvPicPr>
           <p:nvPr/>
         </p:nvPicPr>
         <p:blipFill>
-          <a:blip r:embed="rId2" cstate="print">
+          <a:blip r:embed="rId5">
+            <a:duotone>
+              <a:schemeClr val="accent4">
+                <a:shade val="45000"/>
+                <a:satMod val="135000"/>
+              </a:schemeClr>
+              <a:prstClr val="white"/>
+            </a:duotone>
             <a:extLst>
               <a:ext uri="{28A0092B-C50C-407E-A947-70E740481C1C}">
                 <a14:useLocalDpi xmlns:a14="http://schemas.microsoft.com/office/drawing/2010/main" val="0"/>
@@ -8023,8 +10594,8 @@
         </p:blipFill>
         <p:spPr>
           <a:xfrm>
-            <a:off x="3333750" y="-1730"/>
-            <a:ext cx="3810000" cy="2381250"/>
+            <a:off x="3456472" y="966784"/>
+            <a:ext cx="460375" cy="460375"/>
           </a:xfrm>
           <a:prstGeom prst="rect">
             <a:avLst/>
@@ -8033,32 +10604,157 @@
       </p:pic>
       <p:pic>
         <p:nvPicPr>
-          <p:cNvPr id="9" name="Imagem 8"/>
+          <p:cNvPr id="1028" name="Picture 4" descr="Resultado de imagem para triforce png">
+            <a:extLst>
+              <a:ext uri="{FF2B5EF4-FFF2-40B4-BE49-F238E27FC236}">
+                <a16:creationId xmlns:a16="http://schemas.microsoft.com/office/drawing/2014/main" id="{59556712-B02B-48D7-9F2E-C66C9A51A936}"/>
+              </a:ext>
+            </a:extLst>
+          </p:cNvPr>
           <p:cNvPicPr>
-            <a:picLocks noChangeAspect="1"/>
+            <a:picLocks noChangeAspect="1" noChangeArrowheads="1"/>
           </p:cNvPicPr>
           <p:nvPr/>
         </p:nvPicPr>
         <p:blipFill>
-          <a:blip r:embed="rId3" cstate="print">
+          <a:blip r:embed="rId6">
             <a:extLst>
               <a:ext uri="{28A0092B-C50C-407E-A947-70E740481C1C}">
                 <a14:useLocalDpi xmlns:a14="http://schemas.microsoft.com/office/drawing/2010/main" val="0"/>
               </a:ext>
             </a:extLst>
           </a:blip>
+          <a:srcRect/>
           <a:stretch>
             <a:fillRect/>
           </a:stretch>
         </p:blipFill>
-        <p:spPr>
+        <p:spPr bwMode="auto">
           <a:xfrm>
-            <a:off x="-661458" y="0"/>
-            <a:ext cx="4233333" cy="2381250"/>
+            <a:off x="3059035" y="1880971"/>
+            <a:ext cx="392912" cy="340872"/>
           </a:xfrm>
           <a:prstGeom prst="rect">
             <a:avLst/>
           </a:prstGeom>
+          <a:noFill/>
+          <a:extLst>
+            <a:ext uri="{909E8E84-426E-40DD-AFC4-6F175D3DCCD1}">
+              <a14:hiddenFill xmlns:a14="http://schemas.microsoft.com/office/drawing/2010/main">
+                <a:solidFill>
+                  <a:srgbClr val="FFFFFF"/>
+                </a:solidFill>
+              </a14:hiddenFill>
+            </a:ext>
+          </a:extLst>
+        </p:spPr>
+      </p:pic>
+      <p:pic>
+        <p:nvPicPr>
+          <p:cNvPr id="7" name="Picture 6" descr="Resultado de imagem para harry potter png">
+            <a:extLst>
+              <a:ext uri="{FF2B5EF4-FFF2-40B4-BE49-F238E27FC236}">
+                <a16:creationId xmlns:a16="http://schemas.microsoft.com/office/drawing/2014/main" id="{AE3F22C9-03A8-4BBA-9185-4A1A0B9F71FC}"/>
+              </a:ext>
+            </a:extLst>
+          </p:cNvPr>
+          <p:cNvPicPr>
+            <a:picLocks noChangeAspect="1" noChangeArrowheads="1"/>
+          </p:cNvPicPr>
+          <p:nvPr/>
+        </p:nvPicPr>
+        <p:blipFill>
+          <a:blip r:embed="rId7">
+            <a:duotone>
+              <a:schemeClr val="accent4">
+                <a:shade val="45000"/>
+                <a:satMod val="135000"/>
+              </a:schemeClr>
+              <a:prstClr val="white"/>
+            </a:duotone>
+            <a:extLst>
+              <a:ext uri="{28A0092B-C50C-407E-A947-70E740481C1C}">
+                <a14:useLocalDpi xmlns:a14="http://schemas.microsoft.com/office/drawing/2010/main" val="0"/>
+              </a:ext>
+            </a:extLst>
+          </a:blip>
+          <a:srcRect/>
+          <a:stretch>
+            <a:fillRect/>
+          </a:stretch>
+        </p:blipFill>
+        <p:spPr bwMode="auto">
+          <a:xfrm>
+            <a:off x="3691161" y="538271"/>
+            <a:ext cx="351813" cy="385197"/>
+          </a:xfrm>
+          <a:prstGeom prst="rect">
+            <a:avLst/>
+          </a:prstGeom>
+          <a:noFill/>
+          <a:extLst>
+            <a:ext uri="{909E8E84-426E-40DD-AFC4-6F175D3DCCD1}">
+              <a14:hiddenFill xmlns:a14="http://schemas.microsoft.com/office/drawing/2010/main">
+                <a:solidFill>
+                  <a:srgbClr val="FFFFFF"/>
+                </a:solidFill>
+              </a14:hiddenFill>
+            </a:ext>
+          </a:extLst>
+        </p:spPr>
+      </p:pic>
+      <p:pic>
+        <p:nvPicPr>
+          <p:cNvPr id="1032" name="Picture 8" descr="Resultado de imagem para percy jackson png">
+            <a:extLst>
+              <a:ext uri="{FF2B5EF4-FFF2-40B4-BE49-F238E27FC236}">
+                <a16:creationId xmlns:a16="http://schemas.microsoft.com/office/drawing/2014/main" id="{D55B71D7-916E-4ADB-973D-298336850085}"/>
+              </a:ext>
+            </a:extLst>
+          </p:cNvPr>
+          <p:cNvPicPr>
+            <a:picLocks noChangeAspect="1" noChangeArrowheads="1"/>
+          </p:cNvPicPr>
+          <p:nvPr/>
+        </p:nvPicPr>
+        <p:blipFill>
+          <a:blip r:embed="rId8">
+            <a:duotone>
+              <a:schemeClr val="accent4">
+                <a:shade val="45000"/>
+                <a:satMod val="135000"/>
+              </a:schemeClr>
+              <a:prstClr val="white"/>
+            </a:duotone>
+            <a:extLst>
+              <a:ext uri="{28A0092B-C50C-407E-A947-70E740481C1C}">
+                <a14:useLocalDpi xmlns:a14="http://schemas.microsoft.com/office/drawing/2010/main" val="0"/>
+              </a:ext>
+            </a:extLst>
+          </a:blip>
+          <a:srcRect/>
+          <a:stretch>
+            <a:fillRect/>
+          </a:stretch>
+        </p:blipFill>
+        <p:spPr bwMode="auto">
+          <a:xfrm>
+            <a:off x="3912936" y="49849"/>
+            <a:ext cx="361829" cy="385197"/>
+          </a:xfrm>
+          <a:prstGeom prst="rect">
+            <a:avLst/>
+          </a:prstGeom>
+          <a:noFill/>
+          <a:extLst>
+            <a:ext uri="{909E8E84-426E-40DD-AFC4-6F175D3DCCD1}">
+              <a14:hiddenFill xmlns:a14="http://schemas.microsoft.com/office/drawing/2010/main">
+                <a:solidFill>
+                  <a:srgbClr val="FFFFFF"/>
+                </a:solidFill>
+              </a14:hiddenFill>
+            </a:ext>
+          </a:extLst>
         </p:spPr>
       </p:pic>
     </p:spTree>
@@ -8071,13 +10767,6 @@
   <p:clrMapOvr>
     <a:masterClrMapping/>
   </p:clrMapOvr>
-  <p:timing>
-    <p:tnLst>
-      <p:par>
-        <p:cTn id="1" dur="indefinite" restart="never" nodeType="tmRoot"/>
-      </p:par>
-    </p:tnLst>
-  </p:timing>
 </p:sld>
 </file>
 
@@ -8225,6 +10914,20 @@
               </a:path>
             </a:pathLst>
           </a:custGeom>
+          <a:gradFill flip="none" rotWithShape="1">
+            <a:gsLst>
+              <a:gs pos="0">
+                <a:schemeClr val="bg2">
+                  <a:lumMod val="10000"/>
+                </a:schemeClr>
+              </a:gs>
+              <a:gs pos="100000">
+                <a:srgbClr val="192C4F"/>
+              </a:gs>
+            </a:gsLst>
+            <a:lin ang="0" scaled="1"/>
+            <a:tileRect/>
+          </a:gradFill>
           <a:ln>
             <a:noFill/>
           </a:ln>
@@ -8270,6 +10973,9 @@
               <a:gd name="adj" fmla="val 67281"/>
             </a:avLst>
           </a:prstGeom>
+          <a:solidFill>
+            <a:srgbClr val="2C3644"/>
+          </a:solidFill>
           <a:ln>
             <a:noFill/>
           </a:ln>
@@ -8305,39 +11011,47 @@
       </p:sp>
       <p:sp>
         <p:nvSpPr>
-          <p:cNvPr id="24" name="Arco 23"/>
+          <p:cNvPr id="11" name="Divisa 21">
+            <a:extLst>
+              <a:ext uri="{FF2B5EF4-FFF2-40B4-BE49-F238E27FC236}">
+                <a16:creationId xmlns:a16="http://schemas.microsoft.com/office/drawing/2014/main" id="{6813E6E2-75AA-467A-8B39-9726CEF9795A}"/>
+              </a:ext>
+            </a:extLst>
+          </p:cNvPr>
           <p:cNvSpPr/>
           <p:nvPr/>
         </p:nvSpPr>
         <p:spPr>
-          <a:xfrm rot="1321481">
-            <a:off x="3074705" y="856577"/>
-            <a:ext cx="71808" cy="717181"/>
+          <a:xfrm>
+            <a:off x="3037393" y="0"/>
+            <a:ext cx="611764" cy="2381250"/>
           </a:xfrm>
-          <a:prstGeom prst="arc">
+          <a:prstGeom prst="chevron">
             <a:avLst>
-              <a:gd name="adj1" fmla="val 16269777"/>
-              <a:gd name="adj2" fmla="val 0"/>
+              <a:gd name="adj" fmla="val 67281"/>
             </a:avLst>
           </a:prstGeom>
-          <a:ln w="28575">
-            <a:solidFill>
-              <a:srgbClr val="B43D96"/>
-            </a:solidFill>
+          <a:solidFill>
+            <a:srgbClr val="2C3644"/>
+          </a:solidFill>
+          <a:ln>
+            <a:noFill/>
           </a:ln>
         </p:spPr>
         <p:style>
-          <a:lnRef idx="1">
-            <a:schemeClr val="accent1"/>
+          <a:lnRef idx="2">
+            <a:schemeClr val="accent6">
+              <a:shade val="50000"/>
+            </a:schemeClr>
           </a:lnRef>
-          <a:fillRef idx="0">
-            <a:schemeClr val="accent1"/>
+          <a:fillRef idx="1">
+            <a:schemeClr val="accent6"/>
           </a:fillRef>
           <a:effectRef idx="0">
-            <a:schemeClr val="accent1"/>
+            <a:schemeClr val="accent6"/>
           </a:effectRef>
           <a:fontRef idx="minor">
-            <a:schemeClr val="tx1"/>
+            <a:schemeClr val="lt1"/>
           </a:fontRef>
         </p:style>
         <p:txBody>
@@ -8345,45 +11059,194 @@
           <a:lstStyle/>
           <a:p>
             <a:pPr algn="ctr"/>
-            <a:endParaRPr lang="pt-BR" dirty="0"/>
+            <a:endParaRPr lang="pt-BR">
+              <a:solidFill>
+                <a:schemeClr val="tx1"/>
+              </a:solidFill>
+            </a:endParaRPr>
           </a:p>
         </p:txBody>
       </p:sp>
-      <p:cxnSp>
-        <p:nvCxnSpPr>
-          <p:cNvPr id="27" name="Conector reto 26"/>
-          <p:cNvCxnSpPr/>
+      <p:sp>
+        <p:nvSpPr>
+          <p:cNvPr id="4" name="CaixaDeTexto 3">
+            <a:extLst>
+              <a:ext uri="{FF2B5EF4-FFF2-40B4-BE49-F238E27FC236}">
+                <a16:creationId xmlns:a16="http://schemas.microsoft.com/office/drawing/2014/main" id="{E596FF22-95DA-4969-943B-EC81B39D5E5A}"/>
+              </a:ext>
+            </a:extLst>
+          </p:cNvPr>
+          <p:cNvSpPr txBox="1"/>
           <p:nvPr/>
-        </p:nvCxnSpPr>
+        </p:nvSpPr>
         <p:spPr>
-          <a:xfrm flipH="1">
-            <a:off x="2800351" y="1285875"/>
-            <a:ext cx="407193" cy="1171575"/>
+          <a:xfrm>
+            <a:off x="4259589" y="37875"/>
+            <a:ext cx="2259874" cy="461665"/>
           </a:xfrm>
-          <a:prstGeom prst="line">
+          <a:prstGeom prst="rect">
             <a:avLst/>
           </a:prstGeom>
-          <a:ln w="187325">
-            <a:solidFill>
-              <a:srgbClr val="B43D96"/>
-            </a:solidFill>
-          </a:ln>
+          <a:noFill/>
+          <a:effectLst>
+            <a:outerShdw blurRad="50800" dist="38100" dir="2700000" algn="tl" rotWithShape="0">
+              <a:prstClr val="black">
+                <a:alpha val="40000"/>
+              </a:prstClr>
+            </a:outerShdw>
+          </a:effectLst>
         </p:spPr>
-        <p:style>
-          <a:lnRef idx="1">
-            <a:schemeClr val="accent1"/>
-          </a:lnRef>
-          <a:fillRef idx="0">
-            <a:schemeClr val="accent1"/>
-          </a:fillRef>
-          <a:effectRef idx="0">
-            <a:schemeClr val="accent1"/>
-          </a:effectRef>
-          <a:fontRef idx="minor">
-            <a:schemeClr val="tx1"/>
-          </a:fontRef>
-        </p:style>
-      </p:cxnSp>
+        <p:txBody>
+          <a:bodyPr wrap="square" rtlCol="0">
+            <a:spAutoFit/>
+          </a:bodyPr>
+          <a:lstStyle/>
+          <a:p>
+            <a:pPr algn="ctr"/>
+            <a:r>
+              <a:rPr lang="pt-BR" sz="2400" dirty="0">
+                <a:solidFill>
+                  <a:srgbClr val="06F362"/>
+                </a:solidFill>
+                <a:latin typeface="Audiowide" panose="02000503000000020004" pitchFamily="2" charset="0"/>
+              </a:rPr>
+              <a:t>Feira tech </a:t>
+            </a:r>
+          </a:p>
+        </p:txBody>
+      </p:sp>
+      <p:sp>
+        <p:nvSpPr>
+          <p:cNvPr id="2" name="CaixaDeTexto 1">
+            <a:extLst>
+              <a:ext uri="{FF2B5EF4-FFF2-40B4-BE49-F238E27FC236}">
+                <a16:creationId xmlns:a16="http://schemas.microsoft.com/office/drawing/2014/main" id="{8FABCD3E-80A4-4F4E-BBD5-FD349B508B21}"/>
+              </a:ext>
+            </a:extLst>
+          </p:cNvPr>
+          <p:cNvSpPr txBox="1"/>
+          <p:nvPr/>
+        </p:nvSpPr>
+        <p:spPr>
+          <a:xfrm>
+            <a:off x="3950276" y="729726"/>
+            <a:ext cx="2875069" cy="2031325"/>
+          </a:xfrm>
+          <a:prstGeom prst="rect">
+            <a:avLst/>
+          </a:prstGeom>
+          <a:noFill/>
+          <a:effectLst>
+            <a:outerShdw blurRad="50800" dist="38100" dir="2700000" algn="tl" rotWithShape="0">
+              <a:prstClr val="black">
+                <a:alpha val="40000"/>
+              </a:prstClr>
+            </a:outerShdw>
+          </a:effectLst>
+        </p:spPr>
+        <p:txBody>
+          <a:bodyPr wrap="square" rtlCol="0">
+            <a:spAutoFit/>
+          </a:bodyPr>
+          <a:lstStyle/>
+          <a:p>
+            <a:pPr marL="285750" indent="-285750">
+              <a:buFont typeface="Wingdings" panose="05000000000000000000" pitchFamily="2" charset="2"/>
+              <a:buChar char="§"/>
+            </a:pPr>
+            <a:r>
+              <a:rPr lang="pt-BR" dirty="0">
+                <a:solidFill>
+                  <a:srgbClr val="FFFF00"/>
+                </a:solidFill>
+                <a:latin typeface="Audiowide" panose="02000503000000020004" pitchFamily="2" charset="0"/>
+              </a:rPr>
+              <a:t>Livros</a:t>
+            </a:r>
+          </a:p>
+          <a:p>
+            <a:pPr marL="285750" indent="-285750">
+              <a:buFont typeface="Wingdings" panose="05000000000000000000" pitchFamily="2" charset="2"/>
+              <a:buChar char="§"/>
+            </a:pPr>
+            <a:r>
+              <a:rPr lang="pt-BR" dirty="0">
+                <a:solidFill>
+                  <a:srgbClr val="FFFF00"/>
+                </a:solidFill>
+                <a:latin typeface="Audiowide" panose="02000503000000020004" pitchFamily="2" charset="0"/>
+              </a:rPr>
+              <a:t>Acessórios</a:t>
+            </a:r>
+          </a:p>
+          <a:p>
+            <a:pPr marL="285750" indent="-285750">
+              <a:buFont typeface="Wingdings" panose="05000000000000000000" pitchFamily="2" charset="2"/>
+              <a:buChar char="§"/>
+            </a:pPr>
+            <a:r>
+              <a:rPr lang="pt-BR" dirty="0">
+                <a:solidFill>
+                  <a:srgbClr val="FFFF00"/>
+                </a:solidFill>
+                <a:latin typeface="Audiowide" panose="02000503000000020004" pitchFamily="2" charset="0"/>
+              </a:rPr>
+              <a:t>Periféricos</a:t>
+            </a:r>
+          </a:p>
+          <a:p>
+            <a:pPr marL="285750" indent="-285750">
+              <a:buFont typeface="Wingdings" panose="05000000000000000000" pitchFamily="2" charset="2"/>
+              <a:buChar char="§"/>
+            </a:pPr>
+            <a:r>
+              <a:rPr lang="pt-BR" dirty="0">
+                <a:solidFill>
+                  <a:srgbClr val="FFFF00"/>
+                </a:solidFill>
+                <a:latin typeface="Audiowide" panose="02000503000000020004" pitchFamily="2" charset="0"/>
+              </a:rPr>
+              <a:t>0010101100101011</a:t>
+            </a:r>
+          </a:p>
+          <a:p>
+            <a:pPr marL="285750" indent="-285750">
+              <a:buFont typeface="Wingdings" panose="05000000000000000000" pitchFamily="2" charset="2"/>
+              <a:buChar char="§"/>
+            </a:pPr>
+            <a:endParaRPr lang="pt-BR" dirty="0">
+              <a:solidFill>
+                <a:srgbClr val="FFFF00"/>
+              </a:solidFill>
+              <a:latin typeface="Audiowide" panose="02000503000000020004" pitchFamily="2" charset="0"/>
+            </a:endParaRPr>
+          </a:p>
+          <a:p>
+            <a:pPr marL="285750" indent="-285750">
+              <a:buFont typeface="Wingdings" panose="05000000000000000000" pitchFamily="2" charset="2"/>
+              <a:buChar char="§"/>
+            </a:pPr>
+            <a:endParaRPr lang="pt-BR" dirty="0">
+              <a:solidFill>
+                <a:srgbClr val="FFFF00"/>
+              </a:solidFill>
+              <a:latin typeface="Audiowide" panose="02000503000000020004" pitchFamily="2" charset="0"/>
+            </a:endParaRPr>
+          </a:p>
+          <a:p>
+            <a:pPr marL="285750" indent="-285750">
+              <a:buFont typeface="Wingdings" panose="05000000000000000000" pitchFamily="2" charset="2"/>
+              <a:buChar char="§"/>
+            </a:pPr>
+            <a:endParaRPr lang="pt-BR" dirty="0">
+              <a:solidFill>
+                <a:srgbClr val="FFFF00"/>
+              </a:solidFill>
+              <a:latin typeface="Audiowide" panose="02000503000000020004" pitchFamily="2" charset="0"/>
+            </a:endParaRPr>
+          </a:p>
+        </p:txBody>
+      </p:sp>
     </p:spTree>
     <p:extLst>
       <p:ext uri="{BB962C8B-B14F-4D97-AF65-F5344CB8AC3E}">
@@ -8394,13 +11257,6 @@
   <p:clrMapOvr>
     <a:masterClrMapping/>
   </p:clrMapOvr>
-  <p:timing>
-    <p:tnLst>
-      <p:par>
-        <p:cTn id="1" dur="indefinite" restart="never" nodeType="tmRoot"/>
-      </p:par>
-    </p:tnLst>
-  </p:timing>
 </p:sld>
 </file>
 

--- a/Documentação/pptx/Banner1.pptx
+++ b/Documentação/pptx/Banner1.pptx
@@ -6,6 +6,7 @@
   </p:sldMasterIdLst>
   <p:sldIdLst>
     <p:sldId id="256" r:id="rId2"/>
+    <p:sldId id="257" r:id="rId3"/>
   </p:sldIdLst>
   <p:sldSz cx="12954000" cy="1428750"/>
   <p:notesSz cx="6858000" cy="9144000"/>
@@ -243,7 +244,7 @@
           <a:p>
             <a:fld id="{3AF9CF45-613F-4CC8-9042-1345260F8591}" type="datetimeFigureOut">
               <a:rPr lang="pt-BR" smtClean="0"/>
-              <a:t>23/11/2018</a:t>
+              <a:t>26/11/2018</a:t>
             </a:fld>
             <a:endParaRPr lang="pt-BR"/>
           </a:p>
@@ -413,7 +414,7 @@
           <a:p>
             <a:fld id="{3AF9CF45-613F-4CC8-9042-1345260F8591}" type="datetimeFigureOut">
               <a:rPr lang="pt-BR" smtClean="0"/>
-              <a:t>23/11/2018</a:t>
+              <a:t>26/11/2018</a:t>
             </a:fld>
             <a:endParaRPr lang="pt-BR"/>
           </a:p>
@@ -593,7 +594,7 @@
           <a:p>
             <a:fld id="{3AF9CF45-613F-4CC8-9042-1345260F8591}" type="datetimeFigureOut">
               <a:rPr lang="pt-BR" smtClean="0"/>
-              <a:t>23/11/2018</a:t>
+              <a:t>26/11/2018</a:t>
             </a:fld>
             <a:endParaRPr lang="pt-BR"/>
           </a:p>
@@ -763,7 +764,7 @@
           <a:p>
             <a:fld id="{3AF9CF45-613F-4CC8-9042-1345260F8591}" type="datetimeFigureOut">
               <a:rPr lang="pt-BR" smtClean="0"/>
-              <a:t>23/11/2018</a:t>
+              <a:t>26/11/2018</a:t>
             </a:fld>
             <a:endParaRPr lang="pt-BR"/>
           </a:p>
@@ -1009,7 +1010,7 @@
           <a:p>
             <a:fld id="{3AF9CF45-613F-4CC8-9042-1345260F8591}" type="datetimeFigureOut">
               <a:rPr lang="pt-BR" smtClean="0"/>
-              <a:t>23/11/2018</a:t>
+              <a:t>26/11/2018</a:t>
             </a:fld>
             <a:endParaRPr lang="pt-BR"/>
           </a:p>
@@ -1241,7 +1242,7 @@
           <a:p>
             <a:fld id="{3AF9CF45-613F-4CC8-9042-1345260F8591}" type="datetimeFigureOut">
               <a:rPr lang="pt-BR" smtClean="0"/>
-              <a:t>23/11/2018</a:t>
+              <a:t>26/11/2018</a:t>
             </a:fld>
             <a:endParaRPr lang="pt-BR"/>
           </a:p>
@@ -1608,7 +1609,7 @@
           <a:p>
             <a:fld id="{3AF9CF45-613F-4CC8-9042-1345260F8591}" type="datetimeFigureOut">
               <a:rPr lang="pt-BR" smtClean="0"/>
-              <a:t>23/11/2018</a:t>
+              <a:t>26/11/2018</a:t>
             </a:fld>
             <a:endParaRPr lang="pt-BR"/>
           </a:p>
@@ -1726,7 +1727,7 @@
           <a:p>
             <a:fld id="{3AF9CF45-613F-4CC8-9042-1345260F8591}" type="datetimeFigureOut">
               <a:rPr lang="pt-BR" smtClean="0"/>
-              <a:t>23/11/2018</a:t>
+              <a:t>26/11/2018</a:t>
             </a:fld>
             <a:endParaRPr lang="pt-BR"/>
           </a:p>
@@ -1821,7 +1822,7 @@
           <a:p>
             <a:fld id="{3AF9CF45-613F-4CC8-9042-1345260F8591}" type="datetimeFigureOut">
               <a:rPr lang="pt-BR" smtClean="0"/>
-              <a:t>23/11/2018</a:t>
+              <a:t>26/11/2018</a:t>
             </a:fld>
             <a:endParaRPr lang="pt-BR"/>
           </a:p>
@@ -2098,7 +2099,7 @@
           <a:p>
             <a:fld id="{3AF9CF45-613F-4CC8-9042-1345260F8591}" type="datetimeFigureOut">
               <a:rPr lang="pt-BR" smtClean="0"/>
-              <a:t>23/11/2018</a:t>
+              <a:t>26/11/2018</a:t>
             </a:fld>
             <a:endParaRPr lang="pt-BR"/>
           </a:p>
@@ -2355,7 +2356,7 @@
           <a:p>
             <a:fld id="{3AF9CF45-613F-4CC8-9042-1345260F8591}" type="datetimeFigureOut">
               <a:rPr lang="pt-BR" smtClean="0"/>
-              <a:t>23/11/2018</a:t>
+              <a:t>26/11/2018</a:t>
             </a:fld>
             <a:endParaRPr lang="pt-BR"/>
           </a:p>
@@ -2568,7 +2569,7 @@
           <a:p>
             <a:fld id="{3AF9CF45-613F-4CC8-9042-1345260F8591}" type="datetimeFigureOut">
               <a:rPr lang="pt-BR" smtClean="0"/>
-              <a:t>23/11/2018</a:t>
+              <a:t>26/11/2018</a:t>
             </a:fld>
             <a:endParaRPr lang="pt-BR"/>
           </a:p>
@@ -3348,6 +3349,36 @@
 </p:sld>
 </file>
 
+<file path=ppt/slides/slide2.xml><?xml version="1.0" encoding="utf-8"?>
+<p:sld xmlns:a="http://schemas.openxmlformats.org/drawingml/2006/main" xmlns:r="http://schemas.openxmlformats.org/officeDocument/2006/relationships" xmlns:p="http://schemas.openxmlformats.org/presentationml/2006/main">
+  <p:cSld>
+    <p:spTree>
+      <p:nvGrpSpPr>
+        <p:cNvPr id="1" name=""/>
+        <p:cNvGrpSpPr/>
+        <p:nvPr/>
+      </p:nvGrpSpPr>
+      <p:grpSpPr>
+        <a:xfrm>
+          <a:off x="0" y="0"/>
+          <a:ext cx="0" cy="0"/>
+          <a:chOff x="0" y="0"/>
+          <a:chExt cx="0" cy="0"/>
+        </a:xfrm>
+      </p:grpSpPr>
+    </p:spTree>
+    <p:extLst>
+      <p:ext uri="{BB962C8B-B14F-4D97-AF65-F5344CB8AC3E}">
+        <p14:creationId xmlns:p14="http://schemas.microsoft.com/office/powerpoint/2010/main" val="847213243"/>
+      </p:ext>
+    </p:extLst>
+  </p:cSld>
+  <p:clrMapOvr>
+    <a:masterClrMapping/>
+  </p:clrMapOvr>
+</p:sld>
+</file>
+
 <file path=ppt/theme/theme1.xml><?xml version="1.0" encoding="utf-8"?>
 <a:theme xmlns:a="http://schemas.openxmlformats.org/drawingml/2006/main" name="Tema do Office">
   <a:themeElements>

--- a/Documentação/pptx/Banner1.pptx
+++ b/Documentação/pptx/Banner1.pptx
@@ -3000,6 +3000,13 @@
           <a:ln>
             <a:noFill/>
           </a:ln>
+          <a:effectLst>
+            <a:outerShdw blurRad="50800" dist="38100" dir="2700000" algn="tl" rotWithShape="0">
+              <a:prstClr val="black">
+                <a:alpha val="40000"/>
+              </a:prstClr>
+            </a:outerShdw>
+          </a:effectLst>
         </p:spPr>
         <p:style>
           <a:lnRef idx="2">
@@ -3060,6 +3067,13 @@
           <a:prstGeom prst="rect">
             <a:avLst/>
           </a:prstGeom>
+          <a:effectLst>
+            <a:outerShdw blurRad="50800" dist="38100" dir="2700000" algn="tl" rotWithShape="0">
+              <a:prstClr val="black">
+                <a:alpha val="40000"/>
+              </a:prstClr>
+            </a:outerShdw>
+          </a:effectLst>
         </p:spPr>
       </p:pic>
       <p:sp>
@@ -3090,6 +3104,13 @@
           <a:ln>
             <a:noFill/>
           </a:ln>
+          <a:effectLst>
+            <a:outerShdw blurRad="50800" dist="38100" dir="2700000" algn="tl" rotWithShape="0">
+              <a:prstClr val="black">
+                <a:alpha val="40000"/>
+              </a:prstClr>
+            </a:outerShdw>
+          </a:effectLst>
         </p:spPr>
         <p:style>
           <a:lnRef idx="2">
@@ -3135,6 +3156,13 @@
             <a:chOff x="10828917" y="329653"/>
             <a:chExt cx="2618071" cy="769441"/>
           </a:xfrm>
+          <a:effectLst>
+            <a:outerShdw blurRad="50800" dist="38100" dir="2700000" algn="tl" rotWithShape="0">
+              <a:prstClr val="black">
+                <a:alpha val="40000"/>
+              </a:prstClr>
+            </a:outerShdw>
+          </a:effectLst>
         </p:grpSpPr>
         <p:sp>
           <p:nvSpPr>
@@ -3294,6 +3322,13 @@
           <a:prstGeom prst="rect">
             <a:avLst/>
           </a:prstGeom>
+          <a:effectLst>
+            <a:outerShdw blurRad="50800" dist="38100" dir="2700000" algn="tl" rotWithShape="0">
+              <a:prstClr val="black">
+                <a:alpha val="40000"/>
+              </a:prstClr>
+            </a:outerShdw>
+          </a:effectLst>
         </p:spPr>
       </p:pic>
       <p:sp>
@@ -3317,6 +3352,13 @@
             <a:avLst/>
           </a:prstGeom>
           <a:noFill/>
+          <a:effectLst>
+            <a:outerShdw blurRad="50800" dist="38100" dir="2700000" algn="tl" rotWithShape="0">
+              <a:prstClr val="black">
+                <a:alpha val="40000"/>
+              </a:prstClr>
+            </a:outerShdw>
+          </a:effectLst>
         </p:spPr>
         <p:txBody>
           <a:bodyPr wrap="square" rtlCol="0">
@@ -3366,6 +3408,342 @@
           <a:chExt cx="0" cy="0"/>
         </a:xfrm>
       </p:grpSpPr>
+      <p:sp>
+        <p:nvSpPr>
+          <p:cNvPr id="2" name="Retângulo 1">
+            <a:extLst>
+              <a:ext uri="{FF2B5EF4-FFF2-40B4-BE49-F238E27FC236}">
+                <a16:creationId xmlns:a16="http://schemas.microsoft.com/office/drawing/2014/main" id="{2C14EB57-908D-480B-A136-0F8BF9486D92}"/>
+              </a:ext>
+            </a:extLst>
+          </p:cNvPr>
+          <p:cNvSpPr/>
+          <p:nvPr/>
+        </p:nvSpPr>
+        <p:spPr>
+          <a:xfrm>
+            <a:off x="0" y="-14438"/>
+            <a:ext cx="12954000" cy="1443188"/>
+          </a:xfrm>
+          <a:prstGeom prst="rect">
+            <a:avLst/>
+          </a:prstGeom>
+          <a:solidFill>
+            <a:srgbClr val="232930"/>
+          </a:solidFill>
+          <a:ln>
+            <a:noFill/>
+          </a:ln>
+        </p:spPr>
+        <p:style>
+          <a:lnRef idx="2">
+            <a:schemeClr val="accent1">
+              <a:shade val="50000"/>
+            </a:schemeClr>
+          </a:lnRef>
+          <a:fillRef idx="1">
+            <a:schemeClr val="accent1"/>
+          </a:fillRef>
+          <a:effectRef idx="0">
+            <a:schemeClr val="accent1"/>
+          </a:effectRef>
+          <a:fontRef idx="minor">
+            <a:schemeClr val="lt1"/>
+          </a:fontRef>
+        </p:style>
+        <p:txBody>
+          <a:bodyPr rtlCol="0" anchor="ctr"/>
+          <a:lstStyle/>
+          <a:p>
+            <a:pPr algn="ctr"/>
+            <a:endParaRPr lang="pt-BR" dirty="0"/>
+          </a:p>
+        </p:txBody>
+      </p:sp>
+      <p:sp>
+        <p:nvSpPr>
+          <p:cNvPr id="3" name="Retângulo 2">
+            <a:extLst>
+              <a:ext uri="{FF2B5EF4-FFF2-40B4-BE49-F238E27FC236}">
+                <a16:creationId xmlns:a16="http://schemas.microsoft.com/office/drawing/2014/main" id="{F9274D7E-31A5-4BF5-BB0A-9D0C009B0414}"/>
+              </a:ext>
+            </a:extLst>
+          </p:cNvPr>
+          <p:cNvSpPr/>
+          <p:nvPr/>
+        </p:nvSpPr>
+        <p:spPr>
+          <a:xfrm>
+            <a:off x="2115953" y="-2156059"/>
+            <a:ext cx="962526" cy="1068404"/>
+          </a:xfrm>
+          <a:prstGeom prst="rect">
+            <a:avLst/>
+          </a:prstGeom>
+          <a:solidFill>
+            <a:srgbClr val="DB2B4C"/>
+          </a:solidFill>
+          <a:ln>
+            <a:noFill/>
+          </a:ln>
+        </p:spPr>
+        <p:style>
+          <a:lnRef idx="2">
+            <a:schemeClr val="accent1">
+              <a:shade val="50000"/>
+            </a:schemeClr>
+          </a:lnRef>
+          <a:fillRef idx="1">
+            <a:schemeClr val="accent1"/>
+          </a:fillRef>
+          <a:effectRef idx="0">
+            <a:schemeClr val="accent1"/>
+          </a:effectRef>
+          <a:fontRef idx="minor">
+            <a:schemeClr val="lt1"/>
+          </a:fontRef>
+        </p:style>
+        <p:txBody>
+          <a:bodyPr rtlCol="0" anchor="ctr"/>
+          <a:lstStyle/>
+          <a:p>
+            <a:pPr algn="ctr"/>
+            <a:endParaRPr lang="pt-BR"/>
+          </a:p>
+        </p:txBody>
+      </p:sp>
+      <p:pic>
+        <p:nvPicPr>
+          <p:cNvPr id="1026" name="Picture 2" descr="https://media.discordapp.net/attachments/516713598165450762/516713769389522946/logo2.png?width=400&amp;height=97">
+            <a:extLst>
+              <a:ext uri="{FF2B5EF4-FFF2-40B4-BE49-F238E27FC236}">
+                <a16:creationId xmlns:a16="http://schemas.microsoft.com/office/drawing/2014/main" id="{6A37C345-7C1E-4014-865C-084A4FAA89A9}"/>
+              </a:ext>
+            </a:extLst>
+          </p:cNvPr>
+          <p:cNvPicPr>
+            <a:picLocks noChangeAspect="1" noChangeArrowheads="1"/>
+          </p:cNvPicPr>
+          <p:nvPr/>
+        </p:nvPicPr>
+        <p:blipFill>
+          <a:blip r:embed="rId2">
+            <a:extLst>
+              <a:ext uri="{28A0092B-C50C-407E-A947-70E740481C1C}">
+                <a14:useLocalDpi xmlns:a14="http://schemas.microsoft.com/office/drawing/2010/main" val="0"/>
+              </a:ext>
+            </a:extLst>
+          </a:blip>
+          <a:srcRect/>
+          <a:stretch>
+            <a:fillRect/>
+          </a:stretch>
+        </p:blipFill>
+        <p:spPr bwMode="auto">
+          <a:xfrm>
+            <a:off x="423511" y="245193"/>
+            <a:ext cx="3810000" cy="923925"/>
+          </a:xfrm>
+          <a:prstGeom prst="rect">
+            <a:avLst/>
+          </a:prstGeom>
+          <a:noFill/>
+          <a:effectLst>
+            <a:outerShdw blurRad="50800" dist="38100" dir="2700000" algn="tl" rotWithShape="0">
+              <a:prstClr val="black">
+                <a:alpha val="40000"/>
+              </a:prstClr>
+            </a:outerShdw>
+          </a:effectLst>
+          <a:extLst>
+            <a:ext uri="{909E8E84-426E-40DD-AFC4-6F175D3DCCD1}">
+              <a14:hiddenFill xmlns:a14="http://schemas.microsoft.com/office/drawing/2010/main">
+                <a:solidFill>
+                  <a:srgbClr val="FFFFFF"/>
+                </a:solidFill>
+              </a14:hiddenFill>
+            </a:ext>
+          </a:extLst>
+        </p:spPr>
+      </p:pic>
+      <p:sp>
+        <p:nvSpPr>
+          <p:cNvPr id="6" name="Triângulo isósceles 5">
+            <a:extLst>
+              <a:ext uri="{FF2B5EF4-FFF2-40B4-BE49-F238E27FC236}">
+                <a16:creationId xmlns:a16="http://schemas.microsoft.com/office/drawing/2014/main" id="{63C10A09-F0B6-4F80-A7BF-F187DAF9BBC4}"/>
+              </a:ext>
+            </a:extLst>
+          </p:cNvPr>
+          <p:cNvSpPr/>
+          <p:nvPr/>
+        </p:nvSpPr>
+        <p:spPr>
+          <a:xfrm>
+            <a:off x="6602931" y="-1434165"/>
+            <a:ext cx="6351069" cy="2862915"/>
+          </a:xfrm>
+          <a:prstGeom prst="triangle">
+            <a:avLst>
+              <a:gd name="adj" fmla="val 100000"/>
+            </a:avLst>
+          </a:prstGeom>
+          <a:solidFill>
+            <a:srgbClr val="DB2B4C"/>
+          </a:solidFill>
+          <a:ln>
+            <a:noFill/>
+          </a:ln>
+        </p:spPr>
+        <p:style>
+          <a:lnRef idx="2">
+            <a:schemeClr val="accent1">
+              <a:shade val="50000"/>
+            </a:schemeClr>
+          </a:lnRef>
+          <a:fillRef idx="1">
+            <a:schemeClr val="accent1"/>
+          </a:fillRef>
+          <a:effectRef idx="0">
+            <a:schemeClr val="accent1"/>
+          </a:effectRef>
+          <a:fontRef idx="minor">
+            <a:schemeClr val="lt1"/>
+          </a:fontRef>
+        </p:style>
+        <p:txBody>
+          <a:bodyPr rtlCol="0" anchor="ctr"/>
+          <a:lstStyle/>
+          <a:p>
+            <a:pPr algn="ctr"/>
+            <a:endParaRPr lang="pt-BR" sz="2800"/>
+          </a:p>
+        </p:txBody>
+      </p:sp>
+      <p:pic>
+        <p:nvPicPr>
+          <p:cNvPr id="8" name="Imagem 7">
+            <a:extLst>
+              <a:ext uri="{FF2B5EF4-FFF2-40B4-BE49-F238E27FC236}">
+                <a16:creationId xmlns:a16="http://schemas.microsoft.com/office/drawing/2014/main" id="{58D9E231-8F37-4066-BFFB-F7265D49468C}"/>
+              </a:ext>
+            </a:extLst>
+          </p:cNvPr>
+          <p:cNvPicPr>
+            <a:picLocks noChangeAspect="1"/>
+          </p:cNvPicPr>
+          <p:nvPr/>
+        </p:nvPicPr>
+        <p:blipFill>
+          <a:blip r:embed="rId3">
+            <a:lum bright="70000" contrast="-70000"/>
+            <a:extLst>
+              <a:ext uri="{BEBA8EAE-BF5A-486C-A8C5-ECC9F3942E4B}">
+                <a14:imgProps xmlns:a14="http://schemas.microsoft.com/office/drawing/2010/main">
+                  <a14:imgLayer r:embed="rId4">
+                    <a14:imgEffect>
+                      <a14:colorTemperature colorTemp="4700"/>
+                    </a14:imgEffect>
+                    <a14:imgEffect>
+                      <a14:brightnessContrast bright="-20000" contrast="-40000"/>
+                    </a14:imgEffect>
+                  </a14:imgLayer>
+                </a14:imgProps>
+              </a:ext>
+              <a:ext uri="{28A0092B-C50C-407E-A947-70E740481C1C}">
+                <a14:useLocalDpi xmlns:a14="http://schemas.microsoft.com/office/drawing/2010/main" val="0"/>
+              </a:ext>
+            </a:extLst>
+          </a:blip>
+          <a:stretch>
+            <a:fillRect/>
+          </a:stretch>
+        </p:blipFill>
+        <p:spPr>
+          <a:xfrm>
+            <a:off x="9336506" y="86226"/>
+            <a:ext cx="3473116" cy="2127284"/>
+          </a:xfrm>
+          <a:prstGeom prst="rect">
+            <a:avLst/>
+          </a:prstGeom>
+          <a:effectLst>
+            <a:outerShdw blurRad="50800" dist="38100" dir="2700000" algn="tl" rotWithShape="0">
+              <a:prstClr val="black">
+                <a:alpha val="40000"/>
+              </a:prstClr>
+            </a:outerShdw>
+          </a:effectLst>
+        </p:spPr>
+      </p:pic>
+      <p:sp>
+        <p:nvSpPr>
+          <p:cNvPr id="9" name="CaixaDeTexto 8">
+            <a:extLst>
+              <a:ext uri="{FF2B5EF4-FFF2-40B4-BE49-F238E27FC236}">
+                <a16:creationId xmlns:a16="http://schemas.microsoft.com/office/drawing/2014/main" id="{BEDD9239-AA2B-41E1-8896-63D958A84128}"/>
+              </a:ext>
+            </a:extLst>
+          </p:cNvPr>
+          <p:cNvSpPr txBox="1"/>
+          <p:nvPr/>
+        </p:nvSpPr>
+        <p:spPr>
+          <a:xfrm>
+            <a:off x="4294620" y="21877"/>
+            <a:ext cx="2247202" cy="1384995"/>
+          </a:xfrm>
+          <a:prstGeom prst="rect">
+            <a:avLst/>
+          </a:prstGeom>
+          <a:noFill/>
+        </p:spPr>
+        <p:txBody>
+          <a:bodyPr wrap="square" rtlCol="0">
+            <a:spAutoFit/>
+          </a:bodyPr>
+          <a:lstStyle/>
+          <a:p>
+            <a:pPr algn="ctr"/>
+            <a:r>
+              <a:rPr lang="pt-BR" sz="2800" dirty="0">
+                <a:solidFill>
+                  <a:srgbClr val="FFFFFF"/>
+                </a:solidFill>
+                <a:latin typeface="Caviar Dreams" panose="020B0402020204020504" pitchFamily="34" charset="0"/>
+                <a:cs typeface="Arial" panose="020B0604020202020204" pitchFamily="34" charset="0"/>
+              </a:rPr>
+              <a:t>DEVELOP</a:t>
+            </a:r>
+          </a:p>
+          <a:p>
+            <a:pPr algn="ctr"/>
+            <a:r>
+              <a:rPr lang="pt-BR" sz="2800" dirty="0">
+                <a:solidFill>
+                  <a:srgbClr val="FFFFFF"/>
+                </a:solidFill>
+                <a:latin typeface="Caviar Dreams" panose="020B0402020204020504" pitchFamily="34" charset="0"/>
+                <a:cs typeface="Arial" panose="020B0604020202020204" pitchFamily="34" charset="0"/>
+              </a:rPr>
+              <a:t>PLAY</a:t>
+            </a:r>
+          </a:p>
+          <a:p>
+            <a:pPr algn="ctr"/>
+            <a:r>
+              <a:rPr lang="pt-BR" sz="2800" dirty="0">
+                <a:solidFill>
+                  <a:srgbClr val="FFFFFF"/>
+                </a:solidFill>
+                <a:latin typeface="Caviar Dreams" panose="020B0402020204020504" pitchFamily="34" charset="0"/>
+                <a:cs typeface="Arial" panose="020B0604020202020204" pitchFamily="34" charset="0"/>
+              </a:rPr>
+              <a:t>SHARE</a:t>
+            </a:r>
+          </a:p>
+        </p:txBody>
+      </p:sp>
     </p:spTree>
     <p:extLst>
       <p:ext uri="{BB962C8B-B14F-4D97-AF65-F5344CB8AC3E}">
